--- a/docs/RISCME..pptx
+++ b/docs/RISCME..pptx
@@ -9088,11 +9088,7 @@
             </a:r>
             <a:r>
               <a:rPr lang="en-US" sz="2000" smtClean="0"/>
-              <a:t>and </a:t>
-            </a:r>
-            <a:r>
-              <a:rPr lang="en-US" sz="2000" smtClean="0"/>
-              <a:t>R15 and LR</a:t>
+              <a:t>and R15 and LR</a:t>
             </a:r>
             <a:endParaRPr lang="en-US" sz="2000" dirty="0" smtClean="0"/>
           </a:p>
@@ -14575,7 +14571,6 @@
                         <a:rPr lang="pt-BR" b="1" dirty="0" smtClean="0"/>
                         <a:t>STR</a:t>
                       </a:r>
-                      <a:endParaRPr lang="pt-BR" b="1" dirty="0" smtClean="0"/>
                     </a:p>
                   </a:txBody>
                   <a:tcPr/>
@@ -17255,31 +17250,32 @@
             </p:custDataLst>
             <p:extLst>
               <p:ext uri="{D42A27DB-BD31-4B8C-83A1-F6EECF244321}">
-                <p14:modId xmlns:p14="http://schemas.microsoft.com/office/powerpoint/2010/main" val="2984410038"/>
+                <p14:modId xmlns:p14="http://schemas.microsoft.com/office/powerpoint/2010/main" val="128685232"/>
               </p:ext>
             </p:extLst>
           </p:nvPr>
         </p:nvGraphicFramePr>
         <p:xfrm>
-          <a:off x="696912" y="274637"/>
-          <a:ext cx="8686802" cy="6465865"/>
+          <a:off x="87312" y="20637"/>
+          <a:ext cx="8922174" cy="7147559"/>
         </p:xfrm>
         <a:graphic>
           <a:graphicData uri="http://schemas.openxmlformats.org/drawingml/2006/table">
             <a:tbl>
               <a:tblPr/>
               <a:tblGrid>
-                <a:gridCol w="1938379"/>
-                <a:gridCol w="1005084"/>
-                <a:gridCol w="574334"/>
-                <a:gridCol w="574334"/>
-                <a:gridCol w="574334"/>
-                <a:gridCol w="646126"/>
-                <a:gridCol w="789709"/>
-                <a:gridCol w="502542"/>
-                <a:gridCol w="1076876"/>
-                <a:gridCol w="502542"/>
-                <a:gridCol w="502542"/>
+                <a:gridCol w="1737362"/>
+                <a:gridCol w="900853"/>
+                <a:gridCol w="514773"/>
+                <a:gridCol w="514773"/>
+                <a:gridCol w="514773"/>
+                <a:gridCol w="579120"/>
+                <a:gridCol w="707813"/>
+                <a:gridCol w="450426"/>
+                <a:gridCol w="965200"/>
+                <a:gridCol w="450426"/>
+                <a:gridCol w="748455"/>
+                <a:gridCol w="838200"/>
               </a:tblGrid>
               <a:tr h="1503469">
                 <a:tc>
@@ -18168,7 +18164,7 @@
                         <a:tabLst/>
                       </a:pPr>
                       <a:r>
-                        <a:rPr kumimoji="0" lang="en-US" sz="1800" b="1" i="0" u="none" strike="noStrike" cap="none" normalizeH="0" baseline="0" dirty="0" err="1" smtClean="0">
+                        <a:rPr kumimoji="0" lang="en-US" sz="1800" b="0" i="0" u="none" strike="noStrike" cap="none" normalizeH="0" baseline="0" dirty="0" smtClean="0">
                           <a:ln>
                             <a:noFill/>
                           </a:ln>
@@ -18177,21 +18173,10 @@
                           </a:solidFill>
                           <a:effectLst/>
                           <a:latin typeface="Times New Roman" pitchFamily="18" charset="0"/>
-                          <a:cs typeface="Times New Roman" pitchFamily="18" charset="0"/>
+                          <a:cs typeface="Arial" charset="0"/>
                         </a:rPr>
-                        <a:t>ALUOp</a:t>
-                      </a:r>
-                      <a:endParaRPr kumimoji="0" lang="en-US" sz="1800" b="0" i="0" u="none" strike="noStrike" cap="none" normalizeH="0" baseline="0" dirty="0" smtClean="0">
-                        <a:ln>
-                          <a:noFill/>
-                        </a:ln>
-                        <a:solidFill>
-                          <a:schemeClr val="bg1"/>
-                        </a:solidFill>
-                        <a:effectLst/>
-                        <a:latin typeface="Times New Roman" pitchFamily="18" charset="0"/>
-                        <a:cs typeface="Arial" charset="0"/>
-                      </a:endParaRPr>
+                        <a:t>LRW</a:t>
+                      </a:r>
                     </a:p>
                   </a:txBody>
                   <a:tcPr vert="vert" horzOverflow="overflow">
@@ -18264,7 +18249,7 @@
                         <a:tabLst/>
                       </a:pPr>
                       <a:r>
-                        <a:rPr kumimoji="0" lang="en-US" sz="1800" b="0" i="0" u="none" strike="noStrike" cap="none" normalizeH="0" baseline="0" dirty="0" smtClean="0">
+                        <a:rPr kumimoji="0" lang="en-US" sz="1800" b="0" i="0" u="none" strike="noStrike" cap="none" normalizeH="0" baseline="0" dirty="0" err="1" smtClean="0">
                           <a:ln>
                             <a:noFill/>
                           </a:ln>
@@ -18275,7 +18260,103 @@
                           <a:latin typeface="Times New Roman" pitchFamily="18" charset="0"/>
                           <a:cs typeface="Arial" charset="0"/>
                         </a:rPr>
-                        <a:t>LRW</a:t>
+                        <a:t>FlagW</a:t>
+                      </a:r>
+                      <a:endParaRPr kumimoji="0" lang="en-US" sz="1800" b="0" i="0" u="none" strike="noStrike" cap="none" normalizeH="0" baseline="0" dirty="0" smtClean="0">
+                        <a:ln>
+                          <a:noFill/>
+                        </a:ln>
+                        <a:solidFill>
+                          <a:schemeClr val="bg1"/>
+                        </a:solidFill>
+                        <a:effectLst/>
+                        <a:latin typeface="Times New Roman" pitchFamily="18" charset="0"/>
+                        <a:cs typeface="Arial" charset="0"/>
+                      </a:endParaRPr>
+                    </a:p>
+                  </a:txBody>
+                  <a:tcPr vert="vert" horzOverflow="overflow">
+                    <a:lnL w="12700" cap="flat" cmpd="sng" algn="ctr">
+                      <a:solidFill>
+                        <a:srgbClr val="000000"/>
+                      </a:solidFill>
+                      <a:prstDash val="solid"/>
+                      <a:round/>
+                      <a:headEnd type="none" w="med" len="med"/>
+                      <a:tailEnd type="none" w="med" len="med"/>
+                    </a:lnL>
+                    <a:lnR w="12700" cap="flat" cmpd="sng" algn="ctr">
+                      <a:solidFill>
+                        <a:srgbClr val="000000"/>
+                      </a:solidFill>
+                      <a:prstDash val="solid"/>
+                      <a:round/>
+                      <a:headEnd type="none" w="med" len="med"/>
+                      <a:tailEnd type="none" w="med" len="med"/>
+                    </a:lnR>
+                    <a:lnT w="38100" cap="flat" cmpd="sng" algn="ctr">
+                      <a:solidFill>
+                        <a:schemeClr val="tx1"/>
+                      </a:solidFill>
+                      <a:prstDash val="solid"/>
+                      <a:round/>
+                      <a:headEnd type="none" w="med" len="med"/>
+                      <a:tailEnd type="none" w="med" len="med"/>
+                    </a:lnT>
+                    <a:lnB w="12700" cap="flat" cmpd="sng" algn="ctr">
+                      <a:solidFill>
+                        <a:srgbClr val="000000"/>
+                      </a:solidFill>
+                      <a:prstDash val="solid"/>
+                      <a:round/>
+                      <a:headEnd type="none" w="med" len="med"/>
+                      <a:tailEnd type="none" w="med" len="med"/>
+                    </a:lnB>
+                    <a:lnTlToBr>
+                      <a:noFill/>
+                    </a:lnTlToBr>
+                    <a:lnBlToTr>
+                      <a:noFill/>
+                    </a:lnBlToTr>
+                    <a:solidFill>
+                      <a:srgbClr val="0070C0"/>
+                    </a:solidFill>
+                  </a:tcPr>
+                </a:tc>
+                <a:tc>
+                  <a:txBody>
+                    <a:bodyPr/>
+                    <a:lstStyle/>
+                    <a:p>
+                      <a:pPr marL="342900" marR="0" lvl="0" indent="-342900" algn="l" defTabSz="914400" rtl="0" eaLnBrk="1" fontAlgn="base" latinLnBrk="0" hangingPunct="1">
+                        <a:lnSpc>
+                          <a:spcPct val="100000"/>
+                        </a:lnSpc>
+                        <a:spcBef>
+                          <a:spcPct val="0"/>
+                        </a:spcBef>
+                        <a:spcAft>
+                          <a:spcPct val="0"/>
+                        </a:spcAft>
+                        <a:buClrTx/>
+                        <a:buSzTx/>
+                        <a:buFontTx/>
+                        <a:buNone/>
+                        <a:tabLst/>
+                      </a:pPr>
+                      <a:r>
+                        <a:rPr kumimoji="0" lang="en-US" sz="1800" b="0" i="0" u="none" strike="noStrike" cap="none" normalizeH="0" baseline="0" dirty="0" err="1" smtClean="0">
+                          <a:ln>
+                            <a:noFill/>
+                          </a:ln>
+                          <a:solidFill>
+                            <a:schemeClr val="bg1"/>
+                          </a:solidFill>
+                          <a:effectLst/>
+                          <a:latin typeface="Times New Roman" pitchFamily="18" charset="0"/>
+                          <a:cs typeface="Arial" charset="0"/>
+                        </a:rPr>
+                        <a:t>ALUControl</a:t>
                       </a:r>
                       <a:endParaRPr kumimoji="0" lang="en-US" sz="1800" b="0" i="0" u="none" strike="noStrike" cap="none" normalizeH="0" baseline="0" dirty="0" smtClean="0">
                         <a:ln>
@@ -18409,17 +18490,6 @@
                         </a:rPr>
                         <a:t>0001101</a:t>
                       </a:r>
-                      <a:endParaRPr kumimoji="0" lang="en-US" sz="1800" b="0" i="0" u="none" strike="noStrike" cap="none" normalizeH="0" baseline="0" dirty="0" smtClean="0">
-                        <a:ln>
-                          <a:noFill/>
-                        </a:ln>
-                        <a:solidFill>
-                          <a:schemeClr val="tx1"/>
-                        </a:solidFill>
-                        <a:effectLst/>
-                        <a:latin typeface="Times New Roman" pitchFamily="18" charset="0"/>
-                        <a:cs typeface="Arial" charset="0"/>
-                      </a:endParaRPr>
                     </a:p>
                   </a:txBody>
                   <a:tcPr horzOverflow="overflow">
@@ -18501,7 +18571,7 @@
                           <a:latin typeface="Times New Roman" pitchFamily="18" charset="0"/>
                           <a:cs typeface="Times New Roman" pitchFamily="18" charset="0"/>
                         </a:rPr>
-                        <a:t>DPRCM</a:t>
+                        <a:t>DPRSP</a:t>
                       </a:r>
                       <a:endParaRPr kumimoji="0" lang="en-US" sz="1800" b="0" i="0" u="none" strike="noStrike" cap="none" normalizeH="0" baseline="0" dirty="0" smtClean="0">
                         <a:ln>
@@ -18597,17 +18667,6 @@
                         </a:rPr>
                         <a:t>0</a:t>
                       </a:r>
-                      <a:endParaRPr kumimoji="0" lang="en-US" sz="1800" b="0" i="0" u="none" strike="noStrike" cap="none" normalizeH="0" baseline="0" dirty="0" smtClean="0">
-                        <a:ln>
-                          <a:noFill/>
-                        </a:ln>
-                        <a:solidFill>
-                          <a:schemeClr val="tx1"/>
-                        </a:solidFill>
-                        <a:effectLst/>
-                        <a:latin typeface="Times New Roman" pitchFamily="18" charset="0"/>
-                        <a:cs typeface="Arial" charset="0"/>
-                      </a:endParaRPr>
                     </a:p>
                   </a:txBody>
                   <a:tcPr horzOverflow="overflow">
@@ -18691,17 +18750,6 @@
                         </a:rPr>
                         <a:t>0</a:t>
                       </a:r>
-                      <a:endParaRPr kumimoji="0" lang="en-US" sz="1800" b="0" i="0" u="none" strike="noStrike" cap="none" normalizeH="0" baseline="0" dirty="0" smtClean="0">
-                        <a:ln>
-                          <a:noFill/>
-                        </a:ln>
-                        <a:solidFill>
-                          <a:schemeClr val="tx1"/>
-                        </a:solidFill>
-                        <a:effectLst/>
-                        <a:latin typeface="Times New Roman" pitchFamily="18" charset="0"/>
-                        <a:cs typeface="Arial" charset="0"/>
-                      </a:endParaRPr>
                     </a:p>
                   </a:txBody>
                   <a:tcPr horzOverflow="overflow">
@@ -18785,17 +18833,6 @@
                         </a:rPr>
                         <a:t>0</a:t>
                       </a:r>
-                      <a:endParaRPr kumimoji="0" lang="en-US" sz="1800" b="0" i="0" u="none" strike="noStrike" cap="none" normalizeH="0" baseline="0" dirty="0" smtClean="0">
-                        <a:ln>
-                          <a:noFill/>
-                        </a:ln>
-                        <a:solidFill>
-                          <a:schemeClr val="tx1"/>
-                        </a:solidFill>
-                        <a:effectLst/>
-                        <a:latin typeface="Times New Roman" pitchFamily="18" charset="0"/>
-                        <a:cs typeface="Arial" charset="0"/>
-                      </a:endParaRPr>
                     </a:p>
                   </a:txBody>
                   <a:tcPr horzOverflow="overflow">
@@ -18879,17 +18916,6 @@
                         </a:rPr>
                         <a:t>0</a:t>
                       </a:r>
-                      <a:endParaRPr kumimoji="0" lang="en-US" sz="1800" b="0" i="0" u="none" strike="noStrike" cap="none" normalizeH="0" baseline="0" dirty="0" smtClean="0">
-                        <a:ln>
-                          <a:noFill/>
-                        </a:ln>
-                        <a:solidFill>
-                          <a:schemeClr val="tx1"/>
-                        </a:solidFill>
-                        <a:effectLst/>
-                        <a:latin typeface="Times New Roman" pitchFamily="18" charset="0"/>
-                        <a:cs typeface="Arial" charset="0"/>
-                      </a:endParaRPr>
                     </a:p>
                   </a:txBody>
                   <a:tcPr horzOverflow="overflow">
@@ -18973,17 +18999,6 @@
                         </a:rPr>
                         <a:t>XX</a:t>
                       </a:r>
-                      <a:endParaRPr kumimoji="0" lang="en-US" sz="1800" b="0" i="0" u="none" strike="noStrike" cap="none" normalizeH="0" baseline="0" dirty="0" smtClean="0">
-                        <a:ln>
-                          <a:noFill/>
-                        </a:ln>
-                        <a:solidFill>
-                          <a:schemeClr val="tx1"/>
-                        </a:solidFill>
-                        <a:effectLst/>
-                        <a:latin typeface="Times New Roman" pitchFamily="18" charset="0"/>
-                        <a:cs typeface="Arial" charset="0"/>
-                      </a:endParaRPr>
                     </a:p>
                   </a:txBody>
                   <a:tcPr horzOverflow="overflow">
@@ -19067,17 +19082,6 @@
                         </a:rPr>
                         <a:t>1</a:t>
                       </a:r>
-                      <a:endParaRPr kumimoji="0" lang="en-US" sz="1800" b="0" i="0" u="none" strike="noStrike" cap="none" normalizeH="0" baseline="0" dirty="0" smtClean="0">
-                        <a:ln>
-                          <a:noFill/>
-                        </a:ln>
-                        <a:solidFill>
-                          <a:schemeClr val="tx1"/>
-                        </a:solidFill>
-                        <a:effectLst/>
-                        <a:latin typeface="Times New Roman" pitchFamily="18" charset="0"/>
-                        <a:cs typeface="Arial" charset="0"/>
-                      </a:endParaRPr>
                     </a:p>
                   </a:txBody>
                   <a:tcPr horzOverflow="overflow">
@@ -19161,17 +19165,6 @@
                         </a:rPr>
                         <a:t>0XX10</a:t>
                       </a:r>
-                      <a:endParaRPr kumimoji="0" lang="en-US" sz="1800" b="0" i="0" u="none" strike="noStrike" cap="none" normalizeH="0" baseline="0" dirty="0" smtClean="0">
-                        <a:ln>
-                          <a:noFill/>
-                        </a:ln>
-                        <a:solidFill>
-                          <a:schemeClr val="tx1"/>
-                        </a:solidFill>
-                        <a:effectLst/>
-                        <a:latin typeface="Times New Roman" pitchFamily="18" charset="0"/>
-                        <a:cs typeface="Arial" charset="0"/>
-                      </a:endParaRPr>
                     </a:p>
                   </a:txBody>
                   <a:tcPr horzOverflow="overflow">
@@ -19253,19 +19246,8 @@
                           <a:latin typeface="Times New Roman" pitchFamily="18" charset="0"/>
                           <a:cs typeface="Arial" charset="0"/>
                         </a:rPr>
-                        <a:t>1</a:t>
-                      </a:r>
-                      <a:endParaRPr kumimoji="0" lang="en-US" sz="1800" b="0" i="0" u="none" strike="noStrike" cap="none" normalizeH="0" baseline="0" dirty="0" smtClean="0">
-                        <a:ln>
-                          <a:noFill/>
-                        </a:ln>
-                        <a:solidFill>
-                          <a:schemeClr val="tx1"/>
-                        </a:solidFill>
-                        <a:effectLst/>
-                        <a:latin typeface="Times New Roman" pitchFamily="18" charset="0"/>
-                        <a:cs typeface="Arial" charset="0"/>
-                      </a:endParaRPr>
+                        <a:t>0</a:t>
+                      </a:r>
                     </a:p>
                   </a:txBody>
                   <a:tcPr horzOverflow="overflow">
@@ -19347,7 +19329,7 @@
                           <a:latin typeface="Times New Roman" pitchFamily="18" charset="0"/>
                           <a:cs typeface="Arial" charset="0"/>
                         </a:rPr>
-                        <a:t>0</a:t>
+                        <a:t>11</a:t>
                       </a:r>
                       <a:endParaRPr kumimoji="0" lang="en-US" sz="1800" b="0" i="0" u="none" strike="noStrike" cap="none" normalizeH="0" baseline="0" dirty="0" smtClean="0">
                         <a:ln>
@@ -19372,9 +19354,9 @@
                       <a:headEnd type="none" w="med" len="med"/>
                       <a:tailEnd type="none" w="med" len="med"/>
                     </a:lnL>
-                    <a:lnR w="38100" cap="flat" cmpd="sng" algn="ctr">
-                      <a:solidFill>
-                        <a:schemeClr val="tx1"/>
+                    <a:lnR w="12700" cap="flat" cmpd="sng" algn="ctr">
+                      <a:solidFill>
+                        <a:srgbClr val="000000"/>
                       </a:solidFill>
                       <a:prstDash val="solid"/>
                       <a:round/>
@@ -19408,8 +19390,6 @@
                     <a:noFill/>
                   </a:tcPr>
                 </a:tc>
-              </a:tr>
-              <a:tr h="507026">
                 <a:tc>
                   <a:txBody>
                     <a:bodyPr/>
@@ -19443,9 +19423,73 @@
                           <a:latin typeface="Times New Roman" pitchFamily="18" charset="0"/>
                           <a:cs typeface="Arial" charset="0"/>
                         </a:rPr>
-                        <a:t>0100000000</a:t>
-                      </a:r>
-                    </a:p>
+                        <a:t>0?</a:t>
+                      </a:r>
+                      <a:endParaRPr kumimoji="0" lang="en-US" sz="1800" b="0" i="0" u="none" strike="noStrike" cap="none" normalizeH="0" baseline="0" dirty="0" smtClean="0">
+                        <a:ln>
+                          <a:noFill/>
+                        </a:ln>
+                        <a:solidFill>
+                          <a:schemeClr val="tx1"/>
+                        </a:solidFill>
+                        <a:effectLst/>
+                        <a:latin typeface="Times New Roman" pitchFamily="18" charset="0"/>
+                        <a:cs typeface="Arial" charset="0"/>
+                      </a:endParaRPr>
+                    </a:p>
+                  </a:txBody>
+                  <a:tcPr horzOverflow="overflow">
+                    <a:lnL w="12700" cap="flat" cmpd="sng" algn="ctr">
+                      <a:solidFill>
+                        <a:srgbClr val="000000"/>
+                      </a:solidFill>
+                      <a:prstDash val="solid"/>
+                      <a:round/>
+                      <a:headEnd type="none" w="med" len="med"/>
+                      <a:tailEnd type="none" w="med" len="med"/>
+                    </a:lnL>
+                    <a:lnR w="38100" cap="flat" cmpd="sng" algn="ctr">
+                      <a:solidFill>
+                        <a:schemeClr val="tx1"/>
+                      </a:solidFill>
+                      <a:prstDash val="solid"/>
+                      <a:round/>
+                      <a:headEnd type="none" w="med" len="med"/>
+                      <a:tailEnd type="none" w="med" len="med"/>
+                    </a:lnR>
+                    <a:lnT w="12700" cap="flat" cmpd="sng" algn="ctr">
+                      <a:solidFill>
+                        <a:srgbClr val="000000"/>
+                      </a:solidFill>
+                      <a:prstDash val="solid"/>
+                      <a:round/>
+                      <a:headEnd type="none" w="med" len="med"/>
+                      <a:tailEnd type="none" w="med" len="med"/>
+                    </a:lnT>
+                    <a:lnB w="12700" cap="flat" cmpd="sng" algn="ctr">
+                      <a:solidFill>
+                        <a:srgbClr val="000000"/>
+                      </a:solidFill>
+                      <a:prstDash val="solid"/>
+                      <a:round/>
+                      <a:headEnd type="none" w="med" len="med"/>
+                      <a:tailEnd type="none" w="med" len="med"/>
+                    </a:lnB>
+                    <a:lnTlToBr>
+                      <a:noFill/>
+                    </a:lnTlToBr>
+                    <a:lnBlToTr>
+                      <a:noFill/>
+                    </a:lnBlToTr>
+                    <a:noFill/>
+                  </a:tcPr>
+                </a:tc>
+              </a:tr>
+              <a:tr h="507026">
+                <a:tc>
+                  <a:txBody>
+                    <a:bodyPr/>
+                    <a:lstStyle/>
                     <a:p>
                       <a:pPr marL="342900" marR="0" lvl="0" indent="-342900" algn="ctr" defTabSz="914400" rtl="0" eaLnBrk="1" fontAlgn="base" latinLnBrk="0" hangingPunct="1">
                         <a:lnSpc>
@@ -19475,71 +19519,9 @@
                           <a:latin typeface="Times New Roman" pitchFamily="18" charset="0"/>
                           <a:cs typeface="Arial" charset="0"/>
                         </a:rPr>
-                        <a:t>0100001100</a:t>
-                      </a:r>
-                      <a:endParaRPr kumimoji="0" lang="en-US" sz="1800" b="0" i="0" u="none" strike="noStrike" cap="none" normalizeH="0" baseline="0" dirty="0" smtClean="0">
-                        <a:ln>
-                          <a:noFill/>
-                        </a:ln>
-                        <a:solidFill>
-                          <a:schemeClr val="tx1"/>
-                        </a:solidFill>
-                        <a:effectLst/>
-                        <a:latin typeface="Times New Roman" pitchFamily="18" charset="0"/>
-                        <a:cs typeface="Arial" charset="0"/>
-                      </a:endParaRPr>
-                    </a:p>
-                  </a:txBody>
-                  <a:tcPr horzOverflow="overflow">
-                    <a:lnL w="38100" cap="flat" cmpd="sng" algn="ctr">
-                      <a:solidFill>
-                        <a:schemeClr val="tx1"/>
-                      </a:solidFill>
-                      <a:prstDash val="solid"/>
-                      <a:round/>
-                      <a:headEnd type="none" w="med" len="med"/>
-                      <a:tailEnd type="none" w="med" len="med"/>
-                    </a:lnL>
-                    <a:lnR w="12700" cap="flat" cmpd="sng" algn="ctr">
-                      <a:solidFill>
-                        <a:srgbClr val="000000"/>
-                      </a:solidFill>
-                      <a:prstDash val="solid"/>
-                      <a:round/>
-                      <a:headEnd type="none" w="med" len="med"/>
-                      <a:tailEnd type="none" w="med" len="med"/>
-                    </a:lnR>
-                    <a:lnT w="12700" cap="flat" cmpd="sng" algn="ctr">
-                      <a:solidFill>
-                        <a:srgbClr val="000000"/>
-                      </a:solidFill>
-                      <a:prstDash val="solid"/>
-                      <a:round/>
-                      <a:headEnd type="none" w="med" len="med"/>
-                      <a:tailEnd type="none" w="med" len="med"/>
-                    </a:lnT>
-                    <a:lnB w="12700" cap="flat" cmpd="sng" algn="ctr">
-                      <a:solidFill>
-                        <a:srgbClr val="000000"/>
-                      </a:solidFill>
-                      <a:prstDash val="solid"/>
-                      <a:round/>
-                      <a:headEnd type="none" w="med" len="med"/>
-                      <a:tailEnd type="none" w="med" len="med"/>
-                    </a:lnB>
-                    <a:lnTlToBr>
-                      <a:noFill/>
-                    </a:lnTlToBr>
-                    <a:lnBlToTr>
-                      <a:noFill/>
-                    </a:lnBlToTr>
-                    <a:noFill/>
-                  </a:tcPr>
-                </a:tc>
-                <a:tc>
-                  <a:txBody>
-                    <a:bodyPr/>
-                    <a:lstStyle/>
+                        <a:t>0100000000</a:t>
+                      </a:r>
+                    </a:p>
                     <a:p>
                       <a:pPr marL="342900" marR="0" lvl="0" indent="-342900" algn="ctr" defTabSz="914400" rtl="0" eaLnBrk="1" fontAlgn="base" latinLnBrk="0" hangingPunct="1">
                         <a:lnSpc>
@@ -19569,34 +19551,23 @@
                           <a:latin typeface="Times New Roman" pitchFamily="18" charset="0"/>
                           <a:cs typeface="Arial" charset="0"/>
                         </a:rPr>
-                        <a:t>DPRSP</a:t>
-                      </a:r>
-                      <a:endParaRPr kumimoji="0" lang="en-US" sz="1800" b="0" i="0" u="none" strike="noStrike" cap="none" normalizeH="0" baseline="0" dirty="0" smtClean="0">
-                        <a:ln>
-                          <a:noFill/>
-                        </a:ln>
-                        <a:solidFill>
-                          <a:schemeClr val="tx1"/>
-                        </a:solidFill>
-                        <a:effectLst/>
-                        <a:latin typeface="Times New Roman" pitchFamily="18" charset="0"/>
-                        <a:cs typeface="Arial" charset="0"/>
-                      </a:endParaRPr>
+                        <a:t>0100001100</a:t>
+                      </a:r>
                     </a:p>
                   </a:txBody>
                   <a:tcPr horzOverflow="overflow">
-                    <a:lnL w="12700" cap="flat" cmpd="sng" algn="ctr">
-                      <a:solidFill>
-                        <a:srgbClr val="000000"/>
+                    <a:lnL w="38100" cap="flat" cmpd="sng" algn="ctr">
+                      <a:solidFill>
+                        <a:schemeClr val="tx1"/>
                       </a:solidFill>
                       <a:prstDash val="solid"/>
                       <a:round/>
                       <a:headEnd type="none" w="med" len="med"/>
                       <a:tailEnd type="none" w="med" len="med"/>
                     </a:lnL>
-                    <a:lnR w="38100" cap="flat" cmpd="sng" algn="ctr">
-                      <a:solidFill>
-                        <a:schemeClr val="tx1"/>
+                    <a:lnR w="12700" cap="flat" cmpd="sng" algn="ctr">
+                      <a:solidFill>
+                        <a:srgbClr val="000000"/>
                       </a:solidFill>
                       <a:prstDash val="solid"/>
                       <a:round/>
@@ -19663,7 +19634,7 @@
                           <a:latin typeface="Times New Roman" pitchFamily="18" charset="0"/>
                           <a:cs typeface="Arial" charset="0"/>
                         </a:rPr>
-                        <a:t>0</a:t>
+                        <a:t>DPRCM</a:t>
                       </a:r>
                       <a:endParaRPr kumimoji="0" lang="en-US" sz="1800" b="0" i="0" u="none" strike="noStrike" cap="none" normalizeH="0" baseline="0" dirty="0" smtClean="0">
                         <a:ln>
@@ -19679,18 +19650,18 @@
                     </a:p>
                   </a:txBody>
                   <a:tcPr horzOverflow="overflow">
-                    <a:lnL w="38100" cap="flat" cmpd="sng" algn="ctr">
+                    <a:lnL w="12700" cap="flat" cmpd="sng" algn="ctr">
+                      <a:solidFill>
+                        <a:srgbClr val="000000"/>
+                      </a:solidFill>
+                      <a:prstDash val="solid"/>
+                      <a:round/>
+                      <a:headEnd type="none" w="med" len="med"/>
+                      <a:tailEnd type="none" w="med" len="med"/>
+                    </a:lnL>
+                    <a:lnR w="38100" cap="flat" cmpd="sng" algn="ctr">
                       <a:solidFill>
                         <a:schemeClr val="tx1"/>
-                      </a:solidFill>
-                      <a:prstDash val="solid"/>
-                      <a:round/>
-                      <a:headEnd type="none" w="med" len="med"/>
-                      <a:tailEnd type="none" w="med" len="med"/>
-                    </a:lnL>
-                    <a:lnR w="12700" cap="flat" cmpd="sng" algn="ctr">
-                      <a:solidFill>
-                        <a:srgbClr val="000000"/>
                       </a:solidFill>
                       <a:prstDash val="solid"/>
                       <a:round/>
@@ -19759,23 +19730,12 @@
                         </a:rPr>
                         <a:t>0</a:t>
                       </a:r>
-                      <a:endParaRPr kumimoji="0" lang="en-US" sz="1800" b="0" i="0" u="none" strike="noStrike" cap="none" normalizeH="0" baseline="0" dirty="0" smtClean="0">
-                        <a:ln>
-                          <a:noFill/>
-                        </a:ln>
-                        <a:solidFill>
-                          <a:schemeClr val="tx1"/>
-                        </a:solidFill>
-                        <a:effectLst/>
-                        <a:latin typeface="Times New Roman" pitchFamily="18" charset="0"/>
-                        <a:cs typeface="Arial" charset="0"/>
-                      </a:endParaRPr>
                     </a:p>
                   </a:txBody>
                   <a:tcPr horzOverflow="overflow">
-                    <a:lnL w="12700" cap="flat" cmpd="sng" algn="ctr">
-                      <a:solidFill>
-                        <a:srgbClr val="000000"/>
+                    <a:lnL w="38100" cap="flat" cmpd="sng" algn="ctr">
+                      <a:solidFill>
+                        <a:schemeClr val="tx1"/>
                       </a:solidFill>
                       <a:prstDash val="solid"/>
                       <a:round/>
@@ -19853,17 +19813,6 @@
                         </a:rPr>
                         <a:t>0</a:t>
                       </a:r>
-                      <a:endParaRPr kumimoji="0" lang="en-US" sz="1800" b="0" i="0" u="none" strike="noStrike" cap="none" normalizeH="0" baseline="0" dirty="0" smtClean="0">
-                        <a:ln>
-                          <a:noFill/>
-                        </a:ln>
-                        <a:solidFill>
-                          <a:schemeClr val="tx1"/>
-                        </a:solidFill>
-                        <a:effectLst/>
-                        <a:latin typeface="Times New Roman" pitchFamily="18" charset="0"/>
-                        <a:cs typeface="Arial" charset="0"/>
-                      </a:endParaRPr>
                     </a:p>
                   </a:txBody>
                   <a:tcPr horzOverflow="overflow">
@@ -19947,17 +19896,6 @@
                         </a:rPr>
                         <a:t>0</a:t>
                       </a:r>
-                      <a:endParaRPr kumimoji="0" lang="en-US" sz="1800" b="0" i="0" u="none" strike="noStrike" cap="none" normalizeH="0" baseline="0" dirty="0" smtClean="0">
-                        <a:ln>
-                          <a:noFill/>
-                        </a:ln>
-                        <a:solidFill>
-                          <a:schemeClr val="tx1"/>
-                        </a:solidFill>
-                        <a:effectLst/>
-                        <a:latin typeface="Times New Roman" pitchFamily="18" charset="0"/>
-                        <a:cs typeface="Arial" charset="0"/>
-                      </a:endParaRPr>
                     </a:p>
                   </a:txBody>
                   <a:tcPr horzOverflow="overflow">
@@ -20039,19 +19977,8 @@
                           <a:latin typeface="Times New Roman" pitchFamily="18" charset="0"/>
                           <a:cs typeface="Arial" charset="0"/>
                         </a:rPr>
-                        <a:t>XX</a:t>
-                      </a:r>
-                      <a:endParaRPr kumimoji="0" lang="en-US" sz="1800" b="0" i="0" u="none" strike="noStrike" cap="none" normalizeH="0" baseline="0" dirty="0" smtClean="0">
-                        <a:ln>
-                          <a:noFill/>
-                        </a:ln>
-                        <a:solidFill>
-                          <a:schemeClr val="tx1"/>
-                        </a:solidFill>
-                        <a:effectLst/>
-                        <a:latin typeface="Times New Roman" pitchFamily="18" charset="0"/>
-                        <a:cs typeface="Arial" charset="0"/>
-                      </a:endParaRPr>
+                        <a:t>0</a:t>
+                      </a:r>
                     </a:p>
                   </a:txBody>
                   <a:tcPr horzOverflow="overflow">
@@ -20133,19 +20060,8 @@
                           <a:latin typeface="Times New Roman" pitchFamily="18" charset="0"/>
                           <a:cs typeface="Arial" charset="0"/>
                         </a:rPr>
-                        <a:t>1</a:t>
-                      </a:r>
-                      <a:endParaRPr kumimoji="0" lang="en-US" sz="1800" b="0" i="0" u="none" strike="noStrike" cap="none" normalizeH="0" baseline="0" dirty="0" smtClean="0">
-                        <a:ln>
-                          <a:noFill/>
-                        </a:ln>
-                        <a:solidFill>
-                          <a:schemeClr val="tx1"/>
-                        </a:solidFill>
-                        <a:effectLst/>
-                        <a:latin typeface="Times New Roman" pitchFamily="18" charset="0"/>
-                        <a:cs typeface="Arial" charset="0"/>
-                      </a:endParaRPr>
+                        <a:t>XX</a:t>
+                      </a:r>
                     </a:p>
                   </a:txBody>
                   <a:tcPr horzOverflow="overflow">
@@ -20227,19 +20143,8 @@
                           <a:latin typeface="Times New Roman" pitchFamily="18" charset="0"/>
                           <a:cs typeface="Arial" charset="0"/>
                         </a:rPr>
-                        <a:t>0XX00</a:t>
-                      </a:r>
-                      <a:endParaRPr kumimoji="0" lang="en-US" sz="1800" b="0" i="0" u="none" strike="noStrike" cap="none" normalizeH="0" baseline="0" dirty="0" smtClean="0">
-                        <a:ln>
-                          <a:noFill/>
-                        </a:ln>
-                        <a:solidFill>
-                          <a:schemeClr val="tx1"/>
-                        </a:solidFill>
-                        <a:effectLst/>
-                        <a:latin typeface="Times New Roman" pitchFamily="18" charset="0"/>
-                        <a:cs typeface="Arial" charset="0"/>
-                      </a:endParaRPr>
+                        <a:t>1</a:t>
+                      </a:r>
                     </a:p>
                   </a:txBody>
                   <a:tcPr horzOverflow="overflow">
@@ -20321,19 +20226,8 @@
                           <a:latin typeface="Times New Roman" pitchFamily="18" charset="0"/>
                           <a:cs typeface="Arial" charset="0"/>
                         </a:rPr>
-                        <a:t>1</a:t>
-                      </a:r>
-                      <a:endParaRPr kumimoji="0" lang="en-US" sz="1800" b="0" i="0" u="none" strike="noStrike" cap="none" normalizeH="0" baseline="0" dirty="0" smtClean="0">
-                        <a:ln>
-                          <a:noFill/>
-                        </a:ln>
-                        <a:solidFill>
-                          <a:schemeClr val="tx1"/>
-                        </a:solidFill>
-                        <a:effectLst/>
-                        <a:latin typeface="Times New Roman" pitchFamily="18" charset="0"/>
-                        <a:cs typeface="Arial" charset="0"/>
-                      </a:endParaRPr>
+                        <a:t>0XX00</a:t>
+                      </a:r>
                     </a:p>
                   </a:txBody>
                   <a:tcPr horzOverflow="overflow">
@@ -20417,17 +20311,6 @@
                         </a:rPr>
                         <a:t>0</a:t>
                       </a:r>
-                      <a:endParaRPr kumimoji="0" lang="en-US" sz="1800" b="0" i="0" u="none" strike="noStrike" cap="none" normalizeH="0" baseline="0" dirty="0" smtClean="0">
-                        <a:ln>
-                          <a:noFill/>
-                        </a:ln>
-                        <a:solidFill>
-                          <a:schemeClr val="tx1"/>
-                        </a:solidFill>
-                        <a:effectLst/>
-                        <a:latin typeface="Times New Roman" pitchFamily="18" charset="0"/>
-                        <a:cs typeface="Arial" charset="0"/>
-                      </a:endParaRPr>
                     </a:p>
                   </a:txBody>
                   <a:tcPr horzOverflow="overflow">
@@ -20440,9 +20323,9 @@
                       <a:headEnd type="none" w="med" len="med"/>
                       <a:tailEnd type="none" w="med" len="med"/>
                     </a:lnL>
-                    <a:lnR w="38100" cap="flat" cmpd="sng" algn="ctr">
-                      <a:solidFill>
-                        <a:schemeClr val="tx1"/>
+                    <a:lnR w="12700" cap="flat" cmpd="sng" algn="ctr">
+                      <a:solidFill>
+                        <a:srgbClr val="000000"/>
                       </a:solidFill>
                       <a:prstDash val="solid"/>
                       <a:round/>
@@ -20476,8 +20359,6 @@
                     <a:noFill/>
                   </a:tcPr>
                 </a:tc>
-              </a:tr>
-              <a:tr h="507026">
                 <a:tc>
                   <a:txBody>
                     <a:bodyPr/>
@@ -20511,9 +20392,71 @@
                           <a:latin typeface="Times New Roman" pitchFamily="18" charset="0"/>
                           <a:cs typeface="Arial" charset="0"/>
                         </a:rPr>
-                        <a:t>00110</a:t>
-                      </a:r>
-                    </a:p>
+                        <a:t>10</a:t>
+                      </a:r>
+                      <a:endParaRPr kumimoji="0" lang="en-US" sz="1800" b="0" i="0" u="none" strike="noStrike" cap="none" normalizeH="0" baseline="0" dirty="0" smtClean="0">
+                        <a:ln>
+                          <a:noFill/>
+                        </a:ln>
+                        <a:solidFill>
+                          <a:schemeClr val="tx1"/>
+                        </a:solidFill>
+                        <a:effectLst/>
+                        <a:latin typeface="Times New Roman" pitchFamily="18" charset="0"/>
+                        <a:cs typeface="Arial" charset="0"/>
+                      </a:endParaRPr>
+                    </a:p>
+                  </a:txBody>
+                  <a:tcPr horzOverflow="overflow">
+                    <a:lnL w="12700" cap="flat" cmpd="sng" algn="ctr">
+                      <a:solidFill>
+                        <a:srgbClr val="000000"/>
+                      </a:solidFill>
+                      <a:prstDash val="solid"/>
+                      <a:round/>
+                      <a:headEnd type="none" w="med" len="med"/>
+                      <a:tailEnd type="none" w="med" len="med"/>
+                    </a:lnL>
+                    <a:lnR w="12700" cap="flat" cmpd="sng" algn="ctr">
+                      <a:solidFill>
+                        <a:srgbClr val="000000"/>
+                      </a:solidFill>
+                      <a:prstDash val="solid"/>
+                      <a:round/>
+                      <a:headEnd type="none" w="med" len="med"/>
+                      <a:tailEnd type="none" w="med" len="med"/>
+                    </a:lnR>
+                    <a:lnT w="12700" cap="flat" cmpd="sng" algn="ctr">
+                      <a:solidFill>
+                        <a:srgbClr val="000000"/>
+                      </a:solidFill>
+                      <a:prstDash val="solid"/>
+                      <a:round/>
+                      <a:headEnd type="none" w="med" len="med"/>
+                      <a:tailEnd type="none" w="med" len="med"/>
+                    </a:lnT>
+                    <a:lnB w="12700" cap="flat" cmpd="sng" algn="ctr">
+                      <a:solidFill>
+                        <a:srgbClr val="000000"/>
+                      </a:solidFill>
+                      <a:prstDash val="solid"/>
+                      <a:round/>
+                      <a:headEnd type="none" w="med" len="med"/>
+                      <a:tailEnd type="none" w="med" len="med"/>
+                    </a:lnB>
+                    <a:lnTlToBr>
+                      <a:noFill/>
+                    </a:lnTlToBr>
+                    <a:lnBlToTr>
+                      <a:noFill/>
+                    </a:lnBlToTr>
+                    <a:noFill/>
+                  </a:tcPr>
+                </a:tc>
+                <a:tc>
+                  <a:txBody>
+                    <a:bodyPr/>
+                    <a:lstStyle/>
                     <a:p>
                       <a:pPr marL="342900" marR="0" lvl="0" indent="-342900" algn="ctr" defTabSz="914400" rtl="0" eaLnBrk="1" fontAlgn="base" latinLnBrk="0" hangingPunct="1">
                         <a:lnSpc>
@@ -20543,7 +20486,7 @@
                           <a:latin typeface="Times New Roman" pitchFamily="18" charset="0"/>
                           <a:cs typeface="Arial" charset="0"/>
                         </a:rPr>
-                        <a:t>00111</a:t>
+                        <a:t>1?</a:t>
                       </a:r>
                       <a:endParaRPr kumimoji="0" lang="en-US" sz="1800" b="0" i="0" u="none" strike="noStrike" cap="none" normalizeH="0" baseline="0" dirty="0" smtClean="0">
                         <a:ln>
@@ -20559,18 +20502,18 @@
                     </a:p>
                   </a:txBody>
                   <a:tcPr horzOverflow="overflow">
-                    <a:lnL w="38100" cap="flat" cmpd="sng" algn="ctr">
+                    <a:lnL w="12700" cap="flat" cmpd="sng" algn="ctr">
+                      <a:solidFill>
+                        <a:srgbClr val="000000"/>
+                      </a:solidFill>
+                      <a:prstDash val="solid"/>
+                      <a:round/>
+                      <a:headEnd type="none" w="med" len="med"/>
+                      <a:tailEnd type="none" w="med" len="med"/>
+                    </a:lnL>
+                    <a:lnR w="38100" cap="flat" cmpd="sng" algn="ctr">
                       <a:solidFill>
                         <a:schemeClr val="tx1"/>
-                      </a:solidFill>
-                      <a:prstDash val="solid"/>
-                      <a:round/>
-                      <a:headEnd type="none" w="med" len="med"/>
-                      <a:tailEnd type="none" w="med" len="med"/>
-                    </a:lnL>
-                    <a:lnR w="12700" cap="flat" cmpd="sng" algn="ctr">
-                      <a:solidFill>
-                        <a:srgbClr val="000000"/>
                       </a:solidFill>
                       <a:prstDash val="solid"/>
                       <a:round/>
@@ -20604,6 +20547,8 @@
                     <a:noFill/>
                   </a:tcPr>
                 </a:tc>
+              </a:tr>
+              <a:tr h="507026">
                 <a:tc>
                   <a:txBody>
                     <a:bodyPr/>
@@ -20637,85 +20582,9 @@
                           <a:latin typeface="Times New Roman" pitchFamily="18" charset="0"/>
                           <a:cs typeface="Arial" charset="0"/>
                         </a:rPr>
-                        <a:t>DP </a:t>
-                      </a:r>
-                      <a:r>
-                        <a:rPr kumimoji="0" lang="en-US" sz="1800" b="0" i="0" u="none" strike="noStrike" cap="none" normalizeH="0" baseline="0" dirty="0" err="1" smtClean="0">
-                          <a:ln>
-                            <a:noFill/>
-                          </a:ln>
-                          <a:solidFill>
-                            <a:schemeClr val="tx1"/>
-                          </a:solidFill>
-                          <a:effectLst/>
-                          <a:latin typeface="Times New Roman" pitchFamily="18" charset="0"/>
-                          <a:cs typeface="Arial" charset="0"/>
-                        </a:rPr>
-                        <a:t>Imm</a:t>
-                      </a:r>
-                      <a:endParaRPr kumimoji="0" lang="en-US" sz="1800" b="0" i="0" u="none" strike="noStrike" cap="none" normalizeH="0" baseline="0" dirty="0" smtClean="0">
-                        <a:ln>
-                          <a:noFill/>
-                        </a:ln>
-                        <a:solidFill>
-                          <a:schemeClr val="tx1"/>
-                        </a:solidFill>
-                        <a:effectLst/>
-                        <a:latin typeface="Times New Roman" pitchFamily="18" charset="0"/>
-                        <a:cs typeface="Arial" charset="0"/>
-                      </a:endParaRPr>
-                    </a:p>
-                  </a:txBody>
-                  <a:tcPr horzOverflow="overflow">
-                    <a:lnL w="12700" cap="flat" cmpd="sng" algn="ctr">
-                      <a:solidFill>
-                        <a:srgbClr val="000000"/>
-                      </a:solidFill>
-                      <a:prstDash val="solid"/>
-                      <a:round/>
-                      <a:headEnd type="none" w="med" len="med"/>
-                      <a:tailEnd type="none" w="med" len="med"/>
-                    </a:lnL>
-                    <a:lnR w="38100" cap="flat" cmpd="sng" algn="ctr">
-                      <a:solidFill>
-                        <a:schemeClr val="tx1"/>
-                      </a:solidFill>
-                      <a:prstDash val="solid"/>
-                      <a:round/>
-                      <a:headEnd type="none" w="med" len="med"/>
-                      <a:tailEnd type="none" w="med" len="med"/>
-                    </a:lnR>
-                    <a:lnT w="12700" cap="flat" cmpd="sng" algn="ctr">
-                      <a:solidFill>
-                        <a:srgbClr val="000000"/>
-                      </a:solidFill>
-                      <a:prstDash val="solid"/>
-                      <a:round/>
-                      <a:headEnd type="none" w="med" len="med"/>
-                      <a:tailEnd type="none" w="med" len="med"/>
-                    </a:lnT>
-                    <a:lnB w="12700" cap="flat" cmpd="sng" algn="ctr">
-                      <a:solidFill>
-                        <a:srgbClr val="000000"/>
-                      </a:solidFill>
-                      <a:prstDash val="solid"/>
-                      <a:round/>
-                      <a:headEnd type="none" w="med" len="med"/>
-                      <a:tailEnd type="none" w="med" len="med"/>
-                    </a:lnB>
-                    <a:lnTlToBr>
-                      <a:noFill/>
-                    </a:lnTlToBr>
-                    <a:lnBlToTr>
-                      <a:noFill/>
-                    </a:lnBlToTr>
-                    <a:noFill/>
-                  </a:tcPr>
-                </a:tc>
-                <a:tc>
-                  <a:txBody>
-                    <a:bodyPr/>
-                    <a:lstStyle/>
+                        <a:t>00110</a:t>
+                      </a:r>
+                    </a:p>
                     <a:p>
                       <a:pPr marL="342900" marR="0" lvl="0" indent="-342900" algn="ctr" defTabSz="914400" rtl="0" eaLnBrk="1" fontAlgn="base" latinLnBrk="0" hangingPunct="1">
                         <a:lnSpc>
@@ -20745,19 +20614,8 @@
                           <a:latin typeface="Times New Roman" pitchFamily="18" charset="0"/>
                           <a:cs typeface="Arial" charset="0"/>
                         </a:rPr>
-                        <a:t>0</a:t>
-                      </a:r>
-                      <a:endParaRPr kumimoji="0" lang="en-US" sz="1800" b="0" i="0" u="none" strike="noStrike" cap="none" normalizeH="0" baseline="0" dirty="0" smtClean="0">
-                        <a:ln>
-                          <a:noFill/>
-                        </a:ln>
-                        <a:solidFill>
-                          <a:schemeClr val="tx1"/>
-                        </a:solidFill>
-                        <a:effectLst/>
-                        <a:latin typeface="Times New Roman" pitchFamily="18" charset="0"/>
-                        <a:cs typeface="Arial" charset="0"/>
-                      </a:endParaRPr>
+                        <a:t>00111</a:t>
+                      </a:r>
                     </a:p>
                   </a:txBody>
                   <a:tcPr horzOverflow="overflow">
@@ -20839,7 +20697,21 @@
                           <a:latin typeface="Times New Roman" pitchFamily="18" charset="0"/>
                           <a:cs typeface="Arial" charset="0"/>
                         </a:rPr>
-                        <a:t>0</a:t>
+                        <a:t>DP </a:t>
+                      </a:r>
+                      <a:r>
+                        <a:rPr kumimoji="0" lang="en-US" sz="1800" b="0" i="0" u="none" strike="noStrike" cap="none" normalizeH="0" baseline="0" dirty="0" err="1" smtClean="0">
+                          <a:ln>
+                            <a:noFill/>
+                          </a:ln>
+                          <a:solidFill>
+                            <a:schemeClr val="tx1"/>
+                          </a:solidFill>
+                          <a:effectLst/>
+                          <a:latin typeface="Times New Roman" pitchFamily="18" charset="0"/>
+                          <a:cs typeface="Arial" charset="0"/>
+                        </a:rPr>
+                        <a:t>Imm</a:t>
                       </a:r>
                       <a:endParaRPr kumimoji="0" lang="en-US" sz="1800" b="0" i="0" u="none" strike="noStrike" cap="none" normalizeH="0" baseline="0" dirty="0" smtClean="0">
                         <a:ln>
@@ -20864,9 +20736,9 @@
                       <a:headEnd type="none" w="med" len="med"/>
                       <a:tailEnd type="none" w="med" len="med"/>
                     </a:lnL>
-                    <a:lnR w="12700" cap="flat" cmpd="sng" algn="ctr">
-                      <a:solidFill>
-                        <a:srgbClr val="000000"/>
+                    <a:lnR w="38100" cap="flat" cmpd="sng" algn="ctr">
+                      <a:solidFill>
+                        <a:schemeClr val="tx1"/>
                       </a:solidFill>
                       <a:prstDash val="solid"/>
                       <a:round/>
@@ -20935,23 +20807,12 @@
                         </a:rPr>
                         <a:t>0</a:t>
                       </a:r>
-                      <a:endParaRPr kumimoji="0" lang="en-US" sz="1800" b="0" i="0" u="none" strike="noStrike" cap="none" normalizeH="0" baseline="0" dirty="0" smtClean="0">
-                        <a:ln>
-                          <a:noFill/>
-                        </a:ln>
-                        <a:solidFill>
-                          <a:schemeClr val="tx1"/>
-                        </a:solidFill>
-                        <a:effectLst/>
-                        <a:latin typeface="Times New Roman" pitchFamily="18" charset="0"/>
-                        <a:cs typeface="Arial" charset="0"/>
-                      </a:endParaRPr>
                     </a:p>
                   </a:txBody>
                   <a:tcPr horzOverflow="overflow">
-                    <a:lnL w="12700" cap="flat" cmpd="sng" algn="ctr">
-                      <a:solidFill>
-                        <a:srgbClr val="000000"/>
+                    <a:lnL w="38100" cap="flat" cmpd="sng" algn="ctr">
+                      <a:solidFill>
+                        <a:schemeClr val="tx1"/>
                       </a:solidFill>
                       <a:prstDash val="solid"/>
                       <a:round/>
@@ -21027,19 +20888,8 @@
                           <a:latin typeface="Times New Roman" pitchFamily="18" charset="0"/>
                           <a:cs typeface="Arial" charset="0"/>
                         </a:rPr>
-                        <a:t>1</a:t>
-                      </a:r>
-                      <a:endParaRPr kumimoji="0" lang="en-US" sz="1800" b="0" i="0" u="none" strike="noStrike" cap="none" normalizeH="0" baseline="0" dirty="0" smtClean="0">
-                        <a:ln>
-                          <a:noFill/>
-                        </a:ln>
-                        <a:solidFill>
-                          <a:schemeClr val="tx1"/>
-                        </a:solidFill>
-                        <a:effectLst/>
-                        <a:latin typeface="Times New Roman" pitchFamily="18" charset="0"/>
-                        <a:cs typeface="Arial" charset="0"/>
-                      </a:endParaRPr>
+                        <a:t>0</a:t>
+                      </a:r>
                     </a:p>
                   </a:txBody>
                   <a:tcPr horzOverflow="overflow">
@@ -21121,19 +20971,8 @@
                           <a:latin typeface="Times New Roman" pitchFamily="18" charset="0"/>
                           <a:cs typeface="Arial" charset="0"/>
                         </a:rPr>
-                        <a:t>01</a:t>
-                      </a:r>
-                      <a:endParaRPr kumimoji="0" lang="en-US" sz="1800" b="0" i="0" u="none" strike="noStrike" cap="none" normalizeH="0" baseline="0" dirty="0" smtClean="0">
-                        <a:ln>
-                          <a:noFill/>
-                        </a:ln>
-                        <a:solidFill>
-                          <a:schemeClr val="tx1"/>
-                        </a:solidFill>
-                        <a:effectLst/>
-                        <a:latin typeface="Times New Roman" pitchFamily="18" charset="0"/>
-                        <a:cs typeface="Arial" charset="0"/>
-                      </a:endParaRPr>
+                        <a:t>0</a:t>
+                      </a:r>
                     </a:p>
                   </a:txBody>
                   <a:tcPr horzOverflow="overflow">
@@ -21217,17 +21056,6 @@
                         </a:rPr>
                         <a:t>1</a:t>
                       </a:r>
-                      <a:endParaRPr kumimoji="0" lang="en-US" sz="1800" b="0" i="0" u="none" strike="noStrike" cap="none" normalizeH="0" baseline="0" dirty="0" smtClean="0">
-                        <a:ln>
-                          <a:noFill/>
-                        </a:ln>
-                        <a:solidFill>
-                          <a:schemeClr val="tx1"/>
-                        </a:solidFill>
-                        <a:effectLst/>
-                        <a:latin typeface="Times New Roman" pitchFamily="18" charset="0"/>
-                        <a:cs typeface="Arial" charset="0"/>
-                      </a:endParaRPr>
                     </a:p>
                   </a:txBody>
                   <a:tcPr horzOverflow="overflow">
@@ -21309,19 +21137,8 @@
                           <a:latin typeface="Times New Roman" pitchFamily="18" charset="0"/>
                           <a:cs typeface="Arial" charset="0"/>
                         </a:rPr>
-                        <a:t>10XX1</a:t>
-                      </a:r>
-                      <a:endParaRPr kumimoji="0" lang="en-US" sz="1800" b="0" i="0" u="none" strike="noStrike" cap="none" normalizeH="0" baseline="0" dirty="0" smtClean="0">
-                        <a:ln>
-                          <a:noFill/>
-                        </a:ln>
-                        <a:solidFill>
-                          <a:schemeClr val="tx1"/>
-                        </a:solidFill>
-                        <a:effectLst/>
-                        <a:latin typeface="Times New Roman" pitchFamily="18" charset="0"/>
-                        <a:cs typeface="Arial" charset="0"/>
-                      </a:endParaRPr>
+                        <a:t>01</a:t>
+                      </a:r>
                     </a:p>
                   </a:txBody>
                   <a:tcPr horzOverflow="overflow">
@@ -21405,17 +21222,6 @@
                         </a:rPr>
                         <a:t>1</a:t>
                       </a:r>
-                      <a:endParaRPr kumimoji="0" lang="en-US" sz="1800" b="0" i="0" u="none" strike="noStrike" cap="none" normalizeH="0" baseline="0" dirty="0" smtClean="0">
-                        <a:ln>
-                          <a:noFill/>
-                        </a:ln>
-                        <a:solidFill>
-                          <a:schemeClr val="tx1"/>
-                        </a:solidFill>
-                        <a:effectLst/>
-                        <a:latin typeface="Times New Roman" pitchFamily="18" charset="0"/>
-                        <a:cs typeface="Arial" charset="0"/>
-                      </a:endParaRPr>
                     </a:p>
                   </a:txBody>
                   <a:tcPr horzOverflow="overflow">
@@ -21497,19 +21303,8 @@
                           <a:latin typeface="Times New Roman" pitchFamily="18" charset="0"/>
                           <a:cs typeface="Arial" charset="0"/>
                         </a:rPr>
-                        <a:t>0</a:t>
-                      </a:r>
-                      <a:endParaRPr kumimoji="0" lang="en-US" sz="1800" b="0" i="0" u="none" strike="noStrike" cap="none" normalizeH="0" baseline="0" dirty="0" smtClean="0">
-                        <a:ln>
-                          <a:noFill/>
-                        </a:ln>
-                        <a:solidFill>
-                          <a:schemeClr val="tx1"/>
-                        </a:solidFill>
-                        <a:effectLst/>
-                        <a:latin typeface="Times New Roman" pitchFamily="18" charset="0"/>
-                        <a:cs typeface="Arial" charset="0"/>
-                      </a:endParaRPr>
+                        <a:t>10XX1</a:t>
+                      </a:r>
                     </a:p>
                   </a:txBody>
                   <a:tcPr horzOverflow="overflow">
@@ -21522,9 +21317,9 @@
                       <a:headEnd type="none" w="med" len="med"/>
                       <a:tailEnd type="none" w="med" len="med"/>
                     </a:lnL>
-                    <a:lnR w="38100" cap="flat" cmpd="sng" algn="ctr">
-                      <a:solidFill>
-                        <a:schemeClr val="tx1"/>
+                    <a:lnR w="12700" cap="flat" cmpd="sng" algn="ctr">
+                      <a:solidFill>
+                        <a:srgbClr val="000000"/>
                       </a:solidFill>
                       <a:prstDash val="solid"/>
                       <a:round/>
@@ -21558,8 +21353,6 @@
                     <a:noFill/>
                   </a:tcPr>
                 </a:tc>
-              </a:tr>
-              <a:tr h="507026">
                 <a:tc>
                   <a:txBody>
                     <a:bodyPr/>
@@ -21593,25 +21386,14 @@
                           <a:latin typeface="Times New Roman" pitchFamily="18" charset="0"/>
                           <a:cs typeface="Arial" charset="0"/>
                         </a:rPr>
-                        <a:t>01100</a:t>
-                      </a:r>
-                      <a:endParaRPr kumimoji="0" lang="en-US" sz="1800" b="0" i="0" u="none" strike="noStrike" cap="none" normalizeH="0" baseline="0" dirty="0" smtClean="0">
-                        <a:ln>
-                          <a:noFill/>
-                        </a:ln>
-                        <a:solidFill>
-                          <a:schemeClr val="tx1"/>
-                        </a:solidFill>
-                        <a:effectLst/>
-                        <a:latin typeface="Times New Roman" pitchFamily="18" charset="0"/>
-                        <a:cs typeface="Arial" charset="0"/>
-                      </a:endParaRPr>
+                        <a:t>0</a:t>
+                      </a:r>
                     </a:p>
                   </a:txBody>
                   <a:tcPr horzOverflow="overflow">
-                    <a:lnL w="38100" cap="flat" cmpd="sng" algn="ctr">
-                      <a:solidFill>
-                        <a:schemeClr val="tx1"/>
+                    <a:lnL w="12700" cap="flat" cmpd="sng" algn="ctr">
+                      <a:solidFill>
+                        <a:srgbClr val="000000"/>
                       </a:solidFill>
                       <a:prstDash val="solid"/>
                       <a:round/>
@@ -21684,10 +21466,10 @@
                             <a:schemeClr val="tx1"/>
                           </a:solidFill>
                           <a:effectLst/>
-                          <a:latin typeface="Courier New" pitchFamily="49" charset="0"/>
-                          <a:cs typeface="Times New Roman" pitchFamily="18" charset="0"/>
+                          <a:latin typeface="Times New Roman" pitchFamily="18" charset="0"/>
+                          <a:cs typeface="Arial" charset="0"/>
                         </a:rPr>
-                        <a:t>STR</a:t>
+                        <a:t>11</a:t>
                       </a:r>
                       <a:endParaRPr kumimoji="0" lang="en-US" sz="1800" b="0" i="0" u="none" strike="noStrike" cap="none" normalizeH="0" baseline="0" dirty="0" smtClean="0">
                         <a:ln>
@@ -21697,7 +21479,7 @@
                           <a:schemeClr val="tx1"/>
                         </a:solidFill>
                         <a:effectLst/>
-                        <a:latin typeface="Courier New" pitchFamily="49" charset="0"/>
+                        <a:latin typeface="Times New Roman" pitchFamily="18" charset="0"/>
                         <a:cs typeface="Arial" charset="0"/>
                       </a:endParaRPr>
                     </a:p>
@@ -21712,9 +21494,9 @@
                       <a:headEnd type="none" w="med" len="med"/>
                       <a:tailEnd type="none" w="med" len="med"/>
                     </a:lnL>
-                    <a:lnR w="38100" cap="flat" cmpd="sng" algn="ctr">
-                      <a:solidFill>
-                        <a:schemeClr val="tx1"/>
+                    <a:lnR w="12700" cap="flat" cmpd="sng" algn="ctr">
+                      <a:solidFill>
+                        <a:srgbClr val="000000"/>
                       </a:solidFill>
                       <a:prstDash val="solid"/>
                       <a:round/>
@@ -21781,7 +21563,7 @@
                           <a:latin typeface="Times New Roman" pitchFamily="18" charset="0"/>
                           <a:cs typeface="Arial" charset="0"/>
                         </a:rPr>
-                        <a:t>0</a:t>
+                        <a:t>0?</a:t>
                       </a:r>
                       <a:endParaRPr kumimoji="0" lang="en-US" sz="1800" b="0" i="0" u="none" strike="noStrike" cap="none" normalizeH="0" baseline="0" dirty="0" smtClean="0">
                         <a:ln>
@@ -21797,18 +21579,18 @@
                     </a:p>
                   </a:txBody>
                   <a:tcPr horzOverflow="overflow">
-                    <a:lnL w="38100" cap="flat" cmpd="sng" algn="ctr">
+                    <a:lnL w="12700" cap="flat" cmpd="sng" algn="ctr">
+                      <a:solidFill>
+                        <a:srgbClr val="000000"/>
+                      </a:solidFill>
+                      <a:prstDash val="solid"/>
+                      <a:round/>
+                      <a:headEnd type="none" w="med" len="med"/>
+                      <a:tailEnd type="none" w="med" len="med"/>
+                    </a:lnL>
+                    <a:lnR w="38100" cap="flat" cmpd="sng" algn="ctr">
                       <a:solidFill>
                         <a:schemeClr val="tx1"/>
-                      </a:solidFill>
-                      <a:prstDash val="solid"/>
-                      <a:round/>
-                      <a:headEnd type="none" w="med" len="med"/>
-                      <a:tailEnd type="none" w="med" len="med"/>
-                    </a:lnL>
-                    <a:lnR w="12700" cap="flat" cmpd="sng" algn="ctr">
-                      <a:solidFill>
-                        <a:srgbClr val="000000"/>
                       </a:solidFill>
                       <a:prstDash val="solid"/>
                       <a:round/>
@@ -21842,6 +21624,8 @@
                     <a:noFill/>
                   </a:tcPr>
                 </a:tc>
+              </a:tr>
+              <a:tr h="507026">
                 <a:tc>
                   <a:txBody>
                     <a:bodyPr/>
@@ -21875,25 +21659,14 @@
                           <a:latin typeface="Times New Roman" pitchFamily="18" charset="0"/>
                           <a:cs typeface="Arial" charset="0"/>
                         </a:rPr>
-                        <a:t>X</a:t>
-                      </a:r>
-                      <a:endParaRPr kumimoji="0" lang="en-US" sz="1800" b="0" i="0" u="none" strike="noStrike" cap="none" normalizeH="0" baseline="0" dirty="0" smtClean="0">
-                        <a:ln>
-                          <a:noFill/>
-                        </a:ln>
-                        <a:solidFill>
-                          <a:schemeClr val="tx1"/>
-                        </a:solidFill>
-                        <a:effectLst/>
-                        <a:latin typeface="Times New Roman" pitchFamily="18" charset="0"/>
-                        <a:cs typeface="Arial" charset="0"/>
-                      </a:endParaRPr>
+                        <a:t>01100</a:t>
+                      </a:r>
                     </a:p>
                   </a:txBody>
                   <a:tcPr horzOverflow="overflow">
-                    <a:lnL w="12700" cap="flat" cmpd="sng" algn="ctr">
-                      <a:solidFill>
-                        <a:srgbClr val="000000"/>
+                    <a:lnL w="38100" cap="flat" cmpd="sng" algn="ctr">
+                      <a:solidFill>
+                        <a:schemeClr val="tx1"/>
                       </a:solidFill>
                       <a:prstDash val="solid"/>
                       <a:round/>
@@ -21966,10 +21739,10 @@
                             <a:schemeClr val="tx1"/>
                           </a:solidFill>
                           <a:effectLst/>
-                          <a:latin typeface="Times New Roman" pitchFamily="18" charset="0"/>
-                          <a:cs typeface="Arial" charset="0"/>
+                          <a:latin typeface="Courier New" pitchFamily="49" charset="0"/>
+                          <a:cs typeface="Times New Roman" pitchFamily="18" charset="0"/>
                         </a:rPr>
-                        <a:t>1</a:t>
+                        <a:t>STR</a:t>
                       </a:r>
                       <a:endParaRPr kumimoji="0" lang="en-US" sz="1800" b="0" i="0" u="none" strike="noStrike" cap="none" normalizeH="0" baseline="0" dirty="0" smtClean="0">
                         <a:ln>
@@ -21979,7 +21752,7 @@
                           <a:schemeClr val="tx1"/>
                         </a:solidFill>
                         <a:effectLst/>
-                        <a:latin typeface="Times New Roman" pitchFamily="18" charset="0"/>
+                        <a:latin typeface="Courier New" pitchFamily="49" charset="0"/>
                         <a:cs typeface="Arial" charset="0"/>
                       </a:endParaRPr>
                     </a:p>
@@ -21994,9 +21767,9 @@
                       <a:headEnd type="none" w="med" len="med"/>
                       <a:tailEnd type="none" w="med" len="med"/>
                     </a:lnL>
-                    <a:lnR w="12700" cap="flat" cmpd="sng" algn="ctr">
-                      <a:solidFill>
-                        <a:srgbClr val="000000"/>
+                    <a:lnR w="38100" cap="flat" cmpd="sng" algn="ctr">
+                      <a:solidFill>
+                        <a:schemeClr val="tx1"/>
                       </a:solidFill>
                       <a:prstDash val="solid"/>
                       <a:round/>
@@ -22063,25 +21836,14 @@
                           <a:latin typeface="Times New Roman" pitchFamily="18" charset="0"/>
                           <a:cs typeface="Arial" charset="0"/>
                         </a:rPr>
-                        <a:t>1</a:t>
-                      </a:r>
-                      <a:endParaRPr kumimoji="0" lang="en-US" sz="1800" b="0" i="0" u="none" strike="noStrike" cap="none" normalizeH="0" baseline="0" dirty="0" smtClean="0">
-                        <a:ln>
-                          <a:noFill/>
-                        </a:ln>
-                        <a:solidFill>
-                          <a:schemeClr val="tx1"/>
-                        </a:solidFill>
-                        <a:effectLst/>
-                        <a:latin typeface="Times New Roman" pitchFamily="18" charset="0"/>
-                        <a:cs typeface="Arial" charset="0"/>
-                      </a:endParaRPr>
+                        <a:t>0</a:t>
+                      </a:r>
                     </a:p>
                   </a:txBody>
                   <a:tcPr horzOverflow="overflow">
-                    <a:lnL w="12700" cap="flat" cmpd="sng" algn="ctr">
-                      <a:solidFill>
-                        <a:srgbClr val="000000"/>
+                    <a:lnL w="38100" cap="flat" cmpd="sng" algn="ctr">
+                      <a:solidFill>
+                        <a:schemeClr val="tx1"/>
                       </a:solidFill>
                       <a:prstDash val="solid"/>
                       <a:round/>
@@ -22157,19 +21919,8 @@
                           <a:latin typeface="Times New Roman" pitchFamily="18" charset="0"/>
                           <a:cs typeface="Arial" charset="0"/>
                         </a:rPr>
-                        <a:t>00</a:t>
-                      </a:r>
-                      <a:endParaRPr kumimoji="0" lang="en-US" sz="1800" b="0" i="0" u="none" strike="noStrike" cap="none" normalizeH="0" baseline="0" dirty="0" smtClean="0">
-                        <a:ln>
-                          <a:noFill/>
-                        </a:ln>
-                        <a:solidFill>
-                          <a:schemeClr val="tx1"/>
-                        </a:solidFill>
-                        <a:effectLst/>
-                        <a:latin typeface="Times New Roman" pitchFamily="18" charset="0"/>
-                        <a:cs typeface="Arial" charset="0"/>
-                      </a:endParaRPr>
+                        <a:t>X</a:t>
+                      </a:r>
                     </a:p>
                   </a:txBody>
                   <a:tcPr horzOverflow="overflow">
@@ -22251,19 +22002,8 @@
                           <a:latin typeface="Times New Roman" pitchFamily="18" charset="0"/>
                           <a:cs typeface="Arial" charset="0"/>
                         </a:rPr>
-                        <a:t>0</a:t>
-                      </a:r>
-                      <a:endParaRPr kumimoji="0" lang="en-US" sz="1800" b="0" i="0" u="none" strike="noStrike" cap="none" normalizeH="0" baseline="0" dirty="0" smtClean="0">
-                        <a:ln>
-                          <a:noFill/>
-                        </a:ln>
-                        <a:solidFill>
-                          <a:schemeClr val="tx1"/>
-                        </a:solidFill>
-                        <a:effectLst/>
-                        <a:latin typeface="Times New Roman" pitchFamily="18" charset="0"/>
-                        <a:cs typeface="Arial" charset="0"/>
-                      </a:endParaRPr>
+                        <a:t>1</a:t>
+                      </a:r>
                     </a:p>
                   </a:txBody>
                   <a:tcPr horzOverflow="overflow">
@@ -22345,19 +22085,8 @@
                           <a:latin typeface="Times New Roman" pitchFamily="18" charset="0"/>
                           <a:cs typeface="Arial" charset="0"/>
                         </a:rPr>
-                        <a:t>0XX0X</a:t>
-                      </a:r>
-                      <a:endParaRPr kumimoji="0" lang="en-US" sz="1800" b="0" i="0" u="none" strike="noStrike" cap="none" normalizeH="0" baseline="0" dirty="0" smtClean="0">
-                        <a:ln>
-                          <a:noFill/>
-                        </a:ln>
-                        <a:solidFill>
-                          <a:schemeClr val="tx1"/>
-                        </a:solidFill>
-                        <a:effectLst/>
-                        <a:latin typeface="Times New Roman" pitchFamily="18" charset="0"/>
-                        <a:cs typeface="Arial" charset="0"/>
-                      </a:endParaRPr>
+                        <a:t>1</a:t>
+                      </a:r>
                     </a:p>
                   </a:txBody>
                   <a:tcPr horzOverflow="overflow">
@@ -22439,19 +22168,8 @@
                           <a:latin typeface="Times New Roman" pitchFamily="18" charset="0"/>
                           <a:cs typeface="Arial" charset="0"/>
                         </a:rPr>
-                        <a:t>0</a:t>
-                      </a:r>
-                      <a:endParaRPr kumimoji="0" lang="en-US" sz="1800" b="0" i="0" u="none" strike="noStrike" cap="none" normalizeH="0" baseline="0" dirty="0" smtClean="0">
-                        <a:ln>
-                          <a:noFill/>
-                        </a:ln>
-                        <a:solidFill>
-                          <a:schemeClr val="tx1"/>
-                        </a:solidFill>
-                        <a:effectLst/>
-                        <a:latin typeface="Times New Roman" pitchFamily="18" charset="0"/>
-                        <a:cs typeface="Arial" charset="0"/>
-                      </a:endParaRPr>
+                        <a:t>00</a:t>
+                      </a:r>
                     </a:p>
                   </a:txBody>
                   <a:tcPr horzOverflow="overflow">
@@ -22535,17 +22253,6 @@
                         </a:rPr>
                         <a:t>0</a:t>
                       </a:r>
-                      <a:endParaRPr kumimoji="0" lang="en-US" sz="1800" b="0" i="0" u="none" strike="noStrike" cap="none" normalizeH="0" baseline="0" dirty="0" smtClean="0">
-                        <a:ln>
-                          <a:noFill/>
-                        </a:ln>
-                        <a:solidFill>
-                          <a:schemeClr val="tx1"/>
-                        </a:solidFill>
-                        <a:effectLst/>
-                        <a:latin typeface="Times New Roman" pitchFamily="18" charset="0"/>
-                        <a:cs typeface="Arial" charset="0"/>
-                      </a:endParaRPr>
                     </a:p>
                   </a:txBody>
                   <a:tcPr horzOverflow="overflow">
@@ -22558,9 +22265,9 @@
                       <a:headEnd type="none" w="med" len="med"/>
                       <a:tailEnd type="none" w="med" len="med"/>
                     </a:lnL>
-                    <a:lnR w="38100" cap="flat" cmpd="sng" algn="ctr">
-                      <a:solidFill>
-                        <a:schemeClr val="tx1"/>
+                    <a:lnR w="12700" cap="flat" cmpd="sng" algn="ctr">
+                      <a:solidFill>
+                        <a:srgbClr val="000000"/>
                       </a:solidFill>
                       <a:prstDash val="solid"/>
                       <a:round/>
@@ -22594,8 +22301,6 @@
                     <a:noFill/>
                   </a:tcPr>
                 </a:tc>
-              </a:tr>
-              <a:tr h="507026">
                 <a:tc>
                   <a:txBody>
                     <a:bodyPr/>
@@ -22627,27 +22332,16 @@
                           </a:solidFill>
                           <a:effectLst/>
                           <a:latin typeface="Times New Roman" pitchFamily="18" charset="0"/>
-                          <a:cs typeface="Times New Roman" pitchFamily="18" charset="0"/>
+                          <a:cs typeface="Arial" charset="0"/>
                         </a:rPr>
-                        <a:t>01101</a:t>
-                      </a:r>
-                      <a:endParaRPr kumimoji="0" lang="en-US" sz="1800" b="0" i="0" u="none" strike="noStrike" cap="none" normalizeH="0" baseline="0" dirty="0" smtClean="0">
-                        <a:ln>
-                          <a:noFill/>
-                        </a:ln>
-                        <a:solidFill>
-                          <a:schemeClr val="tx1"/>
-                        </a:solidFill>
-                        <a:effectLst/>
-                        <a:latin typeface="Times New Roman" pitchFamily="18" charset="0"/>
-                        <a:cs typeface="Times New Roman" pitchFamily="18" charset="0"/>
-                      </a:endParaRPr>
+                        <a:t>0XX0X</a:t>
+                      </a:r>
                     </a:p>
                   </a:txBody>
                   <a:tcPr horzOverflow="overflow">
-                    <a:lnL w="38100" cap="flat" cmpd="sng" algn="ctr">
-                      <a:solidFill>
-                        <a:schemeClr val="tx1"/>
+                    <a:lnL w="12700" cap="flat" cmpd="sng" algn="ctr">
+                      <a:solidFill>
+                        <a:srgbClr val="000000"/>
                       </a:solidFill>
                       <a:prstDash val="solid"/>
                       <a:round/>
@@ -22720,22 +22414,11 @@
                             <a:schemeClr val="tx1"/>
                           </a:solidFill>
                           <a:effectLst/>
-                          <a:latin typeface="Courier New" pitchFamily="49" charset="0"/>
-                          <a:cs typeface="Times New Roman" pitchFamily="18" charset="0"/>
+                          <a:latin typeface="Times New Roman" pitchFamily="18" charset="0"/>
+                          <a:cs typeface="Arial" charset="0"/>
                         </a:rPr>
-                        <a:t>LDR</a:t>
-                      </a:r>
-                      <a:endParaRPr kumimoji="0" lang="en-US" sz="1800" b="0" i="0" u="none" strike="noStrike" cap="none" normalizeH="0" baseline="0" dirty="0" smtClean="0">
-                        <a:ln>
-                          <a:noFill/>
-                        </a:ln>
-                        <a:solidFill>
-                          <a:schemeClr val="tx1"/>
-                        </a:solidFill>
-                        <a:effectLst/>
-                        <a:latin typeface="Courier New" pitchFamily="49" charset="0"/>
-                        <a:cs typeface="Arial" charset="0"/>
-                      </a:endParaRPr>
+                        <a:t>0</a:t>
+                      </a:r>
                     </a:p>
                   </a:txBody>
                   <a:tcPr horzOverflow="overflow">
@@ -22748,9 +22431,9 @@
                       <a:headEnd type="none" w="med" len="med"/>
                       <a:tailEnd type="none" w="med" len="med"/>
                     </a:lnL>
-                    <a:lnR w="38100" cap="flat" cmpd="sng" algn="ctr">
-                      <a:solidFill>
-                        <a:schemeClr val="tx1"/>
+                    <a:lnR w="12700" cap="flat" cmpd="sng" algn="ctr">
+                      <a:solidFill>
+                        <a:srgbClr val="000000"/>
                       </a:solidFill>
                       <a:prstDash val="solid"/>
                       <a:round/>
@@ -22817,7 +22500,7 @@
                           <a:latin typeface="Times New Roman" pitchFamily="18" charset="0"/>
                           <a:cs typeface="Arial" charset="0"/>
                         </a:rPr>
-                        <a:t>0</a:t>
+                        <a:t>00</a:t>
                       </a:r>
                       <a:endParaRPr kumimoji="0" lang="en-US" sz="1800" b="0" i="0" u="none" strike="noStrike" cap="none" normalizeH="0" baseline="0" dirty="0" smtClean="0">
                         <a:ln>
@@ -22833,9 +22516,9 @@
                     </a:p>
                   </a:txBody>
                   <a:tcPr horzOverflow="overflow">
-                    <a:lnL w="38100" cap="flat" cmpd="sng" algn="ctr">
-                      <a:solidFill>
-                        <a:schemeClr val="tx1"/>
+                    <a:lnL w="12700" cap="flat" cmpd="sng" algn="ctr">
+                      <a:solidFill>
+                        <a:srgbClr val="000000"/>
                       </a:solidFill>
                       <a:prstDash val="solid"/>
                       <a:round/>
@@ -22911,7 +22594,7 @@
                           <a:latin typeface="Times New Roman" pitchFamily="18" charset="0"/>
                           <a:cs typeface="Arial" charset="0"/>
                         </a:rPr>
-                        <a:t>1</a:t>
+                        <a:t>00</a:t>
                       </a:r>
                       <a:endParaRPr kumimoji="0" lang="en-US" sz="1800" b="0" i="0" u="none" strike="noStrike" cap="none" normalizeH="0" baseline="0" dirty="0" smtClean="0">
                         <a:ln>
@@ -22936,9 +22619,9 @@
                       <a:headEnd type="none" w="med" len="med"/>
                       <a:tailEnd type="none" w="med" len="med"/>
                     </a:lnL>
-                    <a:lnR w="12700" cap="flat" cmpd="sng" algn="ctr">
-                      <a:solidFill>
-                        <a:srgbClr val="000000"/>
+                    <a:lnR w="38100" cap="flat" cmpd="sng" algn="ctr">
+                      <a:solidFill>
+                        <a:schemeClr val="tx1"/>
                       </a:solidFill>
                       <a:prstDash val="solid"/>
                       <a:round/>
@@ -22972,6 +22655,8 @@
                     <a:noFill/>
                   </a:tcPr>
                 </a:tc>
+              </a:tr>
+              <a:tr h="507026">
                 <a:tc>
                   <a:txBody>
                     <a:bodyPr/>
@@ -23003,27 +22688,16 @@
                           </a:solidFill>
                           <a:effectLst/>
                           <a:latin typeface="Times New Roman" pitchFamily="18" charset="0"/>
-                          <a:cs typeface="Arial" charset="0"/>
+                          <a:cs typeface="Times New Roman" pitchFamily="18" charset="0"/>
                         </a:rPr>
-                        <a:t>0</a:t>
-                      </a:r>
-                      <a:endParaRPr kumimoji="0" lang="en-US" sz="1800" b="0" i="0" u="none" strike="noStrike" cap="none" normalizeH="0" baseline="0" dirty="0" smtClean="0">
-                        <a:ln>
-                          <a:noFill/>
-                        </a:ln>
-                        <a:solidFill>
-                          <a:schemeClr val="tx1"/>
-                        </a:solidFill>
-                        <a:effectLst/>
-                        <a:latin typeface="Times New Roman" pitchFamily="18" charset="0"/>
-                        <a:cs typeface="Arial" charset="0"/>
-                      </a:endParaRPr>
+                        <a:t>01101</a:t>
+                      </a:r>
                     </a:p>
                   </a:txBody>
                   <a:tcPr horzOverflow="overflow">
-                    <a:lnL w="12700" cap="flat" cmpd="sng" algn="ctr">
-                      <a:solidFill>
-                        <a:srgbClr val="000000"/>
+                    <a:lnL w="38100" cap="flat" cmpd="sng" algn="ctr">
+                      <a:solidFill>
+                        <a:schemeClr val="tx1"/>
                       </a:solidFill>
                       <a:prstDash val="solid"/>
                       <a:round/>
@@ -23096,10 +22770,10 @@
                             <a:schemeClr val="tx1"/>
                           </a:solidFill>
                           <a:effectLst/>
-                          <a:latin typeface="Times New Roman" pitchFamily="18" charset="0"/>
-                          <a:cs typeface="Arial" charset="0"/>
+                          <a:latin typeface="Courier New" pitchFamily="49" charset="0"/>
+                          <a:cs typeface="Times New Roman" pitchFamily="18" charset="0"/>
                         </a:rPr>
-                        <a:t>1</a:t>
+                        <a:t>LDR</a:t>
                       </a:r>
                       <a:endParaRPr kumimoji="0" lang="en-US" sz="1800" b="0" i="0" u="none" strike="noStrike" cap="none" normalizeH="0" baseline="0" dirty="0" smtClean="0">
                         <a:ln>
@@ -23109,7 +22783,7 @@
                           <a:schemeClr val="tx1"/>
                         </a:solidFill>
                         <a:effectLst/>
-                        <a:latin typeface="Times New Roman" pitchFamily="18" charset="0"/>
+                        <a:latin typeface="Courier New" pitchFamily="49" charset="0"/>
                         <a:cs typeface="Arial" charset="0"/>
                       </a:endParaRPr>
                     </a:p>
@@ -23124,9 +22798,9 @@
                       <a:headEnd type="none" w="med" len="med"/>
                       <a:tailEnd type="none" w="med" len="med"/>
                     </a:lnL>
-                    <a:lnR w="12700" cap="flat" cmpd="sng" algn="ctr">
-                      <a:solidFill>
-                        <a:srgbClr val="000000"/>
+                    <a:lnR w="38100" cap="flat" cmpd="sng" algn="ctr">
+                      <a:solidFill>
+                        <a:schemeClr val="tx1"/>
                       </a:solidFill>
                       <a:prstDash val="solid"/>
                       <a:round/>
@@ -23193,25 +22867,14 @@
                           <a:latin typeface="Times New Roman" pitchFamily="18" charset="0"/>
                           <a:cs typeface="Arial" charset="0"/>
                         </a:rPr>
-                        <a:t>00</a:t>
-                      </a:r>
-                      <a:endParaRPr kumimoji="0" lang="en-US" sz="1800" b="0" i="0" u="none" strike="noStrike" cap="none" normalizeH="0" baseline="0" dirty="0" smtClean="0">
-                        <a:ln>
-                          <a:noFill/>
-                        </a:ln>
-                        <a:solidFill>
-                          <a:schemeClr val="tx1"/>
-                        </a:solidFill>
-                        <a:effectLst/>
-                        <a:latin typeface="Times New Roman" pitchFamily="18" charset="0"/>
-                        <a:cs typeface="Arial" charset="0"/>
-                      </a:endParaRPr>
+                        <a:t>0</a:t>
+                      </a:r>
                     </a:p>
                   </a:txBody>
                   <a:tcPr horzOverflow="overflow">
-                    <a:lnL w="12700" cap="flat" cmpd="sng" algn="ctr">
-                      <a:solidFill>
-                        <a:srgbClr val="000000"/>
+                    <a:lnL w="38100" cap="flat" cmpd="sng" algn="ctr">
+                      <a:solidFill>
+                        <a:schemeClr val="tx1"/>
                       </a:solidFill>
                       <a:prstDash val="solid"/>
                       <a:round/>
@@ -23289,17 +22952,6 @@
                         </a:rPr>
                         <a:t>1</a:t>
                       </a:r>
-                      <a:endParaRPr kumimoji="0" lang="en-US" sz="1800" b="0" i="0" u="none" strike="noStrike" cap="none" normalizeH="0" baseline="0" dirty="0" smtClean="0">
-                        <a:ln>
-                          <a:noFill/>
-                        </a:ln>
-                        <a:solidFill>
-                          <a:schemeClr val="tx1"/>
-                        </a:solidFill>
-                        <a:effectLst/>
-                        <a:latin typeface="Times New Roman" pitchFamily="18" charset="0"/>
-                        <a:cs typeface="Arial" charset="0"/>
-                      </a:endParaRPr>
                     </a:p>
                   </a:txBody>
                   <a:tcPr horzOverflow="overflow">
@@ -23381,19 +23033,8 @@
                           <a:latin typeface="Times New Roman" pitchFamily="18" charset="0"/>
                           <a:cs typeface="Arial" charset="0"/>
                         </a:rPr>
-                        <a:t>0XXX0</a:t>
-                      </a:r>
-                      <a:endParaRPr kumimoji="0" lang="en-US" sz="1800" b="0" i="0" u="none" strike="noStrike" cap="none" normalizeH="0" baseline="0" dirty="0" smtClean="0">
-                        <a:ln>
-                          <a:noFill/>
-                        </a:ln>
-                        <a:solidFill>
-                          <a:schemeClr val="tx1"/>
-                        </a:solidFill>
-                        <a:effectLst/>
-                        <a:latin typeface="Times New Roman" pitchFamily="18" charset="0"/>
-                        <a:cs typeface="Arial" charset="0"/>
-                      </a:endParaRPr>
+                        <a:t>0</a:t>
+                      </a:r>
                     </a:p>
                   </a:txBody>
                   <a:tcPr horzOverflow="overflow">
@@ -23475,19 +23116,8 @@
                           <a:latin typeface="Times New Roman" pitchFamily="18" charset="0"/>
                           <a:cs typeface="Arial" charset="0"/>
                         </a:rPr>
-                        <a:t>0</a:t>
-                      </a:r>
-                      <a:endParaRPr kumimoji="0" lang="en-US" sz="1800" b="0" i="0" u="none" strike="noStrike" cap="none" normalizeH="0" baseline="0" dirty="0" smtClean="0">
-                        <a:ln>
-                          <a:noFill/>
-                        </a:ln>
-                        <a:solidFill>
-                          <a:schemeClr val="tx1"/>
-                        </a:solidFill>
-                        <a:effectLst/>
-                        <a:latin typeface="Times New Roman" pitchFamily="18" charset="0"/>
-                        <a:cs typeface="Arial" charset="0"/>
-                      </a:endParaRPr>
+                        <a:t>1</a:t>
+                      </a:r>
                     </a:p>
                   </a:txBody>
                   <a:tcPr horzOverflow="overflow">
@@ -23569,19 +23199,8 @@
                           <a:latin typeface="Times New Roman" pitchFamily="18" charset="0"/>
                           <a:cs typeface="Arial" charset="0"/>
                         </a:rPr>
-                        <a:t>0</a:t>
-                      </a:r>
-                      <a:endParaRPr kumimoji="0" lang="en-US" sz="1800" b="0" i="0" u="none" strike="noStrike" cap="none" normalizeH="0" baseline="0" dirty="0" smtClean="0">
-                        <a:ln>
-                          <a:noFill/>
-                        </a:ln>
-                        <a:solidFill>
-                          <a:schemeClr val="tx1"/>
-                        </a:solidFill>
-                        <a:effectLst/>
-                        <a:latin typeface="Times New Roman" pitchFamily="18" charset="0"/>
-                        <a:cs typeface="Arial" charset="0"/>
-                      </a:endParaRPr>
+                        <a:t>00</a:t>
+                      </a:r>
                     </a:p>
                   </a:txBody>
                   <a:tcPr horzOverflow="overflow">
@@ -23594,9 +23213,9 @@
                       <a:headEnd type="none" w="med" len="med"/>
                       <a:tailEnd type="none" w="med" len="med"/>
                     </a:lnL>
-                    <a:lnR w="38100" cap="flat" cmpd="sng" algn="ctr">
-                      <a:solidFill>
-                        <a:schemeClr val="tx1"/>
+                    <a:lnR w="12700" cap="flat" cmpd="sng" algn="ctr">
+                      <a:solidFill>
+                        <a:srgbClr val="000000"/>
                       </a:solidFill>
                       <a:prstDash val="solid"/>
                       <a:round/>
@@ -23630,8 +23249,6 @@
                     <a:noFill/>
                   </a:tcPr>
                 </a:tc>
-              </a:tr>
-              <a:tr h="507026">
                 <a:tc>
                   <a:txBody>
                     <a:bodyPr/>
@@ -23665,25 +23282,14 @@
                           <a:latin typeface="Times New Roman" pitchFamily="18" charset="0"/>
                           <a:cs typeface="Arial" charset="0"/>
                         </a:rPr>
-                        <a:t>1101</a:t>
-                      </a:r>
-                      <a:endParaRPr kumimoji="0" lang="en-US" sz="1800" b="0" i="0" u="none" strike="noStrike" cap="none" normalizeH="0" baseline="0" dirty="0" smtClean="0">
-                        <a:ln>
-                          <a:noFill/>
-                        </a:ln>
-                        <a:solidFill>
-                          <a:schemeClr val="tx1"/>
-                        </a:solidFill>
-                        <a:effectLst/>
-                        <a:latin typeface="Times New Roman" pitchFamily="18" charset="0"/>
-                        <a:cs typeface="Arial" charset="0"/>
-                      </a:endParaRPr>
+                        <a:t>1</a:t>
+                      </a:r>
                     </a:p>
                   </a:txBody>
                   <a:tcPr horzOverflow="overflow">
-                    <a:lnL w="38100" cap="flat" cmpd="sng" algn="ctr">
-                      <a:solidFill>
-                        <a:schemeClr val="tx1"/>
+                    <a:lnL w="12700" cap="flat" cmpd="sng" algn="ctr">
+                      <a:solidFill>
+                        <a:srgbClr val="000000"/>
                       </a:solidFill>
                       <a:prstDash val="solid"/>
                       <a:round/>
@@ -23756,22 +23362,11 @@
                             <a:schemeClr val="tx1"/>
                           </a:solidFill>
                           <a:effectLst/>
-                          <a:latin typeface="Courier New" pitchFamily="49" charset="0"/>
-                          <a:cs typeface="Times New Roman" pitchFamily="18" charset="0"/>
+                          <a:latin typeface="Times New Roman" pitchFamily="18" charset="0"/>
+                          <a:cs typeface="Arial" charset="0"/>
                         </a:rPr>
-                        <a:t>B</a:t>
-                      </a:r>
-                      <a:endParaRPr kumimoji="0" lang="en-US" sz="1800" b="0" i="0" u="none" strike="noStrike" cap="none" normalizeH="0" baseline="0" dirty="0" smtClean="0">
-                        <a:ln>
-                          <a:noFill/>
-                        </a:ln>
-                        <a:solidFill>
-                          <a:schemeClr val="tx1"/>
-                        </a:solidFill>
-                        <a:effectLst/>
-                        <a:latin typeface="Courier New" pitchFamily="49" charset="0"/>
-                        <a:cs typeface="Arial" charset="0"/>
-                      </a:endParaRPr>
+                        <a:t>0XXX0</a:t>
+                      </a:r>
                     </a:p>
                   </a:txBody>
                   <a:tcPr horzOverflow="overflow">
@@ -23784,9 +23379,9 @@
                       <a:headEnd type="none" w="med" len="med"/>
                       <a:tailEnd type="none" w="med" len="med"/>
                     </a:lnL>
-                    <a:lnR w="38100" cap="flat" cmpd="sng" algn="ctr">
-                      <a:solidFill>
-                        <a:schemeClr val="tx1"/>
+                    <a:lnR w="12700" cap="flat" cmpd="sng" algn="ctr">
+                      <a:solidFill>
+                        <a:srgbClr val="000000"/>
                       </a:solidFill>
                       <a:prstDash val="solid"/>
                       <a:round/>
@@ -23853,14 +23448,14 @@
                           <a:latin typeface="Times New Roman" pitchFamily="18" charset="0"/>
                           <a:cs typeface="Arial" charset="0"/>
                         </a:rPr>
-                        <a:t>1</a:t>
+                        <a:t>0</a:t>
                       </a:r>
                     </a:p>
                   </a:txBody>
                   <a:tcPr horzOverflow="overflow">
-                    <a:lnL w="38100" cap="flat" cmpd="sng" algn="ctr">
-                      <a:solidFill>
-                        <a:schemeClr val="tx1"/>
+                    <a:lnL w="12700" cap="flat" cmpd="sng" algn="ctr">
+                      <a:solidFill>
+                        <a:srgbClr val="000000"/>
                       </a:solidFill>
                       <a:prstDash val="solid"/>
                       <a:round/>
@@ -23936,8 +23531,19 @@
                           <a:latin typeface="Times New Roman" pitchFamily="18" charset="0"/>
                           <a:cs typeface="Arial" charset="0"/>
                         </a:rPr>
-                        <a:t>0</a:t>
-                      </a:r>
+                        <a:t>00</a:t>
+                      </a:r>
+                      <a:endParaRPr kumimoji="0" lang="en-US" sz="1800" b="0" i="0" u="none" strike="noStrike" cap="none" normalizeH="0" baseline="0" dirty="0" smtClean="0">
+                        <a:ln>
+                          <a:noFill/>
+                        </a:ln>
+                        <a:solidFill>
+                          <a:schemeClr val="tx1"/>
+                        </a:solidFill>
+                        <a:effectLst/>
+                        <a:latin typeface="Times New Roman" pitchFamily="18" charset="0"/>
+                        <a:cs typeface="Arial" charset="0"/>
+                      </a:endParaRPr>
                     </a:p>
                   </a:txBody>
                   <a:tcPr horzOverflow="overflow">
@@ -24019,8 +23625,19 @@
                           <a:latin typeface="Times New Roman" pitchFamily="18" charset="0"/>
                           <a:cs typeface="Arial" charset="0"/>
                         </a:rPr>
-                        <a:t>0</a:t>
-                      </a:r>
+                        <a:t>00</a:t>
+                      </a:r>
+                      <a:endParaRPr kumimoji="0" lang="en-US" sz="1800" b="0" i="0" u="none" strike="noStrike" cap="none" normalizeH="0" baseline="0" dirty="0" smtClean="0">
+                        <a:ln>
+                          <a:noFill/>
+                        </a:ln>
+                        <a:solidFill>
+                          <a:schemeClr val="tx1"/>
+                        </a:solidFill>
+                        <a:effectLst/>
+                        <a:latin typeface="Times New Roman" pitchFamily="18" charset="0"/>
+                        <a:cs typeface="Arial" charset="0"/>
+                      </a:endParaRPr>
                     </a:p>
                   </a:txBody>
                   <a:tcPr horzOverflow="overflow">
@@ -24033,9 +23650,9 @@
                       <a:headEnd type="none" w="med" len="med"/>
                       <a:tailEnd type="none" w="med" len="med"/>
                     </a:lnL>
-                    <a:lnR w="12700" cap="flat" cmpd="sng" algn="ctr">
-                      <a:solidFill>
-                        <a:srgbClr val="000000"/>
+                    <a:lnR w="38100" cap="flat" cmpd="sng" algn="ctr">
+                      <a:solidFill>
+                        <a:schemeClr val="tx1"/>
                       </a:solidFill>
                       <a:prstDash val="solid"/>
                       <a:round/>
@@ -24069,6 +23686,8 @@
                     <a:noFill/>
                   </a:tcPr>
                 </a:tc>
+              </a:tr>
+              <a:tr h="507026">
                 <a:tc>
                   <a:txBody>
                     <a:bodyPr/>
@@ -24102,25 +23721,14 @@
                           <a:latin typeface="Times New Roman" pitchFamily="18" charset="0"/>
                           <a:cs typeface="Arial" charset="0"/>
                         </a:rPr>
-                        <a:t>1</a:t>
-                      </a:r>
-                      <a:endParaRPr kumimoji="0" lang="en-US" sz="1800" b="0" i="0" u="none" strike="noStrike" cap="none" normalizeH="0" baseline="0" dirty="0" smtClean="0">
-                        <a:ln>
-                          <a:noFill/>
-                        </a:ln>
-                        <a:solidFill>
-                          <a:schemeClr val="tx1"/>
-                        </a:solidFill>
-                        <a:effectLst/>
-                        <a:latin typeface="Times New Roman" pitchFamily="18" charset="0"/>
-                        <a:cs typeface="Arial" charset="0"/>
-                      </a:endParaRPr>
+                        <a:t>1101</a:t>
+                      </a:r>
                     </a:p>
                   </a:txBody>
                   <a:tcPr horzOverflow="overflow">
-                    <a:lnL w="12700" cap="flat" cmpd="sng" algn="ctr">
-                      <a:solidFill>
-                        <a:srgbClr val="000000"/>
+                    <a:lnL w="38100" cap="flat" cmpd="sng" algn="ctr">
+                      <a:solidFill>
+                        <a:schemeClr val="tx1"/>
                       </a:solidFill>
                       <a:prstDash val="solid"/>
                       <a:round/>
@@ -24193,10 +23801,10 @@
                             <a:schemeClr val="tx1"/>
                           </a:solidFill>
                           <a:effectLst/>
-                          <a:latin typeface="Times New Roman" pitchFamily="18" charset="0"/>
-                          <a:cs typeface="Arial" charset="0"/>
+                          <a:latin typeface="Courier New" pitchFamily="49" charset="0"/>
+                          <a:cs typeface="Times New Roman" pitchFamily="18" charset="0"/>
                         </a:rPr>
-                        <a:t>11</a:t>
+                        <a:t>B</a:t>
                       </a:r>
                       <a:endParaRPr kumimoji="0" lang="en-US" sz="1800" b="0" i="0" u="none" strike="noStrike" cap="none" normalizeH="0" baseline="0" dirty="0" smtClean="0">
                         <a:ln>
@@ -24206,7 +23814,7 @@
                           <a:schemeClr val="tx1"/>
                         </a:solidFill>
                         <a:effectLst/>
-                        <a:latin typeface="Times New Roman" pitchFamily="18" charset="0"/>
+                        <a:latin typeface="Courier New" pitchFamily="49" charset="0"/>
                         <a:cs typeface="Arial" charset="0"/>
                       </a:endParaRPr>
                     </a:p>
@@ -24221,9 +23829,9 @@
                       <a:headEnd type="none" w="med" len="med"/>
                       <a:tailEnd type="none" w="med" len="med"/>
                     </a:lnL>
-                    <a:lnR w="12700" cap="flat" cmpd="sng" algn="ctr">
-                      <a:solidFill>
-                        <a:srgbClr val="000000"/>
+                    <a:lnR w="38100" cap="flat" cmpd="sng" algn="ctr">
+                      <a:solidFill>
+                        <a:schemeClr val="tx1"/>
                       </a:solidFill>
                       <a:prstDash val="solid"/>
                       <a:round/>
@@ -24290,14 +23898,14 @@
                           <a:latin typeface="Times New Roman" pitchFamily="18" charset="0"/>
                           <a:cs typeface="Arial" charset="0"/>
                         </a:rPr>
-                        <a:t>0</a:t>
+                        <a:t>1</a:t>
                       </a:r>
                     </a:p>
                   </a:txBody>
                   <a:tcPr horzOverflow="overflow">
-                    <a:lnL w="12700" cap="flat" cmpd="sng" algn="ctr">
-                      <a:solidFill>
-                        <a:srgbClr val="000000"/>
+                    <a:lnL w="38100" cap="flat" cmpd="sng" algn="ctr">
+                      <a:solidFill>
+                        <a:schemeClr val="tx1"/>
                       </a:solidFill>
                       <a:prstDash val="solid"/>
                       <a:round/>
@@ -24373,19 +23981,8 @@
                           <a:latin typeface="Times New Roman" pitchFamily="18" charset="0"/>
                           <a:cs typeface="Arial" charset="0"/>
                         </a:rPr>
-                        <a:t>110XX</a:t>
-                      </a:r>
-                      <a:endParaRPr kumimoji="0" lang="en-US" sz="1800" b="0" i="0" u="none" strike="noStrike" cap="none" normalizeH="0" baseline="0" dirty="0" smtClean="0">
-                        <a:ln>
-                          <a:noFill/>
-                        </a:ln>
-                        <a:solidFill>
-                          <a:schemeClr val="tx1"/>
-                        </a:solidFill>
-                        <a:effectLst/>
-                        <a:latin typeface="Times New Roman" pitchFamily="18" charset="0"/>
-                        <a:cs typeface="Arial" charset="0"/>
-                      </a:endParaRPr>
+                        <a:t>0</a:t>
+                      </a:r>
                     </a:p>
                   </a:txBody>
                   <a:tcPr horzOverflow="overflow">
@@ -24550,19 +24147,8 @@
                           <a:latin typeface="Times New Roman" pitchFamily="18" charset="0"/>
                           <a:cs typeface="Arial" charset="0"/>
                         </a:rPr>
-                        <a:t>0</a:t>
-                      </a:r>
-                      <a:endParaRPr kumimoji="0" lang="en-US" sz="1800" b="0" i="0" u="none" strike="noStrike" cap="none" normalizeH="0" baseline="0" dirty="0" smtClean="0">
-                        <a:ln>
-                          <a:noFill/>
-                        </a:ln>
-                        <a:solidFill>
-                          <a:schemeClr val="tx1"/>
-                        </a:solidFill>
-                        <a:effectLst/>
-                        <a:latin typeface="Times New Roman" pitchFamily="18" charset="0"/>
-                        <a:cs typeface="Arial" charset="0"/>
-                      </a:endParaRPr>
+                        <a:t>1</a:t>
+                      </a:r>
                     </a:p>
                   </a:txBody>
                   <a:tcPr horzOverflow="overflow">
@@ -24575,9 +24161,9 @@
                       <a:headEnd type="none" w="med" len="med"/>
                       <a:tailEnd type="none" w="med" len="med"/>
                     </a:lnL>
-                    <a:lnR w="38100" cap="flat" cmpd="sng" algn="ctr">
-                      <a:solidFill>
-                        <a:schemeClr val="tx1"/>
+                    <a:lnR w="12700" cap="flat" cmpd="sng" algn="ctr">
+                      <a:solidFill>
+                        <a:srgbClr val="000000"/>
                       </a:solidFill>
                       <a:prstDash val="solid"/>
                       <a:round/>
@@ -24611,8 +24197,6 @@
                     <a:noFill/>
                   </a:tcPr>
                 </a:tc>
-              </a:tr>
-              <a:tr h="507026">
                 <a:tc>
                   <a:txBody>
                     <a:bodyPr/>
@@ -24646,25 +24230,14 @@
                           <a:latin typeface="Times New Roman" pitchFamily="18" charset="0"/>
                           <a:cs typeface="Arial" charset="0"/>
                         </a:rPr>
-                        <a:t>11100</a:t>
-                      </a:r>
-                      <a:endParaRPr kumimoji="0" lang="en-US" sz="1800" b="0" i="0" u="none" strike="noStrike" cap="none" normalizeH="0" baseline="0" dirty="0" smtClean="0">
-                        <a:ln>
-                          <a:noFill/>
-                        </a:ln>
-                        <a:solidFill>
-                          <a:schemeClr val="tx1"/>
-                        </a:solidFill>
-                        <a:effectLst/>
-                        <a:latin typeface="Times New Roman" pitchFamily="18" charset="0"/>
-                        <a:cs typeface="Arial" charset="0"/>
-                      </a:endParaRPr>
+                        <a:t>11</a:t>
+                      </a:r>
                     </a:p>
                   </a:txBody>
                   <a:tcPr horzOverflow="overflow">
-                    <a:lnL w="38100" cap="flat" cmpd="sng" algn="ctr">
-                      <a:solidFill>
-                        <a:schemeClr val="tx1"/>
+                    <a:lnL w="12700" cap="flat" cmpd="sng" algn="ctr">
+                      <a:solidFill>
+                        <a:srgbClr val="000000"/>
                       </a:solidFill>
                       <a:prstDash val="solid"/>
                       <a:round/>
@@ -24737,36 +24310,11 @@
                             <a:schemeClr val="tx1"/>
                           </a:solidFill>
                           <a:effectLst/>
-                          <a:latin typeface="Courier New" pitchFamily="49" charset="0"/>
-                          <a:cs typeface="Times New Roman" pitchFamily="18" charset="0"/>
+                          <a:latin typeface="Times New Roman" pitchFamily="18" charset="0"/>
+                          <a:cs typeface="Arial" charset="0"/>
                         </a:rPr>
-                        <a:t>B </a:t>
-                      </a:r>
-                      <a:r>
-                        <a:rPr kumimoji="0" lang="en-US" sz="1800" b="0" i="0" u="none" strike="noStrike" cap="none" normalizeH="0" baseline="0" dirty="0" err="1" smtClean="0">
-                          <a:ln>
-                            <a:noFill/>
-                          </a:ln>
-                          <a:solidFill>
-                            <a:schemeClr val="tx1"/>
-                          </a:solidFill>
-                          <a:effectLst/>
-                          <a:latin typeface="Courier New" pitchFamily="49" charset="0"/>
-                          <a:cs typeface="Times New Roman" pitchFamily="18" charset="0"/>
-                        </a:rPr>
-                        <a:t>cond</a:t>
-                      </a:r>
-                      <a:endParaRPr kumimoji="0" lang="en-US" sz="1800" b="0" i="0" u="none" strike="noStrike" cap="none" normalizeH="0" baseline="0" dirty="0" smtClean="0">
-                        <a:ln>
-                          <a:noFill/>
-                        </a:ln>
-                        <a:solidFill>
-                          <a:schemeClr val="tx1"/>
-                        </a:solidFill>
-                        <a:effectLst/>
-                        <a:latin typeface="Courier New" pitchFamily="49" charset="0"/>
-                        <a:cs typeface="Arial" charset="0"/>
-                      </a:endParaRPr>
+                        <a:t>0</a:t>
+                      </a:r>
                     </a:p>
                   </a:txBody>
                   <a:tcPr horzOverflow="overflow">
@@ -24779,9 +24327,9 @@
                       <a:headEnd type="none" w="med" len="med"/>
                       <a:tailEnd type="none" w="med" len="med"/>
                     </a:lnL>
-                    <a:lnR w="38100" cap="flat" cmpd="sng" algn="ctr">
-                      <a:solidFill>
-                        <a:schemeClr val="tx1"/>
+                    <a:lnR w="12700" cap="flat" cmpd="sng" algn="ctr">
+                      <a:solidFill>
+                        <a:srgbClr val="000000"/>
                       </a:solidFill>
                       <a:prstDash val="solid"/>
                       <a:round/>
@@ -24848,25 +24396,14 @@
                           <a:latin typeface="Times New Roman" pitchFamily="18" charset="0"/>
                           <a:cs typeface="Arial" charset="0"/>
                         </a:rPr>
-                        <a:t>1</a:t>
-                      </a:r>
-                      <a:endParaRPr kumimoji="0" lang="en-US" sz="1800" b="0" i="0" u="none" strike="noStrike" cap="none" normalizeH="0" baseline="0" dirty="0" smtClean="0">
-                        <a:ln>
-                          <a:noFill/>
-                        </a:ln>
-                        <a:solidFill>
-                          <a:schemeClr val="tx1"/>
-                        </a:solidFill>
-                        <a:effectLst/>
-                        <a:latin typeface="Times New Roman" pitchFamily="18" charset="0"/>
-                        <a:cs typeface="Arial" charset="0"/>
-                      </a:endParaRPr>
+                        <a:t>110XX</a:t>
+                      </a:r>
                     </a:p>
                   </a:txBody>
                   <a:tcPr horzOverflow="overflow">
-                    <a:lnL w="38100" cap="flat" cmpd="sng" algn="ctr">
-                      <a:solidFill>
-                        <a:schemeClr val="tx1"/>
+                    <a:lnL w="12700" cap="flat" cmpd="sng" algn="ctr">
+                      <a:solidFill>
+                        <a:srgbClr val="000000"/>
                       </a:solidFill>
                       <a:prstDash val="solid"/>
                       <a:round/>
@@ -24944,17 +24481,6 @@
                         </a:rPr>
                         <a:t>0</a:t>
                       </a:r>
-                      <a:endParaRPr kumimoji="0" lang="en-US" sz="1800" b="0" i="0" u="none" strike="noStrike" cap="none" normalizeH="0" baseline="0" dirty="0" smtClean="0">
-                        <a:ln>
-                          <a:noFill/>
-                        </a:ln>
-                        <a:solidFill>
-                          <a:schemeClr val="tx1"/>
-                        </a:solidFill>
-                        <a:effectLst/>
-                        <a:latin typeface="Times New Roman" pitchFamily="18" charset="0"/>
-                        <a:cs typeface="Arial" charset="0"/>
-                      </a:endParaRPr>
                     </a:p>
                   </a:txBody>
                   <a:tcPr horzOverflow="overflow">
@@ -25036,7 +24562,7 @@
                           <a:latin typeface="Times New Roman" pitchFamily="18" charset="0"/>
                           <a:cs typeface="Arial" charset="0"/>
                         </a:rPr>
-                        <a:t>0</a:t>
+                        <a:t>00</a:t>
                       </a:r>
                       <a:endParaRPr kumimoji="0" lang="en-US" sz="1800" b="0" i="0" u="none" strike="noStrike" cap="none" normalizeH="0" baseline="0" dirty="0" smtClean="0">
                         <a:ln>
@@ -25130,7 +24656,7 @@
                           <a:latin typeface="Times New Roman" pitchFamily="18" charset="0"/>
                           <a:cs typeface="Arial" charset="0"/>
                         </a:rPr>
-                        <a:t>1</a:t>
+                        <a:t>00</a:t>
                       </a:r>
                       <a:endParaRPr kumimoji="0" lang="en-US" sz="1800" b="0" i="0" u="none" strike="noStrike" cap="none" normalizeH="0" baseline="0" dirty="0" smtClean="0">
                         <a:ln>
@@ -25155,9 +24681,9 @@
                       <a:headEnd type="none" w="med" len="med"/>
                       <a:tailEnd type="none" w="med" len="med"/>
                     </a:lnL>
-                    <a:lnR w="12700" cap="flat" cmpd="sng" algn="ctr">
-                      <a:solidFill>
-                        <a:srgbClr val="000000"/>
+                    <a:lnR w="38100" cap="flat" cmpd="sng" algn="ctr">
+                      <a:solidFill>
+                        <a:schemeClr val="tx1"/>
                       </a:solidFill>
                       <a:prstDash val="solid"/>
                       <a:round/>
@@ -25191,6 +24717,8 @@
                     <a:noFill/>
                   </a:tcPr>
                 </a:tc>
+              </a:tr>
+              <a:tr h="507026">
                 <a:tc>
                   <a:txBody>
                     <a:bodyPr/>
@@ -25224,25 +24752,14 @@
                           <a:latin typeface="Times New Roman" pitchFamily="18" charset="0"/>
                           <a:cs typeface="Arial" charset="0"/>
                         </a:rPr>
-                        <a:t>10</a:t>
-                      </a:r>
-                      <a:endParaRPr kumimoji="0" lang="en-US" sz="1800" b="0" i="0" u="none" strike="noStrike" cap="none" normalizeH="0" baseline="0" dirty="0" smtClean="0">
-                        <a:ln>
-                          <a:noFill/>
-                        </a:ln>
-                        <a:solidFill>
-                          <a:schemeClr val="tx1"/>
-                        </a:solidFill>
-                        <a:effectLst/>
-                        <a:latin typeface="Times New Roman" pitchFamily="18" charset="0"/>
-                        <a:cs typeface="Arial" charset="0"/>
-                      </a:endParaRPr>
+                        <a:t>11100</a:t>
+                      </a:r>
                     </a:p>
                   </a:txBody>
                   <a:tcPr horzOverflow="overflow">
-                    <a:lnL w="12700" cap="flat" cmpd="sng" algn="ctr">
-                      <a:solidFill>
-                        <a:srgbClr val="000000"/>
+                    <a:lnL w="38100" cap="flat" cmpd="sng" algn="ctr">
+                      <a:solidFill>
+                        <a:schemeClr val="tx1"/>
                       </a:solidFill>
                       <a:prstDash val="solid"/>
                       <a:round/>
@@ -25315,10 +24832,24 @@
                             <a:schemeClr val="tx1"/>
                           </a:solidFill>
                           <a:effectLst/>
-                          <a:latin typeface="Times New Roman" pitchFamily="18" charset="0"/>
-                          <a:cs typeface="Arial" charset="0"/>
+                          <a:latin typeface="Courier New" pitchFamily="49" charset="0"/>
+                          <a:cs typeface="Times New Roman" pitchFamily="18" charset="0"/>
                         </a:rPr>
-                        <a:t>0</a:t>
+                        <a:t>B </a:t>
+                      </a:r>
+                      <a:r>
+                        <a:rPr kumimoji="0" lang="en-US" sz="1800" b="0" i="0" u="none" strike="noStrike" cap="none" normalizeH="0" baseline="0" dirty="0" err="1" smtClean="0">
+                          <a:ln>
+                            <a:noFill/>
+                          </a:ln>
+                          <a:solidFill>
+                            <a:schemeClr val="tx1"/>
+                          </a:solidFill>
+                          <a:effectLst/>
+                          <a:latin typeface="Courier New" pitchFamily="49" charset="0"/>
+                          <a:cs typeface="Times New Roman" pitchFamily="18" charset="0"/>
+                        </a:rPr>
+                        <a:t>cond</a:t>
                       </a:r>
                       <a:endParaRPr kumimoji="0" lang="en-US" sz="1800" b="0" i="0" u="none" strike="noStrike" cap="none" normalizeH="0" baseline="0" dirty="0" smtClean="0">
                         <a:ln>
@@ -25328,7 +24859,7 @@
                           <a:schemeClr val="tx1"/>
                         </a:solidFill>
                         <a:effectLst/>
-                        <a:latin typeface="Times New Roman" pitchFamily="18" charset="0"/>
+                        <a:latin typeface="Courier New" pitchFamily="49" charset="0"/>
                         <a:cs typeface="Arial" charset="0"/>
                       </a:endParaRPr>
                     </a:p>
@@ -25343,9 +24874,9 @@
                       <a:headEnd type="none" w="med" len="med"/>
                       <a:tailEnd type="none" w="med" len="med"/>
                     </a:lnL>
-                    <a:lnR w="12700" cap="flat" cmpd="sng" algn="ctr">
-                      <a:solidFill>
-                        <a:srgbClr val="000000"/>
+                    <a:lnR w="38100" cap="flat" cmpd="sng" algn="ctr">
+                      <a:solidFill>
+                        <a:schemeClr val="tx1"/>
                       </a:solidFill>
                       <a:prstDash val="solid"/>
                       <a:round/>
@@ -25412,25 +24943,14 @@
                           <a:latin typeface="Times New Roman" pitchFamily="18" charset="0"/>
                           <a:cs typeface="Arial" charset="0"/>
                         </a:rPr>
-                        <a:t>110XX</a:t>
-                      </a:r>
-                      <a:endParaRPr kumimoji="0" lang="en-US" sz="1800" b="0" i="0" u="none" strike="noStrike" cap="none" normalizeH="0" baseline="0" dirty="0" smtClean="0">
-                        <a:ln>
-                          <a:noFill/>
-                        </a:ln>
-                        <a:solidFill>
-                          <a:schemeClr val="tx1"/>
-                        </a:solidFill>
-                        <a:effectLst/>
-                        <a:latin typeface="Times New Roman" pitchFamily="18" charset="0"/>
-                        <a:cs typeface="Arial" charset="0"/>
-                      </a:endParaRPr>
+                        <a:t>1</a:t>
+                      </a:r>
                     </a:p>
                   </a:txBody>
                   <a:tcPr horzOverflow="overflow">
-                    <a:lnL w="12700" cap="flat" cmpd="sng" algn="ctr">
-                      <a:solidFill>
-                        <a:srgbClr val="000000"/>
+                    <a:lnL w="38100" cap="flat" cmpd="sng" algn="ctr">
+                      <a:solidFill>
+                        <a:schemeClr val="tx1"/>
                       </a:solidFill>
                       <a:prstDash val="solid"/>
                       <a:round/>
@@ -25508,17 +25028,6 @@
                         </a:rPr>
                         <a:t>0</a:t>
                       </a:r>
-                      <a:endParaRPr kumimoji="0" lang="en-US" sz="1800" b="0" i="0" u="none" strike="noStrike" cap="none" normalizeH="0" baseline="0" dirty="0" smtClean="0">
-                        <a:ln>
-                          <a:noFill/>
-                        </a:ln>
-                        <a:solidFill>
-                          <a:schemeClr val="tx1"/>
-                        </a:solidFill>
-                        <a:effectLst/>
-                        <a:latin typeface="Times New Roman" pitchFamily="18" charset="0"/>
-                        <a:cs typeface="Arial" charset="0"/>
-                      </a:endParaRPr>
                     </a:p>
                   </a:txBody>
                   <a:tcPr horzOverflow="overflow">
@@ -25602,17 +25111,6 @@
                         </a:rPr>
                         <a:t>0</a:t>
                       </a:r>
-                      <a:endParaRPr kumimoji="0" lang="en-US" sz="1800" b="0" i="0" u="none" strike="noStrike" cap="none" normalizeH="0" baseline="0" dirty="0" smtClean="0">
-                        <a:ln>
-                          <a:noFill/>
-                        </a:ln>
-                        <a:solidFill>
-                          <a:schemeClr val="tx1"/>
-                        </a:solidFill>
-                        <a:effectLst/>
-                        <a:latin typeface="Times New Roman" pitchFamily="18" charset="0"/>
-                        <a:cs typeface="Arial" charset="0"/>
-                      </a:endParaRPr>
                     </a:p>
                   </a:txBody>
                   <a:tcPr horzOverflow="overflow">
@@ -25625,9 +25123,9 @@
                       <a:headEnd type="none" w="med" len="med"/>
                       <a:tailEnd type="none" w="med" len="med"/>
                     </a:lnL>
-                    <a:lnR w="38100" cap="flat" cmpd="sng" algn="ctr">
-                      <a:solidFill>
-                        <a:schemeClr val="tx1"/>
+                    <a:lnR w="12700" cap="flat" cmpd="sng" algn="ctr">
+                      <a:solidFill>
+                        <a:srgbClr val="000000"/>
                       </a:solidFill>
                       <a:prstDash val="solid"/>
                       <a:round/>
@@ -25661,8 +25159,6 @@
                     <a:noFill/>
                   </a:tcPr>
                 </a:tc>
-              </a:tr>
-              <a:tr h="507026">
                 <a:tc>
                   <a:txBody>
                     <a:bodyPr/>
@@ -25696,25 +25192,14 @@
                           <a:latin typeface="Times New Roman" pitchFamily="18" charset="0"/>
                           <a:cs typeface="Arial" charset="0"/>
                         </a:rPr>
-                        <a:t>010001110</a:t>
-                      </a:r>
-                      <a:endParaRPr kumimoji="0" lang="en-US" sz="1800" b="0" i="0" u="none" strike="noStrike" cap="none" normalizeH="0" baseline="0" dirty="0" smtClean="0">
-                        <a:ln>
-                          <a:noFill/>
-                        </a:ln>
-                        <a:solidFill>
-                          <a:schemeClr val="tx1"/>
-                        </a:solidFill>
-                        <a:effectLst/>
-                        <a:latin typeface="Times New Roman" pitchFamily="18" charset="0"/>
-                        <a:cs typeface="Arial" charset="0"/>
-                      </a:endParaRPr>
+                        <a:t>1</a:t>
+                      </a:r>
                     </a:p>
                   </a:txBody>
                   <a:tcPr horzOverflow="overflow">
-                    <a:lnL w="38100" cap="flat" cmpd="sng" algn="ctr">
-                      <a:solidFill>
-                        <a:schemeClr val="tx1"/>
+                    <a:lnL w="12700" cap="flat" cmpd="sng" algn="ctr">
+                      <a:solidFill>
+                        <a:srgbClr val="000000"/>
                       </a:solidFill>
                       <a:prstDash val="solid"/>
                       <a:round/>
@@ -25787,22 +25272,11 @@
                             <a:schemeClr val="tx1"/>
                           </a:solidFill>
                           <a:effectLst/>
-                          <a:latin typeface="Courier New" pitchFamily="49" charset="0"/>
+                          <a:latin typeface="Times New Roman" pitchFamily="18" charset="0"/>
                           <a:cs typeface="Arial" charset="0"/>
                         </a:rPr>
-                        <a:t>BX</a:t>
-                      </a:r>
-                      <a:endParaRPr kumimoji="0" lang="en-US" sz="1800" b="0" i="0" u="none" strike="noStrike" cap="none" normalizeH="0" baseline="0" dirty="0" smtClean="0">
-                        <a:ln>
-                          <a:noFill/>
-                        </a:ln>
-                        <a:solidFill>
-                          <a:schemeClr val="tx1"/>
-                        </a:solidFill>
-                        <a:effectLst/>
-                        <a:latin typeface="Courier New" pitchFamily="49" charset="0"/>
-                        <a:cs typeface="Arial" charset="0"/>
-                      </a:endParaRPr>
+                        <a:t>10</a:t>
+                      </a:r>
                     </a:p>
                   </a:txBody>
                   <a:tcPr horzOverflow="overflow">
@@ -25815,9 +25289,9 @@
                       <a:headEnd type="none" w="med" len="med"/>
                       <a:tailEnd type="none" w="med" len="med"/>
                     </a:lnL>
-                    <a:lnR w="38100" cap="flat" cmpd="sng" algn="ctr">
-                      <a:solidFill>
-                        <a:schemeClr val="tx1"/>
+                    <a:lnR w="12700" cap="flat" cmpd="sng" algn="ctr">
+                      <a:solidFill>
+                        <a:srgbClr val="000000"/>
                       </a:solidFill>
                       <a:prstDash val="solid"/>
                       <a:round/>
@@ -25884,25 +25358,14 @@
                           <a:latin typeface="Times New Roman" pitchFamily="18" charset="0"/>
                           <a:cs typeface="Arial" charset="0"/>
                         </a:rPr>
-                        <a:t>1</a:t>
-                      </a:r>
-                      <a:endParaRPr kumimoji="0" lang="en-US" sz="1800" b="0" i="0" u="none" strike="noStrike" cap="none" normalizeH="0" baseline="0" dirty="0" smtClean="0">
-                        <a:ln>
-                          <a:noFill/>
-                        </a:ln>
-                        <a:solidFill>
-                          <a:schemeClr val="tx1"/>
-                        </a:solidFill>
-                        <a:effectLst/>
-                        <a:latin typeface="Times New Roman" pitchFamily="18" charset="0"/>
-                        <a:cs typeface="Arial" charset="0"/>
-                      </a:endParaRPr>
+                        <a:t>0</a:t>
+                      </a:r>
                     </a:p>
                   </a:txBody>
                   <a:tcPr horzOverflow="overflow">
-                    <a:lnL w="38100" cap="flat" cmpd="sng" algn="ctr">
-                      <a:solidFill>
-                        <a:schemeClr val="tx1"/>
+                    <a:lnL w="12700" cap="flat" cmpd="sng" algn="ctr">
+                      <a:solidFill>
+                        <a:srgbClr val="000000"/>
                       </a:solidFill>
                       <a:prstDash val="solid"/>
                       <a:round/>
@@ -25978,19 +25441,8 @@
                           <a:latin typeface="Times New Roman" pitchFamily="18" charset="0"/>
                           <a:cs typeface="Arial" charset="0"/>
                         </a:rPr>
-                        <a:t>0</a:t>
-                      </a:r>
-                      <a:endParaRPr kumimoji="0" lang="en-US" sz="1800" b="0" i="0" u="none" strike="noStrike" cap="none" normalizeH="0" baseline="0" dirty="0" smtClean="0">
-                        <a:ln>
-                          <a:noFill/>
-                        </a:ln>
-                        <a:solidFill>
-                          <a:schemeClr val="tx1"/>
-                        </a:solidFill>
-                        <a:effectLst/>
-                        <a:latin typeface="Times New Roman" pitchFamily="18" charset="0"/>
-                        <a:cs typeface="Arial" charset="0"/>
-                      </a:endParaRPr>
+                        <a:t>110XX</a:t>
+                      </a:r>
                     </a:p>
                   </a:txBody>
                   <a:tcPr horzOverflow="overflow">
@@ -26074,17 +25526,6 @@
                         </a:rPr>
                         <a:t>0</a:t>
                       </a:r>
-                      <a:endParaRPr kumimoji="0" lang="en-US" sz="1800" b="0" i="0" u="none" strike="noStrike" cap="none" normalizeH="0" baseline="0" dirty="0" smtClean="0">
-                        <a:ln>
-                          <a:noFill/>
-                        </a:ln>
-                        <a:solidFill>
-                          <a:schemeClr val="tx1"/>
-                        </a:solidFill>
-                        <a:effectLst/>
-                        <a:latin typeface="Times New Roman" pitchFamily="18" charset="0"/>
-                        <a:cs typeface="Arial" charset="0"/>
-                      </a:endParaRPr>
                     </a:p>
                   </a:txBody>
                   <a:tcPr horzOverflow="overflow">
@@ -26166,7 +25607,7 @@
                           <a:latin typeface="Times New Roman" pitchFamily="18" charset="0"/>
                           <a:cs typeface="Arial" charset="0"/>
                         </a:rPr>
-                        <a:t>0</a:t>
+                        <a:t>00</a:t>
                       </a:r>
                       <a:endParaRPr kumimoji="0" lang="en-US" sz="1800" b="0" i="0" u="none" strike="noStrike" cap="none" normalizeH="0" baseline="0" dirty="0" smtClean="0">
                         <a:ln>
@@ -26260,7 +25701,7 @@
                           <a:latin typeface="Times New Roman" pitchFamily="18" charset="0"/>
                           <a:cs typeface="Arial" charset="0"/>
                         </a:rPr>
-                        <a:t>XX</a:t>
+                        <a:t>00</a:t>
                       </a:r>
                       <a:endParaRPr kumimoji="0" lang="en-US" sz="1800" b="0" i="0" u="none" strike="noStrike" cap="none" normalizeH="0" baseline="0" dirty="0" smtClean="0">
                         <a:ln>
@@ -26285,9 +25726,9 @@
                       <a:headEnd type="none" w="med" len="med"/>
                       <a:tailEnd type="none" w="med" len="med"/>
                     </a:lnL>
-                    <a:lnR w="12700" cap="flat" cmpd="sng" algn="ctr">
-                      <a:solidFill>
-                        <a:srgbClr val="000000"/>
+                    <a:lnR w="38100" cap="flat" cmpd="sng" algn="ctr">
+                      <a:solidFill>
+                        <a:schemeClr val="tx1"/>
                       </a:solidFill>
                       <a:prstDash val="solid"/>
                       <a:round/>
@@ -26321,6 +25762,8 @@
                     <a:noFill/>
                   </a:tcPr>
                 </a:tc>
+              </a:tr>
+              <a:tr h="507026">
                 <a:tc>
                   <a:txBody>
                     <a:bodyPr/>
@@ -26354,25 +25797,14 @@
                           <a:latin typeface="Times New Roman" pitchFamily="18" charset="0"/>
                           <a:cs typeface="Arial" charset="0"/>
                         </a:rPr>
-                        <a:t>0</a:t>
-                      </a:r>
-                      <a:endParaRPr kumimoji="0" lang="en-US" sz="1800" b="0" i="0" u="none" strike="noStrike" cap="none" normalizeH="0" baseline="0" dirty="0" smtClean="0">
-                        <a:ln>
-                          <a:noFill/>
-                        </a:ln>
-                        <a:solidFill>
-                          <a:schemeClr val="tx1"/>
-                        </a:solidFill>
-                        <a:effectLst/>
-                        <a:latin typeface="Times New Roman" pitchFamily="18" charset="0"/>
-                        <a:cs typeface="Arial" charset="0"/>
-                      </a:endParaRPr>
+                        <a:t>010001110</a:t>
+                      </a:r>
                     </a:p>
                   </a:txBody>
                   <a:tcPr horzOverflow="overflow">
-                    <a:lnL w="12700" cap="flat" cmpd="sng" algn="ctr">
-                      <a:solidFill>
-                        <a:srgbClr val="000000"/>
+                    <a:lnL w="38100" cap="flat" cmpd="sng" algn="ctr">
+                      <a:solidFill>
+                        <a:schemeClr val="tx1"/>
                       </a:solidFill>
                       <a:prstDash val="solid"/>
                       <a:round/>
@@ -26445,22 +25877,11 @@
                             <a:schemeClr val="tx1"/>
                           </a:solidFill>
                           <a:effectLst/>
-                          <a:latin typeface="Times New Roman" pitchFamily="18" charset="0"/>
+                          <a:latin typeface="Courier New" pitchFamily="49" charset="0"/>
                           <a:cs typeface="Arial" charset="0"/>
                         </a:rPr>
-                        <a:t>1110X</a:t>
-                      </a:r>
-                      <a:endParaRPr kumimoji="0" lang="en-US" sz="1800" b="0" i="0" u="none" strike="noStrike" cap="none" normalizeH="0" baseline="0" dirty="0" smtClean="0">
-                        <a:ln>
-                          <a:noFill/>
-                        </a:ln>
-                        <a:solidFill>
-                          <a:schemeClr val="tx1"/>
-                        </a:solidFill>
-                        <a:effectLst/>
-                        <a:latin typeface="Times New Roman" pitchFamily="18" charset="0"/>
-                        <a:cs typeface="Arial" charset="0"/>
-                      </a:endParaRPr>
+                        <a:t>BX</a:t>
+                      </a:r>
                     </a:p>
                   </a:txBody>
                   <a:tcPr horzOverflow="overflow">
@@ -26473,9 +25894,9 @@
                       <a:headEnd type="none" w="med" len="med"/>
                       <a:tailEnd type="none" w="med" len="med"/>
                     </a:lnL>
-                    <a:lnR w="12700" cap="flat" cmpd="sng" algn="ctr">
-                      <a:solidFill>
-                        <a:srgbClr val="000000"/>
+                    <a:lnR w="38100" cap="flat" cmpd="sng" algn="ctr">
+                      <a:solidFill>
+                        <a:schemeClr val="tx1"/>
                       </a:solidFill>
                       <a:prstDash val="solid"/>
                       <a:round/>
@@ -26542,25 +25963,14 @@
                           <a:latin typeface="Times New Roman" pitchFamily="18" charset="0"/>
                           <a:cs typeface="Arial" charset="0"/>
                         </a:rPr>
-                        <a:t>0</a:t>
-                      </a:r>
-                      <a:endParaRPr kumimoji="0" lang="en-US" sz="1800" b="0" i="0" u="none" strike="noStrike" cap="none" normalizeH="0" baseline="0" dirty="0" smtClean="0">
-                        <a:ln>
-                          <a:noFill/>
-                        </a:ln>
-                        <a:solidFill>
-                          <a:schemeClr val="tx1"/>
-                        </a:solidFill>
-                        <a:effectLst/>
-                        <a:latin typeface="Times New Roman" pitchFamily="18" charset="0"/>
-                        <a:cs typeface="Arial" charset="0"/>
-                      </a:endParaRPr>
+                        <a:t>1</a:t>
+                      </a:r>
                     </a:p>
                   </a:txBody>
                   <a:tcPr horzOverflow="overflow">
-                    <a:lnL w="12700" cap="flat" cmpd="sng" algn="ctr">
-                      <a:solidFill>
-                        <a:srgbClr val="000000"/>
+                    <a:lnL w="38100" cap="flat" cmpd="sng" algn="ctr">
+                      <a:solidFill>
+                        <a:schemeClr val="tx1"/>
                       </a:solidFill>
                       <a:prstDash val="solid"/>
                       <a:round/>
@@ -26638,17 +26048,6 @@
                         </a:rPr>
                         <a:t>0</a:t>
                       </a:r>
-                      <a:endParaRPr kumimoji="0" lang="en-US" sz="1800" b="0" i="0" u="none" strike="noStrike" cap="none" normalizeH="0" baseline="0" dirty="0" smtClean="0">
-                        <a:ln>
-                          <a:noFill/>
-                        </a:ln>
-                        <a:solidFill>
-                          <a:schemeClr val="tx1"/>
-                        </a:solidFill>
-                        <a:effectLst/>
-                        <a:latin typeface="Times New Roman" pitchFamily="18" charset="0"/>
-                        <a:cs typeface="Arial" charset="0"/>
-                      </a:endParaRPr>
                     </a:p>
                   </a:txBody>
                   <a:tcPr horzOverflow="overflow">
@@ -26661,9 +26060,9 @@
                       <a:headEnd type="none" w="med" len="med"/>
                       <a:tailEnd type="none" w="med" len="med"/>
                     </a:lnL>
-                    <a:lnR w="38100" cap="flat" cmpd="sng" algn="ctr">
-                      <a:solidFill>
-                        <a:schemeClr val="tx1"/>
+                    <a:lnR w="12700" cap="flat" cmpd="sng" algn="ctr">
+                      <a:solidFill>
+                        <a:srgbClr val="000000"/>
                       </a:solidFill>
                       <a:prstDash val="solid"/>
                       <a:round/>
@@ -26697,8 +26096,6 @@
                     <a:noFill/>
                   </a:tcPr>
                 </a:tc>
-              </a:tr>
-              <a:tr h="507026">
                 <a:tc>
                   <a:txBody>
                     <a:bodyPr/>
@@ -26732,25 +26129,14 @@
                           <a:latin typeface="Times New Roman" pitchFamily="18" charset="0"/>
                           <a:cs typeface="Arial" charset="0"/>
                         </a:rPr>
-                        <a:t>010001111</a:t>
-                      </a:r>
-                      <a:endParaRPr kumimoji="0" lang="en-US" sz="1800" b="0" i="0" u="none" strike="noStrike" cap="none" normalizeH="0" baseline="0" dirty="0" smtClean="0">
-                        <a:ln>
-                          <a:noFill/>
-                        </a:ln>
-                        <a:solidFill>
-                          <a:schemeClr val="tx1"/>
-                        </a:solidFill>
-                        <a:effectLst/>
-                        <a:latin typeface="Times New Roman" pitchFamily="18" charset="0"/>
-                        <a:cs typeface="Arial" charset="0"/>
-                      </a:endParaRPr>
+                        <a:t>0</a:t>
+                      </a:r>
                     </a:p>
                   </a:txBody>
                   <a:tcPr horzOverflow="overflow">
-                    <a:lnL w="38100" cap="flat" cmpd="sng" algn="ctr">
-                      <a:solidFill>
-                        <a:schemeClr val="tx1"/>
+                    <a:lnL w="12700" cap="flat" cmpd="sng" algn="ctr">
+                      <a:solidFill>
+                        <a:srgbClr val="000000"/>
                       </a:solidFill>
                       <a:prstDash val="solid"/>
                       <a:round/>
@@ -26775,9 +26161,9 @@
                       <a:headEnd type="none" w="med" len="med"/>
                       <a:tailEnd type="none" w="med" len="med"/>
                     </a:lnT>
-                    <a:lnB w="38100" cap="flat" cmpd="sng" algn="ctr">
-                      <a:solidFill>
-                        <a:schemeClr val="tx1"/>
+                    <a:lnB w="12700" cap="flat" cmpd="sng" algn="ctr">
+                      <a:solidFill>
+                        <a:srgbClr val="000000"/>
                       </a:solidFill>
                       <a:prstDash val="solid"/>
                       <a:round/>
@@ -26823,22 +26209,11 @@
                             <a:schemeClr val="tx1"/>
                           </a:solidFill>
                           <a:effectLst/>
-                          <a:latin typeface="Courier New" pitchFamily="49" charset="0"/>
+                          <a:latin typeface="Times New Roman" pitchFamily="18" charset="0"/>
                           <a:cs typeface="Arial" charset="0"/>
                         </a:rPr>
-                        <a:t>BLX</a:t>
-                      </a:r>
-                      <a:endParaRPr kumimoji="0" lang="en-US" sz="1800" b="0" i="0" u="none" strike="noStrike" cap="none" normalizeH="0" baseline="0" dirty="0" smtClean="0">
-                        <a:ln>
-                          <a:noFill/>
-                        </a:ln>
-                        <a:solidFill>
-                          <a:schemeClr val="tx1"/>
-                        </a:solidFill>
-                        <a:effectLst/>
-                        <a:latin typeface="Courier New" pitchFamily="49" charset="0"/>
-                        <a:cs typeface="Arial" charset="0"/>
-                      </a:endParaRPr>
+                        <a:t>0</a:t>
+                      </a:r>
                     </a:p>
                   </a:txBody>
                   <a:tcPr horzOverflow="overflow">
@@ -26851,9 +26226,9 @@
                       <a:headEnd type="none" w="med" len="med"/>
                       <a:tailEnd type="none" w="med" len="med"/>
                     </a:lnL>
-                    <a:lnR w="38100" cap="flat" cmpd="sng" algn="ctr">
-                      <a:solidFill>
-                        <a:schemeClr val="tx1"/>
+                    <a:lnR w="12700" cap="flat" cmpd="sng" algn="ctr">
+                      <a:solidFill>
+                        <a:srgbClr val="000000"/>
                       </a:solidFill>
                       <a:prstDash val="solid"/>
                       <a:round/>
@@ -26869,9 +26244,9 @@
                       <a:headEnd type="none" w="med" len="med"/>
                       <a:tailEnd type="none" w="med" len="med"/>
                     </a:lnT>
-                    <a:lnB w="38100" cap="flat" cmpd="sng" algn="ctr">
-                      <a:solidFill>
-                        <a:schemeClr val="tx1"/>
+                    <a:lnB w="12700" cap="flat" cmpd="sng" algn="ctr">
+                      <a:solidFill>
+                        <a:srgbClr val="000000"/>
                       </a:solidFill>
                       <a:prstDash val="solid"/>
                       <a:round/>
@@ -26920,14 +26295,14 @@
                           <a:latin typeface="Times New Roman" pitchFamily="18" charset="0"/>
                           <a:cs typeface="Arial" charset="0"/>
                         </a:rPr>
-                        <a:t>1</a:t>
+                        <a:t>XX</a:t>
                       </a:r>
                     </a:p>
                   </a:txBody>
                   <a:tcPr horzOverflow="overflow">
-                    <a:lnL w="38100" cap="flat" cmpd="sng" algn="ctr">
-                      <a:solidFill>
-                        <a:schemeClr val="tx1"/>
+                    <a:lnL w="12700" cap="flat" cmpd="sng" algn="ctr">
+                      <a:solidFill>
+                        <a:srgbClr val="000000"/>
                       </a:solidFill>
                       <a:prstDash val="solid"/>
                       <a:round/>
@@ -26952,9 +26327,9 @@
                       <a:headEnd type="none" w="med" len="med"/>
                       <a:tailEnd type="none" w="med" len="med"/>
                     </a:lnT>
-                    <a:lnB w="38100" cap="flat" cmpd="sng" algn="ctr">
-                      <a:solidFill>
-                        <a:schemeClr val="tx1"/>
+                    <a:lnB w="12700" cap="flat" cmpd="sng" algn="ctr">
+                      <a:solidFill>
+                        <a:srgbClr val="000000"/>
                       </a:solidFill>
                       <a:prstDash val="solid"/>
                       <a:round/>
@@ -27035,9 +26410,9 @@
                       <a:headEnd type="none" w="med" len="med"/>
                       <a:tailEnd type="none" w="med" len="med"/>
                     </a:lnT>
-                    <a:lnB w="38100" cap="flat" cmpd="sng" algn="ctr">
-                      <a:solidFill>
-                        <a:schemeClr val="tx1"/>
+                    <a:lnB w="12700" cap="flat" cmpd="sng" algn="ctr">
+                      <a:solidFill>
+                        <a:srgbClr val="000000"/>
                       </a:solidFill>
                       <a:prstDash val="solid"/>
                       <a:round/>
@@ -27086,7 +26461,7 @@
                           <a:latin typeface="Times New Roman" pitchFamily="18" charset="0"/>
                           <a:cs typeface="Arial" charset="0"/>
                         </a:rPr>
-                        <a:t>0</a:t>
+                        <a:t>1110X</a:t>
                       </a:r>
                     </a:p>
                   </a:txBody>
@@ -27118,9 +26493,9 @@
                       <a:headEnd type="none" w="med" len="med"/>
                       <a:tailEnd type="none" w="med" len="med"/>
                     </a:lnT>
-                    <a:lnB w="38100" cap="flat" cmpd="sng" algn="ctr">
-                      <a:solidFill>
-                        <a:schemeClr val="tx1"/>
+                    <a:lnB w="12700" cap="flat" cmpd="sng" algn="ctr">
+                      <a:solidFill>
+                        <a:srgbClr val="000000"/>
                       </a:solidFill>
                       <a:prstDash val="solid"/>
                       <a:round/>
@@ -27201,9 +26576,9 @@
                       <a:headEnd type="none" w="med" len="med"/>
                       <a:tailEnd type="none" w="med" len="med"/>
                     </a:lnT>
-                    <a:lnB w="38100" cap="flat" cmpd="sng" algn="ctr">
-                      <a:solidFill>
-                        <a:schemeClr val="tx1"/>
+                    <a:lnB w="12700" cap="flat" cmpd="sng" algn="ctr">
+                      <a:solidFill>
+                        <a:srgbClr val="000000"/>
                       </a:solidFill>
                       <a:prstDash val="solid"/>
                       <a:round/>
@@ -27252,8 +26627,19 @@
                           <a:latin typeface="Times New Roman" pitchFamily="18" charset="0"/>
                           <a:cs typeface="Arial" charset="0"/>
                         </a:rPr>
-                        <a:t>XX</a:t>
-                      </a:r>
+                        <a:t>00</a:t>
+                      </a:r>
+                      <a:endParaRPr kumimoji="0" lang="en-US" sz="1800" b="0" i="0" u="none" strike="noStrike" cap="none" normalizeH="0" baseline="0" dirty="0" smtClean="0">
+                        <a:ln>
+                          <a:noFill/>
+                        </a:ln>
+                        <a:solidFill>
+                          <a:schemeClr val="tx1"/>
+                        </a:solidFill>
+                        <a:effectLst/>
+                        <a:latin typeface="Times New Roman" pitchFamily="18" charset="0"/>
+                        <a:cs typeface="Arial" charset="0"/>
+                      </a:endParaRPr>
                     </a:p>
                   </a:txBody>
                   <a:tcPr horzOverflow="overflow">
@@ -27284,9 +26670,9 @@
                       <a:headEnd type="none" w="med" len="med"/>
                       <a:tailEnd type="none" w="med" len="med"/>
                     </a:lnT>
-                    <a:lnB w="38100" cap="flat" cmpd="sng" algn="ctr">
-                      <a:solidFill>
-                        <a:schemeClr val="tx1"/>
+                    <a:lnB w="12700" cap="flat" cmpd="sng" algn="ctr">
+                      <a:solidFill>
+                        <a:srgbClr val="000000"/>
                       </a:solidFill>
                       <a:prstDash val="solid"/>
                       <a:round/>
@@ -27335,7 +26721,7 @@
                           <a:latin typeface="Times New Roman" pitchFamily="18" charset="0"/>
                           <a:cs typeface="Arial" charset="0"/>
                         </a:rPr>
-                        <a:t>0</a:t>
+                        <a:t>00</a:t>
                       </a:r>
                       <a:endParaRPr kumimoji="0" lang="en-US" sz="1800" b="0" i="0" u="none" strike="noStrike" cap="none" normalizeH="0" baseline="0" dirty="0" smtClean="0">
                         <a:ln>
@@ -27360,9 +26746,9 @@
                       <a:headEnd type="none" w="med" len="med"/>
                       <a:tailEnd type="none" w="med" len="med"/>
                     </a:lnL>
-                    <a:lnR w="12700" cap="flat" cmpd="sng" algn="ctr">
-                      <a:solidFill>
-                        <a:srgbClr val="000000"/>
+                    <a:lnR w="38100" cap="flat" cmpd="sng" algn="ctr">
+                      <a:solidFill>
+                        <a:schemeClr val="tx1"/>
                       </a:solidFill>
                       <a:prstDash val="solid"/>
                       <a:round/>
@@ -27378,9 +26764,9 @@
                       <a:headEnd type="none" w="med" len="med"/>
                       <a:tailEnd type="none" w="med" len="med"/>
                     </a:lnT>
-                    <a:lnB w="38100" cap="flat" cmpd="sng" algn="ctr">
-                      <a:solidFill>
-                        <a:schemeClr val="tx1"/>
+                    <a:lnB w="12700" cap="flat" cmpd="sng" algn="ctr">
+                      <a:solidFill>
+                        <a:srgbClr val="000000"/>
                       </a:solidFill>
                       <a:prstDash val="solid"/>
                       <a:round/>
@@ -27396,6 +26782,8 @@
                     <a:noFill/>
                   </a:tcPr>
                 </a:tc>
+              </a:tr>
+              <a:tr h="507026">
                 <a:tc>
                   <a:txBody>
                     <a:bodyPr/>
@@ -27429,25 +26817,14 @@
                           <a:latin typeface="Times New Roman" pitchFamily="18" charset="0"/>
                           <a:cs typeface="Arial" charset="0"/>
                         </a:rPr>
-                        <a:t>1110X</a:t>
-                      </a:r>
-                      <a:endParaRPr kumimoji="0" lang="en-US" sz="1800" b="0" i="0" u="none" strike="noStrike" cap="none" normalizeH="0" baseline="0" dirty="0" smtClean="0">
-                        <a:ln>
-                          <a:noFill/>
-                        </a:ln>
-                        <a:solidFill>
-                          <a:schemeClr val="tx1"/>
-                        </a:solidFill>
-                        <a:effectLst/>
-                        <a:latin typeface="Times New Roman" pitchFamily="18" charset="0"/>
-                        <a:cs typeface="Arial" charset="0"/>
-                      </a:endParaRPr>
+                        <a:t>010001111</a:t>
+                      </a:r>
                     </a:p>
                   </a:txBody>
                   <a:tcPr horzOverflow="overflow">
-                    <a:lnL w="12700" cap="flat" cmpd="sng" algn="ctr">
-                      <a:solidFill>
-                        <a:srgbClr val="000000"/>
+                    <a:lnL w="38100" cap="flat" cmpd="sng" algn="ctr">
+                      <a:solidFill>
+                        <a:schemeClr val="tx1"/>
                       </a:solidFill>
                       <a:prstDash val="solid"/>
                       <a:round/>
@@ -27520,22 +26897,11 @@
                             <a:schemeClr val="tx1"/>
                           </a:solidFill>
                           <a:effectLst/>
-                          <a:latin typeface="Times New Roman" pitchFamily="18" charset="0"/>
+                          <a:latin typeface="Courier New" pitchFamily="49" charset="0"/>
                           <a:cs typeface="Arial" charset="0"/>
                         </a:rPr>
-                        <a:t>0</a:t>
-                      </a:r>
-                      <a:endParaRPr kumimoji="0" lang="en-US" sz="1800" b="0" i="0" u="none" strike="noStrike" cap="none" normalizeH="0" baseline="0" dirty="0" smtClean="0">
-                        <a:ln>
-                          <a:noFill/>
-                        </a:ln>
-                        <a:solidFill>
-                          <a:schemeClr val="tx1"/>
-                        </a:solidFill>
-                        <a:effectLst/>
-                        <a:latin typeface="Times New Roman" pitchFamily="18" charset="0"/>
-                        <a:cs typeface="Arial" charset="0"/>
-                      </a:endParaRPr>
+                        <a:t>BLX</a:t>
+                      </a:r>
                     </a:p>
                   </a:txBody>
                   <a:tcPr horzOverflow="overflow">
@@ -27548,9 +26914,9 @@
                       <a:headEnd type="none" w="med" len="med"/>
                       <a:tailEnd type="none" w="med" len="med"/>
                     </a:lnL>
-                    <a:lnR w="12700" cap="flat" cmpd="sng" algn="ctr">
-                      <a:solidFill>
-                        <a:srgbClr val="000000"/>
+                    <a:lnR w="38100" cap="flat" cmpd="sng" algn="ctr">
+                      <a:solidFill>
+                        <a:schemeClr val="tx1"/>
                       </a:solidFill>
                       <a:prstDash val="solid"/>
                       <a:round/>
@@ -27618,6 +26984,764 @@
                           <a:cs typeface="Arial" charset="0"/>
                         </a:rPr>
                         <a:t>1</a:t>
+                      </a:r>
+                    </a:p>
+                  </a:txBody>
+                  <a:tcPr horzOverflow="overflow">
+                    <a:lnL w="38100" cap="flat" cmpd="sng" algn="ctr">
+                      <a:solidFill>
+                        <a:schemeClr val="tx1"/>
+                      </a:solidFill>
+                      <a:prstDash val="solid"/>
+                      <a:round/>
+                      <a:headEnd type="none" w="med" len="med"/>
+                      <a:tailEnd type="none" w="med" len="med"/>
+                    </a:lnL>
+                    <a:lnR w="12700" cap="flat" cmpd="sng" algn="ctr">
+                      <a:solidFill>
+                        <a:srgbClr val="000000"/>
+                      </a:solidFill>
+                      <a:prstDash val="solid"/>
+                      <a:round/>
+                      <a:headEnd type="none" w="med" len="med"/>
+                      <a:tailEnd type="none" w="med" len="med"/>
+                    </a:lnR>
+                    <a:lnT w="12700" cap="flat" cmpd="sng" algn="ctr">
+                      <a:solidFill>
+                        <a:srgbClr val="000000"/>
+                      </a:solidFill>
+                      <a:prstDash val="solid"/>
+                      <a:round/>
+                      <a:headEnd type="none" w="med" len="med"/>
+                      <a:tailEnd type="none" w="med" len="med"/>
+                    </a:lnT>
+                    <a:lnB w="38100" cap="flat" cmpd="sng" algn="ctr">
+                      <a:solidFill>
+                        <a:schemeClr val="tx1"/>
+                      </a:solidFill>
+                      <a:prstDash val="solid"/>
+                      <a:round/>
+                      <a:headEnd type="none" w="med" len="med"/>
+                      <a:tailEnd type="none" w="med" len="med"/>
+                    </a:lnB>
+                    <a:lnTlToBr>
+                      <a:noFill/>
+                    </a:lnTlToBr>
+                    <a:lnBlToTr>
+                      <a:noFill/>
+                    </a:lnBlToTr>
+                    <a:noFill/>
+                  </a:tcPr>
+                </a:tc>
+                <a:tc>
+                  <a:txBody>
+                    <a:bodyPr/>
+                    <a:lstStyle/>
+                    <a:p>
+                      <a:pPr marL="342900" marR="0" lvl="0" indent="-342900" algn="ctr" defTabSz="914400" rtl="0" eaLnBrk="1" fontAlgn="base" latinLnBrk="0" hangingPunct="1">
+                        <a:lnSpc>
+                          <a:spcPct val="100000"/>
+                        </a:lnSpc>
+                        <a:spcBef>
+                          <a:spcPct val="0"/>
+                        </a:spcBef>
+                        <a:spcAft>
+                          <a:spcPct val="0"/>
+                        </a:spcAft>
+                        <a:buClrTx/>
+                        <a:buSzTx/>
+                        <a:buFontTx/>
+                        <a:buNone/>
+                        <a:tabLst/>
+                      </a:pPr>
+                      <a:r>
+                        <a:rPr kumimoji="0" lang="en-US" sz="1800" b="0" i="0" u="none" strike="noStrike" cap="none" normalizeH="0" baseline="0" dirty="0" smtClean="0">
+                          <a:ln>
+                            <a:noFill/>
+                          </a:ln>
+                          <a:solidFill>
+                            <a:schemeClr val="tx1"/>
+                          </a:solidFill>
+                          <a:effectLst/>
+                          <a:latin typeface="Times New Roman" pitchFamily="18" charset="0"/>
+                          <a:cs typeface="Arial" charset="0"/>
+                        </a:rPr>
+                        <a:t>0</a:t>
+                      </a:r>
+                    </a:p>
+                  </a:txBody>
+                  <a:tcPr horzOverflow="overflow">
+                    <a:lnL w="12700" cap="flat" cmpd="sng" algn="ctr">
+                      <a:solidFill>
+                        <a:srgbClr val="000000"/>
+                      </a:solidFill>
+                      <a:prstDash val="solid"/>
+                      <a:round/>
+                      <a:headEnd type="none" w="med" len="med"/>
+                      <a:tailEnd type="none" w="med" len="med"/>
+                    </a:lnL>
+                    <a:lnR w="12700" cap="flat" cmpd="sng" algn="ctr">
+                      <a:solidFill>
+                        <a:srgbClr val="000000"/>
+                      </a:solidFill>
+                      <a:prstDash val="solid"/>
+                      <a:round/>
+                      <a:headEnd type="none" w="med" len="med"/>
+                      <a:tailEnd type="none" w="med" len="med"/>
+                    </a:lnR>
+                    <a:lnT w="12700" cap="flat" cmpd="sng" algn="ctr">
+                      <a:solidFill>
+                        <a:srgbClr val="000000"/>
+                      </a:solidFill>
+                      <a:prstDash val="solid"/>
+                      <a:round/>
+                      <a:headEnd type="none" w="med" len="med"/>
+                      <a:tailEnd type="none" w="med" len="med"/>
+                    </a:lnT>
+                    <a:lnB w="38100" cap="flat" cmpd="sng" algn="ctr">
+                      <a:solidFill>
+                        <a:schemeClr val="tx1"/>
+                      </a:solidFill>
+                      <a:prstDash val="solid"/>
+                      <a:round/>
+                      <a:headEnd type="none" w="med" len="med"/>
+                      <a:tailEnd type="none" w="med" len="med"/>
+                    </a:lnB>
+                    <a:lnTlToBr>
+                      <a:noFill/>
+                    </a:lnTlToBr>
+                    <a:lnBlToTr>
+                      <a:noFill/>
+                    </a:lnBlToTr>
+                    <a:noFill/>
+                  </a:tcPr>
+                </a:tc>
+                <a:tc>
+                  <a:txBody>
+                    <a:bodyPr/>
+                    <a:lstStyle/>
+                    <a:p>
+                      <a:pPr marL="342900" marR="0" lvl="0" indent="-342900" algn="ctr" defTabSz="914400" rtl="0" eaLnBrk="1" fontAlgn="base" latinLnBrk="0" hangingPunct="1">
+                        <a:lnSpc>
+                          <a:spcPct val="100000"/>
+                        </a:lnSpc>
+                        <a:spcBef>
+                          <a:spcPct val="0"/>
+                        </a:spcBef>
+                        <a:spcAft>
+                          <a:spcPct val="0"/>
+                        </a:spcAft>
+                        <a:buClrTx/>
+                        <a:buSzTx/>
+                        <a:buFontTx/>
+                        <a:buNone/>
+                        <a:tabLst/>
+                      </a:pPr>
+                      <a:r>
+                        <a:rPr kumimoji="0" lang="en-US" sz="1800" b="0" i="0" u="none" strike="noStrike" cap="none" normalizeH="0" baseline="0" dirty="0" smtClean="0">
+                          <a:ln>
+                            <a:noFill/>
+                          </a:ln>
+                          <a:solidFill>
+                            <a:schemeClr val="tx1"/>
+                          </a:solidFill>
+                          <a:effectLst/>
+                          <a:latin typeface="Times New Roman" pitchFamily="18" charset="0"/>
+                          <a:cs typeface="Arial" charset="0"/>
+                        </a:rPr>
+                        <a:t>0</a:t>
+                      </a:r>
+                    </a:p>
+                  </a:txBody>
+                  <a:tcPr horzOverflow="overflow">
+                    <a:lnL w="12700" cap="flat" cmpd="sng" algn="ctr">
+                      <a:solidFill>
+                        <a:srgbClr val="000000"/>
+                      </a:solidFill>
+                      <a:prstDash val="solid"/>
+                      <a:round/>
+                      <a:headEnd type="none" w="med" len="med"/>
+                      <a:tailEnd type="none" w="med" len="med"/>
+                    </a:lnL>
+                    <a:lnR w="12700" cap="flat" cmpd="sng" algn="ctr">
+                      <a:solidFill>
+                        <a:srgbClr val="000000"/>
+                      </a:solidFill>
+                      <a:prstDash val="solid"/>
+                      <a:round/>
+                      <a:headEnd type="none" w="med" len="med"/>
+                      <a:tailEnd type="none" w="med" len="med"/>
+                    </a:lnR>
+                    <a:lnT w="12700" cap="flat" cmpd="sng" algn="ctr">
+                      <a:solidFill>
+                        <a:srgbClr val="000000"/>
+                      </a:solidFill>
+                      <a:prstDash val="solid"/>
+                      <a:round/>
+                      <a:headEnd type="none" w="med" len="med"/>
+                      <a:tailEnd type="none" w="med" len="med"/>
+                    </a:lnT>
+                    <a:lnB w="38100" cap="flat" cmpd="sng" algn="ctr">
+                      <a:solidFill>
+                        <a:schemeClr val="tx1"/>
+                      </a:solidFill>
+                      <a:prstDash val="solid"/>
+                      <a:round/>
+                      <a:headEnd type="none" w="med" len="med"/>
+                      <a:tailEnd type="none" w="med" len="med"/>
+                    </a:lnB>
+                    <a:lnTlToBr>
+                      <a:noFill/>
+                    </a:lnTlToBr>
+                    <a:lnBlToTr>
+                      <a:noFill/>
+                    </a:lnBlToTr>
+                    <a:noFill/>
+                  </a:tcPr>
+                </a:tc>
+                <a:tc>
+                  <a:txBody>
+                    <a:bodyPr/>
+                    <a:lstStyle/>
+                    <a:p>
+                      <a:pPr marL="342900" marR="0" lvl="0" indent="-342900" algn="ctr" defTabSz="914400" rtl="0" eaLnBrk="1" fontAlgn="base" latinLnBrk="0" hangingPunct="1">
+                        <a:lnSpc>
+                          <a:spcPct val="100000"/>
+                        </a:lnSpc>
+                        <a:spcBef>
+                          <a:spcPct val="0"/>
+                        </a:spcBef>
+                        <a:spcAft>
+                          <a:spcPct val="0"/>
+                        </a:spcAft>
+                        <a:buClrTx/>
+                        <a:buSzTx/>
+                        <a:buFontTx/>
+                        <a:buNone/>
+                        <a:tabLst/>
+                      </a:pPr>
+                      <a:r>
+                        <a:rPr kumimoji="0" lang="en-US" sz="1800" b="0" i="0" u="none" strike="noStrike" cap="none" normalizeH="0" baseline="0" dirty="0" smtClean="0">
+                          <a:ln>
+                            <a:noFill/>
+                          </a:ln>
+                          <a:solidFill>
+                            <a:schemeClr val="tx1"/>
+                          </a:solidFill>
+                          <a:effectLst/>
+                          <a:latin typeface="Times New Roman" pitchFamily="18" charset="0"/>
+                          <a:cs typeface="Arial" charset="0"/>
+                        </a:rPr>
+                        <a:t>0</a:t>
+                      </a:r>
+                    </a:p>
+                  </a:txBody>
+                  <a:tcPr horzOverflow="overflow">
+                    <a:lnL w="12700" cap="flat" cmpd="sng" algn="ctr">
+                      <a:solidFill>
+                        <a:srgbClr val="000000"/>
+                      </a:solidFill>
+                      <a:prstDash val="solid"/>
+                      <a:round/>
+                      <a:headEnd type="none" w="med" len="med"/>
+                      <a:tailEnd type="none" w="med" len="med"/>
+                    </a:lnL>
+                    <a:lnR w="12700" cap="flat" cmpd="sng" algn="ctr">
+                      <a:solidFill>
+                        <a:srgbClr val="000000"/>
+                      </a:solidFill>
+                      <a:prstDash val="solid"/>
+                      <a:round/>
+                      <a:headEnd type="none" w="med" len="med"/>
+                      <a:tailEnd type="none" w="med" len="med"/>
+                    </a:lnR>
+                    <a:lnT w="12700" cap="flat" cmpd="sng" algn="ctr">
+                      <a:solidFill>
+                        <a:srgbClr val="000000"/>
+                      </a:solidFill>
+                      <a:prstDash val="solid"/>
+                      <a:round/>
+                      <a:headEnd type="none" w="med" len="med"/>
+                      <a:tailEnd type="none" w="med" len="med"/>
+                    </a:lnT>
+                    <a:lnB w="38100" cap="flat" cmpd="sng" algn="ctr">
+                      <a:solidFill>
+                        <a:schemeClr val="tx1"/>
+                      </a:solidFill>
+                      <a:prstDash val="solid"/>
+                      <a:round/>
+                      <a:headEnd type="none" w="med" len="med"/>
+                      <a:tailEnd type="none" w="med" len="med"/>
+                    </a:lnB>
+                    <a:lnTlToBr>
+                      <a:noFill/>
+                    </a:lnTlToBr>
+                    <a:lnBlToTr>
+                      <a:noFill/>
+                    </a:lnBlToTr>
+                    <a:noFill/>
+                  </a:tcPr>
+                </a:tc>
+                <a:tc>
+                  <a:txBody>
+                    <a:bodyPr/>
+                    <a:lstStyle/>
+                    <a:p>
+                      <a:pPr marL="342900" marR="0" lvl="0" indent="-342900" algn="ctr" defTabSz="914400" rtl="0" eaLnBrk="1" fontAlgn="base" latinLnBrk="0" hangingPunct="1">
+                        <a:lnSpc>
+                          <a:spcPct val="100000"/>
+                        </a:lnSpc>
+                        <a:spcBef>
+                          <a:spcPct val="0"/>
+                        </a:spcBef>
+                        <a:spcAft>
+                          <a:spcPct val="0"/>
+                        </a:spcAft>
+                        <a:buClrTx/>
+                        <a:buSzTx/>
+                        <a:buFontTx/>
+                        <a:buNone/>
+                        <a:tabLst/>
+                      </a:pPr>
+                      <a:r>
+                        <a:rPr kumimoji="0" lang="en-US" sz="1800" b="0" i="0" u="none" strike="noStrike" cap="none" normalizeH="0" baseline="0" dirty="0" smtClean="0">
+                          <a:ln>
+                            <a:noFill/>
+                          </a:ln>
+                          <a:solidFill>
+                            <a:schemeClr val="tx1"/>
+                          </a:solidFill>
+                          <a:effectLst/>
+                          <a:latin typeface="Times New Roman" pitchFamily="18" charset="0"/>
+                          <a:cs typeface="Arial" charset="0"/>
+                        </a:rPr>
+                        <a:t>XX</a:t>
+                      </a:r>
+                    </a:p>
+                  </a:txBody>
+                  <a:tcPr horzOverflow="overflow">
+                    <a:lnL w="12700" cap="flat" cmpd="sng" algn="ctr">
+                      <a:solidFill>
+                        <a:srgbClr val="000000"/>
+                      </a:solidFill>
+                      <a:prstDash val="solid"/>
+                      <a:round/>
+                      <a:headEnd type="none" w="med" len="med"/>
+                      <a:tailEnd type="none" w="med" len="med"/>
+                    </a:lnL>
+                    <a:lnR w="12700" cap="flat" cmpd="sng" algn="ctr">
+                      <a:solidFill>
+                        <a:srgbClr val="000000"/>
+                      </a:solidFill>
+                      <a:prstDash val="solid"/>
+                      <a:round/>
+                      <a:headEnd type="none" w="med" len="med"/>
+                      <a:tailEnd type="none" w="med" len="med"/>
+                    </a:lnR>
+                    <a:lnT w="12700" cap="flat" cmpd="sng" algn="ctr">
+                      <a:solidFill>
+                        <a:srgbClr val="000000"/>
+                      </a:solidFill>
+                      <a:prstDash val="solid"/>
+                      <a:round/>
+                      <a:headEnd type="none" w="med" len="med"/>
+                      <a:tailEnd type="none" w="med" len="med"/>
+                    </a:lnT>
+                    <a:lnB w="38100" cap="flat" cmpd="sng" algn="ctr">
+                      <a:solidFill>
+                        <a:schemeClr val="tx1"/>
+                      </a:solidFill>
+                      <a:prstDash val="solid"/>
+                      <a:round/>
+                      <a:headEnd type="none" w="med" len="med"/>
+                      <a:tailEnd type="none" w="med" len="med"/>
+                    </a:lnB>
+                    <a:lnTlToBr>
+                      <a:noFill/>
+                    </a:lnTlToBr>
+                    <a:lnBlToTr>
+                      <a:noFill/>
+                    </a:lnBlToTr>
+                    <a:noFill/>
+                  </a:tcPr>
+                </a:tc>
+                <a:tc>
+                  <a:txBody>
+                    <a:bodyPr/>
+                    <a:lstStyle/>
+                    <a:p>
+                      <a:pPr marL="342900" marR="0" lvl="0" indent="-342900" algn="ctr" defTabSz="914400" rtl="0" eaLnBrk="1" fontAlgn="base" latinLnBrk="0" hangingPunct="1">
+                        <a:lnSpc>
+                          <a:spcPct val="100000"/>
+                        </a:lnSpc>
+                        <a:spcBef>
+                          <a:spcPct val="0"/>
+                        </a:spcBef>
+                        <a:spcAft>
+                          <a:spcPct val="0"/>
+                        </a:spcAft>
+                        <a:buClrTx/>
+                        <a:buSzTx/>
+                        <a:buFontTx/>
+                        <a:buNone/>
+                        <a:tabLst/>
+                      </a:pPr>
+                      <a:r>
+                        <a:rPr kumimoji="0" lang="en-US" sz="1800" b="0" i="0" u="none" strike="noStrike" cap="none" normalizeH="0" baseline="0" dirty="0" smtClean="0">
+                          <a:ln>
+                            <a:noFill/>
+                          </a:ln>
+                          <a:solidFill>
+                            <a:schemeClr val="tx1"/>
+                          </a:solidFill>
+                          <a:effectLst/>
+                          <a:latin typeface="Times New Roman" pitchFamily="18" charset="0"/>
+                          <a:cs typeface="Arial" charset="0"/>
+                        </a:rPr>
+                        <a:t>0</a:t>
+                      </a:r>
+                    </a:p>
+                  </a:txBody>
+                  <a:tcPr horzOverflow="overflow">
+                    <a:lnL w="12700" cap="flat" cmpd="sng" algn="ctr">
+                      <a:solidFill>
+                        <a:srgbClr val="000000"/>
+                      </a:solidFill>
+                      <a:prstDash val="solid"/>
+                      <a:round/>
+                      <a:headEnd type="none" w="med" len="med"/>
+                      <a:tailEnd type="none" w="med" len="med"/>
+                    </a:lnL>
+                    <a:lnR w="12700" cap="flat" cmpd="sng" algn="ctr">
+                      <a:solidFill>
+                        <a:srgbClr val="000000"/>
+                      </a:solidFill>
+                      <a:prstDash val="solid"/>
+                      <a:round/>
+                      <a:headEnd type="none" w="med" len="med"/>
+                      <a:tailEnd type="none" w="med" len="med"/>
+                    </a:lnR>
+                    <a:lnT w="12700" cap="flat" cmpd="sng" algn="ctr">
+                      <a:solidFill>
+                        <a:srgbClr val="000000"/>
+                      </a:solidFill>
+                      <a:prstDash val="solid"/>
+                      <a:round/>
+                      <a:headEnd type="none" w="med" len="med"/>
+                      <a:tailEnd type="none" w="med" len="med"/>
+                    </a:lnT>
+                    <a:lnB w="38100" cap="flat" cmpd="sng" algn="ctr">
+                      <a:solidFill>
+                        <a:schemeClr val="tx1"/>
+                      </a:solidFill>
+                      <a:prstDash val="solid"/>
+                      <a:round/>
+                      <a:headEnd type="none" w="med" len="med"/>
+                      <a:tailEnd type="none" w="med" len="med"/>
+                    </a:lnB>
+                    <a:lnTlToBr>
+                      <a:noFill/>
+                    </a:lnTlToBr>
+                    <a:lnBlToTr>
+                      <a:noFill/>
+                    </a:lnBlToTr>
+                    <a:noFill/>
+                  </a:tcPr>
+                </a:tc>
+                <a:tc>
+                  <a:txBody>
+                    <a:bodyPr/>
+                    <a:lstStyle/>
+                    <a:p>
+                      <a:pPr marL="342900" marR="0" lvl="0" indent="-342900" algn="ctr" defTabSz="914400" rtl="0" eaLnBrk="1" fontAlgn="base" latinLnBrk="0" hangingPunct="1">
+                        <a:lnSpc>
+                          <a:spcPct val="100000"/>
+                        </a:lnSpc>
+                        <a:spcBef>
+                          <a:spcPct val="0"/>
+                        </a:spcBef>
+                        <a:spcAft>
+                          <a:spcPct val="0"/>
+                        </a:spcAft>
+                        <a:buClrTx/>
+                        <a:buSzTx/>
+                        <a:buFontTx/>
+                        <a:buNone/>
+                        <a:tabLst/>
+                      </a:pPr>
+                      <a:r>
+                        <a:rPr kumimoji="0" lang="en-US" sz="1800" b="0" i="0" u="none" strike="noStrike" cap="none" normalizeH="0" baseline="0" dirty="0" smtClean="0">
+                          <a:ln>
+                            <a:noFill/>
+                          </a:ln>
+                          <a:solidFill>
+                            <a:schemeClr val="tx1"/>
+                          </a:solidFill>
+                          <a:effectLst/>
+                          <a:latin typeface="Times New Roman" pitchFamily="18" charset="0"/>
+                          <a:cs typeface="Arial" charset="0"/>
+                        </a:rPr>
+                        <a:t>1110X</a:t>
+                      </a:r>
+                    </a:p>
+                  </a:txBody>
+                  <a:tcPr horzOverflow="overflow">
+                    <a:lnL w="12700" cap="flat" cmpd="sng" algn="ctr">
+                      <a:solidFill>
+                        <a:srgbClr val="000000"/>
+                      </a:solidFill>
+                      <a:prstDash val="solid"/>
+                      <a:round/>
+                      <a:headEnd type="none" w="med" len="med"/>
+                      <a:tailEnd type="none" w="med" len="med"/>
+                    </a:lnL>
+                    <a:lnR w="12700" cap="flat" cmpd="sng" algn="ctr">
+                      <a:solidFill>
+                        <a:srgbClr val="000000"/>
+                      </a:solidFill>
+                      <a:prstDash val="solid"/>
+                      <a:round/>
+                      <a:headEnd type="none" w="med" len="med"/>
+                      <a:tailEnd type="none" w="med" len="med"/>
+                    </a:lnR>
+                    <a:lnT w="12700" cap="flat" cmpd="sng" algn="ctr">
+                      <a:solidFill>
+                        <a:srgbClr val="000000"/>
+                      </a:solidFill>
+                      <a:prstDash val="solid"/>
+                      <a:round/>
+                      <a:headEnd type="none" w="med" len="med"/>
+                      <a:tailEnd type="none" w="med" len="med"/>
+                    </a:lnT>
+                    <a:lnB w="38100" cap="flat" cmpd="sng" algn="ctr">
+                      <a:solidFill>
+                        <a:schemeClr val="tx1"/>
+                      </a:solidFill>
+                      <a:prstDash val="solid"/>
+                      <a:round/>
+                      <a:headEnd type="none" w="med" len="med"/>
+                      <a:tailEnd type="none" w="med" len="med"/>
+                    </a:lnB>
+                    <a:lnTlToBr>
+                      <a:noFill/>
+                    </a:lnTlToBr>
+                    <a:lnBlToTr>
+                      <a:noFill/>
+                    </a:lnBlToTr>
+                    <a:noFill/>
+                  </a:tcPr>
+                </a:tc>
+                <a:tc>
+                  <a:txBody>
+                    <a:bodyPr/>
+                    <a:lstStyle/>
+                    <a:p>
+                      <a:pPr marL="342900" marR="0" lvl="0" indent="-342900" algn="ctr" defTabSz="914400" rtl="0" eaLnBrk="1" fontAlgn="base" latinLnBrk="0" hangingPunct="1">
+                        <a:lnSpc>
+                          <a:spcPct val="100000"/>
+                        </a:lnSpc>
+                        <a:spcBef>
+                          <a:spcPct val="0"/>
+                        </a:spcBef>
+                        <a:spcAft>
+                          <a:spcPct val="0"/>
+                        </a:spcAft>
+                        <a:buClrTx/>
+                        <a:buSzTx/>
+                        <a:buFontTx/>
+                        <a:buNone/>
+                        <a:tabLst/>
+                      </a:pPr>
+                      <a:r>
+                        <a:rPr kumimoji="0" lang="en-US" sz="1800" b="0" i="0" u="none" strike="noStrike" cap="none" normalizeH="0" baseline="0" dirty="0" smtClean="0">
+                          <a:ln>
+                            <a:noFill/>
+                          </a:ln>
+                          <a:solidFill>
+                            <a:schemeClr val="tx1"/>
+                          </a:solidFill>
+                          <a:effectLst/>
+                          <a:latin typeface="Times New Roman" pitchFamily="18" charset="0"/>
+                          <a:cs typeface="Arial" charset="0"/>
+                        </a:rPr>
+                        <a:t>1</a:t>
+                      </a:r>
+                    </a:p>
+                  </a:txBody>
+                  <a:tcPr horzOverflow="overflow">
+                    <a:lnL w="12700" cap="flat" cmpd="sng" algn="ctr">
+                      <a:solidFill>
+                        <a:srgbClr val="000000"/>
+                      </a:solidFill>
+                      <a:prstDash val="solid"/>
+                      <a:round/>
+                      <a:headEnd type="none" w="med" len="med"/>
+                      <a:tailEnd type="none" w="med" len="med"/>
+                    </a:lnL>
+                    <a:lnR w="12700" cap="flat" cmpd="sng" algn="ctr">
+                      <a:solidFill>
+                        <a:srgbClr val="000000"/>
+                      </a:solidFill>
+                      <a:prstDash val="solid"/>
+                      <a:round/>
+                      <a:headEnd type="none" w="med" len="med"/>
+                      <a:tailEnd type="none" w="med" len="med"/>
+                    </a:lnR>
+                    <a:lnT w="12700" cap="flat" cmpd="sng" algn="ctr">
+                      <a:solidFill>
+                        <a:srgbClr val="000000"/>
+                      </a:solidFill>
+                      <a:prstDash val="solid"/>
+                      <a:round/>
+                      <a:headEnd type="none" w="med" len="med"/>
+                      <a:tailEnd type="none" w="med" len="med"/>
+                    </a:lnT>
+                    <a:lnB w="38100" cap="flat" cmpd="sng" algn="ctr">
+                      <a:solidFill>
+                        <a:schemeClr val="tx1"/>
+                      </a:solidFill>
+                      <a:prstDash val="solid"/>
+                      <a:round/>
+                      <a:headEnd type="none" w="med" len="med"/>
+                      <a:tailEnd type="none" w="med" len="med"/>
+                    </a:lnB>
+                    <a:lnTlToBr>
+                      <a:noFill/>
+                    </a:lnTlToBr>
+                    <a:lnBlToTr>
+                      <a:noFill/>
+                    </a:lnBlToTr>
+                    <a:noFill/>
+                  </a:tcPr>
+                </a:tc>
+                <a:tc>
+                  <a:txBody>
+                    <a:bodyPr/>
+                    <a:lstStyle/>
+                    <a:p>
+                      <a:pPr marL="342900" marR="0" lvl="0" indent="-342900" algn="ctr" defTabSz="914400" rtl="0" eaLnBrk="1" fontAlgn="base" latinLnBrk="0" hangingPunct="1">
+                        <a:lnSpc>
+                          <a:spcPct val="100000"/>
+                        </a:lnSpc>
+                        <a:spcBef>
+                          <a:spcPct val="0"/>
+                        </a:spcBef>
+                        <a:spcAft>
+                          <a:spcPct val="0"/>
+                        </a:spcAft>
+                        <a:buClrTx/>
+                        <a:buSzTx/>
+                        <a:buFontTx/>
+                        <a:buNone/>
+                        <a:tabLst/>
+                      </a:pPr>
+                      <a:r>
+                        <a:rPr kumimoji="0" lang="en-US" sz="1800" b="0" i="0" u="none" strike="noStrike" cap="none" normalizeH="0" baseline="0" dirty="0" smtClean="0">
+                          <a:ln>
+                            <a:noFill/>
+                          </a:ln>
+                          <a:solidFill>
+                            <a:schemeClr val="tx1"/>
+                          </a:solidFill>
+                          <a:effectLst/>
+                          <a:latin typeface="Times New Roman" pitchFamily="18" charset="0"/>
+                          <a:cs typeface="Arial" charset="0"/>
+                        </a:rPr>
+                        <a:t>00</a:t>
+                      </a:r>
+                      <a:endParaRPr kumimoji="0" lang="en-US" sz="1800" b="0" i="0" u="none" strike="noStrike" cap="none" normalizeH="0" baseline="0" dirty="0" smtClean="0">
+                        <a:ln>
+                          <a:noFill/>
+                        </a:ln>
+                        <a:solidFill>
+                          <a:schemeClr val="tx1"/>
+                        </a:solidFill>
+                        <a:effectLst/>
+                        <a:latin typeface="Times New Roman" pitchFamily="18" charset="0"/>
+                        <a:cs typeface="Arial" charset="0"/>
+                      </a:endParaRPr>
+                    </a:p>
+                  </a:txBody>
+                  <a:tcPr horzOverflow="overflow">
+                    <a:lnL w="12700" cap="flat" cmpd="sng" algn="ctr">
+                      <a:solidFill>
+                        <a:srgbClr val="000000"/>
+                      </a:solidFill>
+                      <a:prstDash val="solid"/>
+                      <a:round/>
+                      <a:headEnd type="none" w="med" len="med"/>
+                      <a:tailEnd type="none" w="med" len="med"/>
+                    </a:lnL>
+                    <a:lnR w="12700" cap="flat" cmpd="sng" algn="ctr">
+                      <a:solidFill>
+                        <a:srgbClr val="000000"/>
+                      </a:solidFill>
+                      <a:prstDash val="solid"/>
+                      <a:round/>
+                      <a:headEnd type="none" w="med" len="med"/>
+                      <a:tailEnd type="none" w="med" len="med"/>
+                    </a:lnR>
+                    <a:lnT w="12700" cap="flat" cmpd="sng" algn="ctr">
+                      <a:solidFill>
+                        <a:srgbClr val="000000"/>
+                      </a:solidFill>
+                      <a:prstDash val="solid"/>
+                      <a:round/>
+                      <a:headEnd type="none" w="med" len="med"/>
+                      <a:tailEnd type="none" w="med" len="med"/>
+                    </a:lnT>
+                    <a:lnB w="38100" cap="flat" cmpd="sng" algn="ctr">
+                      <a:solidFill>
+                        <a:schemeClr val="tx1"/>
+                      </a:solidFill>
+                      <a:prstDash val="solid"/>
+                      <a:round/>
+                      <a:headEnd type="none" w="med" len="med"/>
+                      <a:tailEnd type="none" w="med" len="med"/>
+                    </a:lnB>
+                    <a:lnTlToBr>
+                      <a:noFill/>
+                    </a:lnTlToBr>
+                    <a:lnBlToTr>
+                      <a:noFill/>
+                    </a:lnBlToTr>
+                    <a:noFill/>
+                  </a:tcPr>
+                </a:tc>
+                <a:tc>
+                  <a:txBody>
+                    <a:bodyPr/>
+                    <a:lstStyle/>
+                    <a:p>
+                      <a:pPr marL="342900" marR="0" lvl="0" indent="-342900" algn="ctr" defTabSz="914400" rtl="0" eaLnBrk="1" fontAlgn="base" latinLnBrk="0" hangingPunct="1">
+                        <a:lnSpc>
+                          <a:spcPct val="100000"/>
+                        </a:lnSpc>
+                        <a:spcBef>
+                          <a:spcPct val="0"/>
+                        </a:spcBef>
+                        <a:spcAft>
+                          <a:spcPct val="0"/>
+                        </a:spcAft>
+                        <a:buClrTx/>
+                        <a:buSzTx/>
+                        <a:buFontTx/>
+                        <a:buNone/>
+                        <a:tabLst/>
+                      </a:pPr>
+                      <a:r>
+                        <a:rPr kumimoji="0" lang="en-US" sz="1800" b="0" i="0" u="none" strike="noStrike" cap="none" normalizeH="0" baseline="0" dirty="0" smtClean="0">
+                          <a:ln>
+                            <a:noFill/>
+                          </a:ln>
+                          <a:solidFill>
+                            <a:schemeClr val="tx1"/>
+                          </a:solidFill>
+                          <a:effectLst/>
+                          <a:latin typeface="Times New Roman" pitchFamily="18" charset="0"/>
+                          <a:cs typeface="Arial" charset="0"/>
+                        </a:rPr>
+                        <a:t>00</a:t>
                       </a:r>
                       <a:endParaRPr kumimoji="0" lang="en-US" sz="1800" b="0" i="0" u="none" strike="noStrike" cap="none" normalizeH="0" baseline="0" dirty="0" smtClean="0">
                         <a:ln>

--- a/docs/RISCME..pptx
+++ b/docs/RISCME..pptx
@@ -19331,17 +19331,6 @@
                         </a:rPr>
                         <a:t>11</a:t>
                       </a:r>
-                      <a:endParaRPr kumimoji="0" lang="en-US" sz="1800" b="0" i="0" u="none" strike="noStrike" cap="none" normalizeH="0" baseline="0" dirty="0" smtClean="0">
-                        <a:ln>
-                          <a:noFill/>
-                        </a:ln>
-                        <a:solidFill>
-                          <a:schemeClr val="tx1"/>
-                        </a:solidFill>
-                        <a:effectLst/>
-                        <a:latin typeface="Times New Roman" pitchFamily="18" charset="0"/>
-                        <a:cs typeface="Arial" charset="0"/>
-                      </a:endParaRPr>
                     </a:p>
                   </a:txBody>
                   <a:tcPr horzOverflow="overflow">
@@ -19425,17 +19414,6 @@
                         </a:rPr>
                         <a:t>0?</a:t>
                       </a:r>
-                      <a:endParaRPr kumimoji="0" lang="en-US" sz="1800" b="0" i="0" u="none" strike="noStrike" cap="none" normalizeH="0" baseline="0" dirty="0" smtClean="0">
-                        <a:ln>
-                          <a:noFill/>
-                        </a:ln>
-                        <a:solidFill>
-                          <a:schemeClr val="tx1"/>
-                        </a:solidFill>
-                        <a:effectLst/>
-                        <a:latin typeface="Times New Roman" pitchFamily="18" charset="0"/>
-                        <a:cs typeface="Arial" charset="0"/>
-                      </a:endParaRPr>
                     </a:p>
                   </a:txBody>
                   <a:tcPr horzOverflow="overflow">
@@ -19636,17 +19614,6 @@
                         </a:rPr>
                         <a:t>DPRCM</a:t>
                       </a:r>
-                      <a:endParaRPr kumimoji="0" lang="en-US" sz="1800" b="0" i="0" u="none" strike="noStrike" cap="none" normalizeH="0" baseline="0" dirty="0" smtClean="0">
-                        <a:ln>
-                          <a:noFill/>
-                        </a:ln>
-                        <a:solidFill>
-                          <a:schemeClr val="tx1"/>
-                        </a:solidFill>
-                        <a:effectLst/>
-                        <a:latin typeface="Times New Roman" pitchFamily="18" charset="0"/>
-                        <a:cs typeface="Arial" charset="0"/>
-                      </a:endParaRPr>
                     </a:p>
                   </a:txBody>
                   <a:tcPr horzOverflow="overflow">
@@ -20394,17 +20361,6 @@
                         </a:rPr>
                         <a:t>10</a:t>
                       </a:r>
-                      <a:endParaRPr kumimoji="0" lang="en-US" sz="1800" b="0" i="0" u="none" strike="noStrike" cap="none" normalizeH="0" baseline="0" dirty="0" smtClean="0">
-                        <a:ln>
-                          <a:noFill/>
-                        </a:ln>
-                        <a:solidFill>
-                          <a:schemeClr val="tx1"/>
-                        </a:solidFill>
-                        <a:effectLst/>
-                        <a:latin typeface="Times New Roman" pitchFamily="18" charset="0"/>
-                        <a:cs typeface="Arial" charset="0"/>
-                      </a:endParaRPr>
                     </a:p>
                   </a:txBody>
                   <a:tcPr horzOverflow="overflow">
@@ -20488,17 +20444,6 @@
                         </a:rPr>
                         <a:t>1?</a:t>
                       </a:r>
-                      <a:endParaRPr kumimoji="0" lang="en-US" sz="1800" b="0" i="0" u="none" strike="noStrike" cap="none" normalizeH="0" baseline="0" dirty="0" smtClean="0">
-                        <a:ln>
-                          <a:noFill/>
-                        </a:ln>
-                        <a:solidFill>
-                          <a:schemeClr val="tx1"/>
-                        </a:solidFill>
-                        <a:effectLst/>
-                        <a:latin typeface="Times New Roman" pitchFamily="18" charset="0"/>
-                        <a:cs typeface="Arial" charset="0"/>
-                      </a:endParaRPr>
                     </a:p>
                   </a:txBody>
                   <a:tcPr horzOverflow="overflow">
@@ -21471,17 +21416,6 @@
                         </a:rPr>
                         <a:t>11</a:t>
                       </a:r>
-                      <a:endParaRPr kumimoji="0" lang="en-US" sz="1800" b="0" i="0" u="none" strike="noStrike" cap="none" normalizeH="0" baseline="0" dirty="0" smtClean="0">
-                        <a:ln>
-                          <a:noFill/>
-                        </a:ln>
-                        <a:solidFill>
-                          <a:schemeClr val="tx1"/>
-                        </a:solidFill>
-                        <a:effectLst/>
-                        <a:latin typeface="Times New Roman" pitchFamily="18" charset="0"/>
-                        <a:cs typeface="Arial" charset="0"/>
-                      </a:endParaRPr>
                     </a:p>
                   </a:txBody>
                   <a:tcPr horzOverflow="overflow">
@@ -21565,17 +21499,6 @@
                         </a:rPr>
                         <a:t>0?</a:t>
                       </a:r>
-                      <a:endParaRPr kumimoji="0" lang="en-US" sz="1800" b="0" i="0" u="none" strike="noStrike" cap="none" normalizeH="0" baseline="0" dirty="0" smtClean="0">
-                        <a:ln>
-                          <a:noFill/>
-                        </a:ln>
-                        <a:solidFill>
-                          <a:schemeClr val="tx1"/>
-                        </a:solidFill>
-                        <a:effectLst/>
-                        <a:latin typeface="Times New Roman" pitchFamily="18" charset="0"/>
-                        <a:cs typeface="Arial" charset="0"/>
-                      </a:endParaRPr>
                     </a:p>
                   </a:txBody>
                   <a:tcPr horzOverflow="overflow">
@@ -22502,17 +22425,6 @@
                         </a:rPr>
                         <a:t>00</a:t>
                       </a:r>
-                      <a:endParaRPr kumimoji="0" lang="en-US" sz="1800" b="0" i="0" u="none" strike="noStrike" cap="none" normalizeH="0" baseline="0" dirty="0" smtClean="0">
-                        <a:ln>
-                          <a:noFill/>
-                        </a:ln>
-                        <a:solidFill>
-                          <a:schemeClr val="tx1"/>
-                        </a:solidFill>
-                        <a:effectLst/>
-                        <a:latin typeface="Times New Roman" pitchFamily="18" charset="0"/>
-                        <a:cs typeface="Arial" charset="0"/>
-                      </a:endParaRPr>
                     </a:p>
                   </a:txBody>
                   <a:tcPr horzOverflow="overflow">
@@ -22596,17 +22508,6 @@
                         </a:rPr>
                         <a:t>00</a:t>
                       </a:r>
-                      <a:endParaRPr kumimoji="0" lang="en-US" sz="1800" b="0" i="0" u="none" strike="noStrike" cap="none" normalizeH="0" baseline="0" dirty="0" smtClean="0">
-                        <a:ln>
-                          <a:noFill/>
-                        </a:ln>
-                        <a:solidFill>
-                          <a:schemeClr val="tx1"/>
-                        </a:solidFill>
-                        <a:effectLst/>
-                        <a:latin typeface="Times New Roman" pitchFamily="18" charset="0"/>
-                        <a:cs typeface="Arial" charset="0"/>
-                      </a:endParaRPr>
                     </a:p>
                   </a:txBody>
                   <a:tcPr horzOverflow="overflow">
@@ -23533,17 +23434,6 @@
                         </a:rPr>
                         <a:t>00</a:t>
                       </a:r>
-                      <a:endParaRPr kumimoji="0" lang="en-US" sz="1800" b="0" i="0" u="none" strike="noStrike" cap="none" normalizeH="0" baseline="0" dirty="0" smtClean="0">
-                        <a:ln>
-                          <a:noFill/>
-                        </a:ln>
-                        <a:solidFill>
-                          <a:schemeClr val="tx1"/>
-                        </a:solidFill>
-                        <a:effectLst/>
-                        <a:latin typeface="Times New Roman" pitchFamily="18" charset="0"/>
-                        <a:cs typeface="Arial" charset="0"/>
-                      </a:endParaRPr>
                     </a:p>
                   </a:txBody>
                   <a:tcPr horzOverflow="overflow">
@@ -23627,17 +23517,6 @@
                         </a:rPr>
                         <a:t>00</a:t>
                       </a:r>
-                      <a:endParaRPr kumimoji="0" lang="en-US" sz="1800" b="0" i="0" u="none" strike="noStrike" cap="none" normalizeH="0" baseline="0" dirty="0" smtClean="0">
-                        <a:ln>
-                          <a:noFill/>
-                        </a:ln>
-                        <a:solidFill>
-                          <a:schemeClr val="tx1"/>
-                        </a:solidFill>
-                        <a:effectLst/>
-                        <a:latin typeface="Times New Roman" pitchFamily="18" charset="0"/>
-                        <a:cs typeface="Arial" charset="0"/>
-                      </a:endParaRPr>
                     </a:p>
                   </a:txBody>
                   <a:tcPr horzOverflow="overflow">
@@ -23688,6 +23567,90 @@
                 </a:tc>
               </a:tr>
               <a:tr h="507026">
+                <a:tc>
+                  <a:txBody>
+                    <a:bodyPr/>
+                    <a:lstStyle/>
+                    <a:p>
+                      <a:pPr marL="342900" marR="0" lvl="0" indent="-342900" algn="ctr" defTabSz="914400" rtl="0" eaLnBrk="1" fontAlgn="base" latinLnBrk="0" hangingPunct="1">
+                        <a:lnSpc>
+                          <a:spcPct val="100000"/>
+                        </a:lnSpc>
+                        <a:spcBef>
+                          <a:spcPct val="0"/>
+                        </a:spcBef>
+                        <a:spcAft>
+                          <a:spcPct val="0"/>
+                        </a:spcAft>
+                        <a:buClrTx/>
+                        <a:buSzTx/>
+                        <a:buFontTx/>
+                        <a:buNone/>
+                        <a:tabLst/>
+                        <a:defRPr/>
+                      </a:pPr>
+                      <a:r>
+                        <a:rPr kumimoji="0" lang="en-US" sz="1800" b="0" i="0" u="none" strike="noStrike" cap="none" normalizeH="0" baseline="0" dirty="0" smtClean="0">
+                          <a:ln>
+                            <a:noFill/>
+                          </a:ln>
+                          <a:solidFill>
+                            <a:schemeClr val="tx1"/>
+                          </a:solidFill>
+                          <a:effectLst/>
+                          <a:latin typeface="Times New Roman" pitchFamily="18" charset="0"/>
+                          <a:cs typeface="Arial" charset="0"/>
+                        </a:rPr>
+                        <a:t>11100</a:t>
+                      </a:r>
+                    </a:p>
+                  </a:txBody>
+                  <a:tcPr horzOverflow="overflow">
+                    <a:lnL w="38100" cap="flat" cmpd="sng" algn="ctr">
+                      <a:solidFill>
+                        <a:schemeClr val="tx1"/>
+                      </a:solidFill>
+                      <a:prstDash val="solid"/>
+                      <a:round/>
+                      <a:headEnd type="none" w="med" len="med"/>
+                      <a:tailEnd type="none" w="med" len="med"/>
+                    </a:lnL>
+                    <a:lnR w="12700" cap="flat" cmpd="sng" algn="ctr">
+                      <a:solidFill>
+                        <a:srgbClr val="000000"/>
+                      </a:solidFill>
+                      <a:prstDash val="solid"/>
+                      <a:round/>
+                      <a:headEnd type="none" w="med" len="med"/>
+                      <a:tailEnd type="none" w="med" len="med"/>
+                    </a:lnR>
+                    <a:lnT w="12700" cap="flat" cmpd="sng" algn="ctr">
+                      <a:solidFill>
+                        <a:srgbClr val="000000"/>
+                      </a:solidFill>
+                      <a:prstDash val="solid"/>
+                      <a:round/>
+                      <a:headEnd type="none" w="med" len="med"/>
+                      <a:tailEnd type="none" w="med" len="med"/>
+                    </a:lnT>
+                    <a:lnB w="12700" cap="flat" cmpd="sng" algn="ctr">
+                      <a:solidFill>
+                        <a:srgbClr val="000000"/>
+                      </a:solidFill>
+                      <a:prstDash val="solid"/>
+                      <a:round/>
+                      <a:headEnd type="none" w="med" len="med"/>
+                      <a:tailEnd type="none" w="med" len="med"/>
+                    </a:lnB>
+                    <a:lnTlToBr>
+                      <a:noFill/>
+                    </a:lnTlToBr>
+                    <a:lnBlToTr>
+                      <a:noFill/>
+                    </a:lnBlToTr>
+                    <a:noFill/>
+                  </a:tcPr>
+                </a:tc>
                 <a:tc>
                   <a:txBody>
                     <a:bodyPr/>
@@ -23718,26 +23681,37 @@
                             <a:schemeClr val="tx1"/>
                           </a:solidFill>
                           <a:effectLst/>
-                          <a:latin typeface="Times New Roman" pitchFamily="18" charset="0"/>
-                          <a:cs typeface="Arial" charset="0"/>
+                          <a:latin typeface="Courier New" pitchFamily="49" charset="0"/>
+                          <a:cs typeface="Times New Roman" pitchFamily="18" charset="0"/>
                         </a:rPr>
-                        <a:t>1101</a:t>
-                      </a:r>
+                        <a:t>B</a:t>
+                      </a:r>
+                      <a:endParaRPr kumimoji="0" lang="en-US" sz="1800" b="0" i="0" u="none" strike="noStrike" cap="none" normalizeH="0" baseline="0" dirty="0" smtClean="0">
+                        <a:ln>
+                          <a:noFill/>
+                        </a:ln>
+                        <a:solidFill>
+                          <a:schemeClr val="tx1"/>
+                        </a:solidFill>
+                        <a:effectLst/>
+                        <a:latin typeface="Courier New" pitchFamily="49" charset="0"/>
+                        <a:cs typeface="Arial" charset="0"/>
+                      </a:endParaRPr>
                     </a:p>
                   </a:txBody>
                   <a:tcPr horzOverflow="overflow">
-                    <a:lnL w="38100" cap="flat" cmpd="sng" algn="ctr">
+                    <a:lnL w="12700" cap="flat" cmpd="sng" algn="ctr">
+                      <a:solidFill>
+                        <a:srgbClr val="000000"/>
+                      </a:solidFill>
+                      <a:prstDash val="solid"/>
+                      <a:round/>
+                      <a:headEnd type="none" w="med" len="med"/>
+                      <a:tailEnd type="none" w="med" len="med"/>
+                    </a:lnL>
+                    <a:lnR w="38100" cap="flat" cmpd="sng" algn="ctr">
                       <a:solidFill>
                         <a:schemeClr val="tx1"/>
-                      </a:solidFill>
-                      <a:prstDash val="solid"/>
-                      <a:round/>
-                      <a:headEnd type="none" w="med" len="med"/>
-                      <a:tailEnd type="none" w="med" len="med"/>
-                    </a:lnL>
-                    <a:lnR w="12700" cap="flat" cmpd="sng" algn="ctr">
-                      <a:solidFill>
-                        <a:srgbClr val="000000"/>
                       </a:solidFill>
                       <a:prstDash val="solid"/>
                       <a:round/>
@@ -23801,37 +23775,26 @@
                             <a:schemeClr val="tx1"/>
                           </a:solidFill>
                           <a:effectLst/>
-                          <a:latin typeface="Courier New" pitchFamily="49" charset="0"/>
-                          <a:cs typeface="Times New Roman" pitchFamily="18" charset="0"/>
+                          <a:latin typeface="Times New Roman" pitchFamily="18" charset="0"/>
+                          <a:cs typeface="Arial" charset="0"/>
                         </a:rPr>
-                        <a:t>B</a:t>
-                      </a:r>
-                      <a:endParaRPr kumimoji="0" lang="en-US" sz="1800" b="0" i="0" u="none" strike="noStrike" cap="none" normalizeH="0" baseline="0" dirty="0" smtClean="0">
-                        <a:ln>
-                          <a:noFill/>
-                        </a:ln>
-                        <a:solidFill>
-                          <a:schemeClr val="tx1"/>
-                        </a:solidFill>
-                        <a:effectLst/>
-                        <a:latin typeface="Courier New" pitchFamily="49" charset="0"/>
-                        <a:cs typeface="Arial" charset="0"/>
-                      </a:endParaRPr>
+                        <a:t>1</a:t>
+                      </a:r>
                     </a:p>
                   </a:txBody>
                   <a:tcPr horzOverflow="overflow">
-                    <a:lnL w="12700" cap="flat" cmpd="sng" algn="ctr">
-                      <a:solidFill>
-                        <a:srgbClr val="000000"/>
+                    <a:lnL w="38100" cap="flat" cmpd="sng" algn="ctr">
+                      <a:solidFill>
+                        <a:schemeClr val="tx1"/>
                       </a:solidFill>
                       <a:prstDash val="solid"/>
                       <a:round/>
                       <a:headEnd type="none" w="med" len="med"/>
                       <a:tailEnd type="none" w="med" len="med"/>
                     </a:lnL>
-                    <a:lnR w="38100" cap="flat" cmpd="sng" algn="ctr">
-                      <a:solidFill>
-                        <a:schemeClr val="tx1"/>
+                    <a:lnR w="12700" cap="flat" cmpd="sng" algn="ctr">
+                      <a:solidFill>
+                        <a:srgbClr val="000000"/>
                       </a:solidFill>
                       <a:prstDash val="solid"/>
                       <a:round/>
@@ -23898,14 +23861,14 @@
                           <a:latin typeface="Times New Roman" pitchFamily="18" charset="0"/>
                           <a:cs typeface="Arial" charset="0"/>
                         </a:rPr>
-                        <a:t>1</a:t>
+                        <a:t>0</a:t>
                       </a:r>
                     </a:p>
                   </a:txBody>
                   <a:tcPr horzOverflow="overflow">
-                    <a:lnL w="38100" cap="flat" cmpd="sng" algn="ctr">
-                      <a:solidFill>
-                        <a:schemeClr val="tx1"/>
+                    <a:lnL w="12700" cap="flat" cmpd="sng" algn="ctr">
+                      <a:solidFill>
+                        <a:srgbClr val="000000"/>
                       </a:solidFill>
                       <a:prstDash val="solid"/>
                       <a:round/>
@@ -24064,7 +24027,7 @@
                           <a:latin typeface="Times New Roman" pitchFamily="18" charset="0"/>
                           <a:cs typeface="Arial" charset="0"/>
                         </a:rPr>
-                        <a:t>0</a:t>
+                        <a:t>1</a:t>
                       </a:r>
                     </a:p>
                   </a:txBody>
@@ -24147,7 +24110,7 @@
                           <a:latin typeface="Times New Roman" pitchFamily="18" charset="0"/>
                           <a:cs typeface="Arial" charset="0"/>
                         </a:rPr>
-                        <a:t>1</a:t>
+                        <a:t>11</a:t>
                       </a:r>
                     </a:p>
                   </a:txBody>
@@ -24230,7 +24193,7 @@
                           <a:latin typeface="Times New Roman" pitchFamily="18" charset="0"/>
                           <a:cs typeface="Arial" charset="0"/>
                         </a:rPr>
-                        <a:t>11</a:t>
+                        <a:t>0</a:t>
                       </a:r>
                     </a:p>
                   </a:txBody>
@@ -24313,7 +24276,7 @@
                           <a:latin typeface="Times New Roman" pitchFamily="18" charset="0"/>
                           <a:cs typeface="Arial" charset="0"/>
                         </a:rPr>
-                        <a:t>0</a:t>
+                        <a:t>110XX</a:t>
                       </a:r>
                     </a:p>
                   </a:txBody>
@@ -24396,7 +24359,7 @@
                           <a:latin typeface="Times New Roman" pitchFamily="18" charset="0"/>
                           <a:cs typeface="Arial" charset="0"/>
                         </a:rPr>
-                        <a:t>110XX</a:t>
+                        <a:t>0</a:t>
                       </a:r>
                     </a:p>
                   </a:txBody>
@@ -24479,7 +24442,7 @@
                           <a:latin typeface="Times New Roman" pitchFamily="18" charset="0"/>
                           <a:cs typeface="Arial" charset="0"/>
                         </a:rPr>
-                        <a:t>0</a:t>
+                        <a:t>00</a:t>
                       </a:r>
                     </a:p>
                   </a:txBody>
@@ -24564,17 +24527,6 @@
                         </a:rPr>
                         <a:t>00</a:t>
                       </a:r>
-                      <a:endParaRPr kumimoji="0" lang="en-US" sz="1800" b="0" i="0" u="none" strike="noStrike" cap="none" normalizeH="0" baseline="0" dirty="0" smtClean="0">
-                        <a:ln>
-                          <a:noFill/>
-                        </a:ln>
-                        <a:solidFill>
-                          <a:schemeClr val="tx1"/>
-                        </a:solidFill>
-                        <a:effectLst/>
-                        <a:latin typeface="Times New Roman" pitchFamily="18" charset="0"/>
-                        <a:cs typeface="Arial" charset="0"/>
-                      </a:endParaRPr>
                     </a:p>
                   </a:txBody>
                   <a:tcPr horzOverflow="overflow">
@@ -24587,9 +24539,9 @@
                       <a:headEnd type="none" w="med" len="med"/>
                       <a:tailEnd type="none" w="med" len="med"/>
                     </a:lnL>
-                    <a:lnR w="12700" cap="flat" cmpd="sng" algn="ctr">
-                      <a:solidFill>
-                        <a:srgbClr val="000000"/>
+                    <a:lnR w="38100" cap="flat" cmpd="sng" algn="ctr">
+                      <a:solidFill>
+                        <a:schemeClr val="tx1"/>
                       </a:solidFill>
                       <a:prstDash val="solid"/>
                       <a:round/>
@@ -24623,10 +24575,45 @@
                     <a:noFill/>
                   </a:tcPr>
                 </a:tc>
+              </a:tr>
+              <a:tr h="507026">
                 <a:tc>
                   <a:txBody>
                     <a:bodyPr/>
                     <a:lstStyle/>
+                    <a:p>
+                      <a:pPr marL="342900" marR="0" lvl="0" indent="-342900" algn="ctr" defTabSz="914400" rtl="0" eaLnBrk="1" fontAlgn="base" latinLnBrk="0" hangingPunct="1">
+                        <a:lnSpc>
+                          <a:spcPct val="100000"/>
+                        </a:lnSpc>
+                        <a:spcBef>
+                          <a:spcPct val="0"/>
+                        </a:spcBef>
+                        <a:spcAft>
+                          <a:spcPct val="0"/>
+                        </a:spcAft>
+                        <a:buClrTx/>
+                        <a:buSzTx/>
+                        <a:buFontTx/>
+                        <a:buNone/>
+                        <a:tabLst/>
+                        <a:defRPr/>
+                      </a:pPr>
+                      <a:r>
+                        <a:rPr kumimoji="0" lang="en-US" sz="1800" b="0" i="0" u="none" strike="noStrike" cap="none" normalizeH="0" baseline="0" dirty="0" smtClean="0">
+                          <a:ln>
+                            <a:noFill/>
+                          </a:ln>
+                          <a:solidFill>
+                            <a:schemeClr val="tx1"/>
+                          </a:solidFill>
+                          <a:effectLst/>
+                          <a:latin typeface="Times New Roman" pitchFamily="18" charset="0"/>
+                          <a:cs typeface="Arial" charset="0"/>
+                        </a:rPr>
+                        <a:t>1101</a:t>
+                      </a:r>
+                    </a:p>
                     <a:p>
                       <a:pPr marL="342900" marR="0" lvl="0" indent="-342900" algn="ctr" defTabSz="914400" rtl="0" eaLnBrk="1" fontAlgn="base" latinLnBrk="0" hangingPunct="1">
                         <a:lnSpc>
@@ -24644,20 +24631,6 @@
                         <a:buNone/>
                         <a:tabLst/>
                       </a:pPr>
-                      <a:r>
-                        <a:rPr kumimoji="0" lang="en-US" sz="1800" b="0" i="0" u="none" strike="noStrike" cap="none" normalizeH="0" baseline="0" dirty="0" smtClean="0">
-                          <a:ln>
-                            <a:noFill/>
-                          </a:ln>
-                          <a:solidFill>
-                            <a:schemeClr val="tx1"/>
-                          </a:solidFill>
-                          <a:effectLst/>
-                          <a:latin typeface="Times New Roman" pitchFamily="18" charset="0"/>
-                          <a:cs typeface="Arial" charset="0"/>
-                        </a:rPr>
-                        <a:t>00</a:t>
-                      </a:r>
                       <a:endParaRPr kumimoji="0" lang="en-US" sz="1800" b="0" i="0" u="none" strike="noStrike" cap="none" normalizeH="0" baseline="0" dirty="0" smtClean="0">
                         <a:ln>
                           <a:noFill/>
@@ -24672,18 +24645,18 @@
                     </a:p>
                   </a:txBody>
                   <a:tcPr horzOverflow="overflow">
-                    <a:lnL w="12700" cap="flat" cmpd="sng" algn="ctr">
-                      <a:solidFill>
-                        <a:srgbClr val="000000"/>
+                    <a:lnL w="38100" cap="flat" cmpd="sng" algn="ctr">
+                      <a:solidFill>
+                        <a:schemeClr val="tx1"/>
                       </a:solidFill>
                       <a:prstDash val="solid"/>
                       <a:round/>
                       <a:headEnd type="none" w="med" len="med"/>
                       <a:tailEnd type="none" w="med" len="med"/>
                     </a:lnL>
-                    <a:lnR w="38100" cap="flat" cmpd="sng" algn="ctr">
-                      <a:solidFill>
-                        <a:schemeClr val="tx1"/>
+                    <a:lnR w="12700" cap="flat" cmpd="sng" algn="ctr">
+                      <a:solidFill>
+                        <a:srgbClr val="000000"/>
                       </a:solidFill>
                       <a:prstDash val="solid"/>
                       <a:round/>
@@ -24717,8 +24690,6 @@
                     <a:noFill/>
                   </a:tcPr>
                 </a:tc>
-              </a:tr>
-              <a:tr h="507026">
                 <a:tc>
                   <a:txBody>
                     <a:bodyPr/>
@@ -24749,26 +24720,51 @@
                             <a:schemeClr val="tx1"/>
                           </a:solidFill>
                           <a:effectLst/>
-                          <a:latin typeface="Times New Roman" pitchFamily="18" charset="0"/>
-                          <a:cs typeface="Arial" charset="0"/>
+                          <a:latin typeface="Courier New" pitchFamily="49" charset="0"/>
+                          <a:cs typeface="Times New Roman" pitchFamily="18" charset="0"/>
                         </a:rPr>
-                        <a:t>11100</a:t>
-                      </a:r>
+                        <a:t>B </a:t>
+                      </a:r>
+                      <a:r>
+                        <a:rPr kumimoji="0" lang="en-US" sz="1800" b="0" i="0" u="none" strike="noStrike" cap="none" normalizeH="0" baseline="0" dirty="0" err="1" smtClean="0">
+                          <a:ln>
+                            <a:noFill/>
+                          </a:ln>
+                          <a:solidFill>
+                            <a:schemeClr val="tx1"/>
+                          </a:solidFill>
+                          <a:effectLst/>
+                          <a:latin typeface="Courier New" pitchFamily="49" charset="0"/>
+                          <a:cs typeface="Times New Roman" pitchFamily="18" charset="0"/>
+                        </a:rPr>
+                        <a:t>cond</a:t>
+                      </a:r>
+                      <a:endParaRPr kumimoji="0" lang="en-US" sz="1800" b="0" i="0" u="none" strike="noStrike" cap="none" normalizeH="0" baseline="0" dirty="0" smtClean="0">
+                        <a:ln>
+                          <a:noFill/>
+                        </a:ln>
+                        <a:solidFill>
+                          <a:schemeClr val="tx1"/>
+                        </a:solidFill>
+                        <a:effectLst/>
+                        <a:latin typeface="Courier New" pitchFamily="49" charset="0"/>
+                        <a:cs typeface="Arial" charset="0"/>
+                      </a:endParaRPr>
                     </a:p>
                   </a:txBody>
                   <a:tcPr horzOverflow="overflow">
-                    <a:lnL w="38100" cap="flat" cmpd="sng" algn="ctr">
+                    <a:lnL w="12700" cap="flat" cmpd="sng" algn="ctr">
+                      <a:solidFill>
+                        <a:srgbClr val="000000"/>
+                      </a:solidFill>
+                      <a:prstDash val="solid"/>
+                      <a:round/>
+                      <a:headEnd type="none" w="med" len="med"/>
+                      <a:tailEnd type="none" w="med" len="med"/>
+                    </a:lnL>
+                    <a:lnR w="38100" cap="flat" cmpd="sng" algn="ctr">
                       <a:solidFill>
                         <a:schemeClr val="tx1"/>
-                      </a:solidFill>
-                      <a:prstDash val="solid"/>
-                      <a:round/>
-                      <a:headEnd type="none" w="med" len="med"/>
-                      <a:tailEnd type="none" w="med" len="med"/>
-                    </a:lnL>
-                    <a:lnR w="12700" cap="flat" cmpd="sng" algn="ctr">
-                      <a:solidFill>
-                        <a:srgbClr val="000000"/>
                       </a:solidFill>
                       <a:prstDash val="solid"/>
                       <a:round/>
@@ -24832,51 +24828,26 @@
                             <a:schemeClr val="tx1"/>
                           </a:solidFill>
                           <a:effectLst/>
-                          <a:latin typeface="Courier New" pitchFamily="49" charset="0"/>
-                          <a:cs typeface="Times New Roman" pitchFamily="18" charset="0"/>
+                          <a:latin typeface="Times New Roman" pitchFamily="18" charset="0"/>
+                          <a:cs typeface="Arial" charset="0"/>
                         </a:rPr>
-                        <a:t>B </a:t>
-                      </a:r>
-                      <a:r>
-                        <a:rPr kumimoji="0" lang="en-US" sz="1800" b="0" i="0" u="none" strike="noStrike" cap="none" normalizeH="0" baseline="0" dirty="0" err="1" smtClean="0">
-                          <a:ln>
-                            <a:noFill/>
-                          </a:ln>
-                          <a:solidFill>
-                            <a:schemeClr val="tx1"/>
-                          </a:solidFill>
-                          <a:effectLst/>
-                          <a:latin typeface="Courier New" pitchFamily="49" charset="0"/>
-                          <a:cs typeface="Times New Roman" pitchFamily="18" charset="0"/>
-                        </a:rPr>
-                        <a:t>cond</a:t>
-                      </a:r>
-                      <a:endParaRPr kumimoji="0" lang="en-US" sz="1800" b="0" i="0" u="none" strike="noStrike" cap="none" normalizeH="0" baseline="0" dirty="0" smtClean="0">
-                        <a:ln>
-                          <a:noFill/>
-                        </a:ln>
-                        <a:solidFill>
-                          <a:schemeClr val="tx1"/>
-                        </a:solidFill>
-                        <a:effectLst/>
-                        <a:latin typeface="Courier New" pitchFamily="49" charset="0"/>
-                        <a:cs typeface="Arial" charset="0"/>
-                      </a:endParaRPr>
+                        <a:t>1</a:t>
+                      </a:r>
                     </a:p>
                   </a:txBody>
                   <a:tcPr horzOverflow="overflow">
-                    <a:lnL w="12700" cap="flat" cmpd="sng" algn="ctr">
-                      <a:solidFill>
-                        <a:srgbClr val="000000"/>
+                    <a:lnL w="38100" cap="flat" cmpd="sng" algn="ctr">
+                      <a:solidFill>
+                        <a:schemeClr val="tx1"/>
                       </a:solidFill>
                       <a:prstDash val="solid"/>
                       <a:round/>
                       <a:headEnd type="none" w="med" len="med"/>
                       <a:tailEnd type="none" w="med" len="med"/>
                     </a:lnL>
-                    <a:lnR w="38100" cap="flat" cmpd="sng" algn="ctr">
-                      <a:solidFill>
-                        <a:schemeClr val="tx1"/>
+                    <a:lnR w="12700" cap="flat" cmpd="sng" algn="ctr">
+                      <a:solidFill>
+                        <a:srgbClr val="000000"/>
                       </a:solidFill>
                       <a:prstDash val="solid"/>
                       <a:round/>
@@ -24943,14 +24914,14 @@
                           <a:latin typeface="Times New Roman" pitchFamily="18" charset="0"/>
                           <a:cs typeface="Arial" charset="0"/>
                         </a:rPr>
-                        <a:t>1</a:t>
+                        <a:t>0</a:t>
                       </a:r>
                     </a:p>
                   </a:txBody>
                   <a:tcPr horzOverflow="overflow">
-                    <a:lnL w="38100" cap="flat" cmpd="sng" algn="ctr">
-                      <a:solidFill>
-                        <a:schemeClr val="tx1"/>
+                    <a:lnL w="12700" cap="flat" cmpd="sng" algn="ctr">
+                      <a:solidFill>
+                        <a:srgbClr val="000000"/>
                       </a:solidFill>
                       <a:prstDash val="solid"/>
                       <a:round/>
@@ -25109,7 +25080,7 @@
                           <a:latin typeface="Times New Roman" pitchFamily="18" charset="0"/>
                           <a:cs typeface="Arial" charset="0"/>
                         </a:rPr>
-                        <a:t>0</a:t>
+                        <a:t>1</a:t>
                       </a:r>
                     </a:p>
                   </a:txBody>
@@ -25192,7 +25163,7 @@
                           <a:latin typeface="Times New Roman" pitchFamily="18" charset="0"/>
                           <a:cs typeface="Arial" charset="0"/>
                         </a:rPr>
-                        <a:t>1</a:t>
+                        <a:t>10</a:t>
                       </a:r>
                     </a:p>
                   </a:txBody>
@@ -25275,7 +25246,7 @@
                           <a:latin typeface="Times New Roman" pitchFamily="18" charset="0"/>
                           <a:cs typeface="Arial" charset="0"/>
                         </a:rPr>
-                        <a:t>10</a:t>
+                        <a:t>0</a:t>
                       </a:r>
                     </a:p>
                   </a:txBody>
@@ -25358,7 +25329,7 @@
                           <a:latin typeface="Times New Roman" pitchFamily="18" charset="0"/>
                           <a:cs typeface="Arial" charset="0"/>
                         </a:rPr>
-                        <a:t>0</a:t>
+                        <a:t>110XX</a:t>
                       </a:r>
                     </a:p>
                   </a:txBody>
@@ -25441,7 +25412,7 @@
                           <a:latin typeface="Times New Roman" pitchFamily="18" charset="0"/>
                           <a:cs typeface="Arial" charset="0"/>
                         </a:rPr>
-                        <a:t>110XX</a:t>
+                        <a:t>0</a:t>
                       </a:r>
                     </a:p>
                   </a:txBody>
@@ -25524,7 +25495,7 @@
                           <a:latin typeface="Times New Roman" pitchFamily="18" charset="0"/>
                           <a:cs typeface="Arial" charset="0"/>
                         </a:rPr>
-                        <a:t>0</a:t>
+                        <a:t>00</a:t>
                       </a:r>
                     </a:p>
                   </a:txBody>
@@ -25609,17 +25580,6 @@
                         </a:rPr>
                         <a:t>00</a:t>
                       </a:r>
-                      <a:endParaRPr kumimoji="0" lang="en-US" sz="1800" b="0" i="0" u="none" strike="noStrike" cap="none" normalizeH="0" baseline="0" dirty="0" smtClean="0">
-                        <a:ln>
-                          <a:noFill/>
-                        </a:ln>
-                        <a:solidFill>
-                          <a:schemeClr val="tx1"/>
-                        </a:solidFill>
-                        <a:effectLst/>
-                        <a:latin typeface="Times New Roman" pitchFamily="18" charset="0"/>
-                        <a:cs typeface="Arial" charset="0"/>
-                      </a:endParaRPr>
                     </a:p>
                   </a:txBody>
                   <a:tcPr horzOverflow="overflow">
@@ -25632,9 +25592,9 @@
                       <a:headEnd type="none" w="med" len="med"/>
                       <a:tailEnd type="none" w="med" len="med"/>
                     </a:lnL>
-                    <a:lnR w="12700" cap="flat" cmpd="sng" algn="ctr">
-                      <a:solidFill>
-                        <a:srgbClr val="000000"/>
+                    <a:lnR w="38100" cap="flat" cmpd="sng" algn="ctr">
+                      <a:solidFill>
+                        <a:schemeClr val="tx1"/>
                       </a:solidFill>
                       <a:prstDash val="solid"/>
                       <a:round/>
@@ -25668,6 +25628,8 @@
                     <a:noFill/>
                   </a:tcPr>
                 </a:tc>
+              </a:tr>
+              <a:tr h="507026">
                 <a:tc>
                   <a:txBody>
                     <a:bodyPr/>
@@ -25701,34 +25663,23 @@
                           <a:latin typeface="Times New Roman" pitchFamily="18" charset="0"/>
                           <a:cs typeface="Arial" charset="0"/>
                         </a:rPr>
-                        <a:t>00</a:t>
-                      </a:r>
-                      <a:endParaRPr kumimoji="0" lang="en-US" sz="1800" b="0" i="0" u="none" strike="noStrike" cap="none" normalizeH="0" baseline="0" dirty="0" smtClean="0">
-                        <a:ln>
-                          <a:noFill/>
-                        </a:ln>
-                        <a:solidFill>
-                          <a:schemeClr val="tx1"/>
-                        </a:solidFill>
-                        <a:effectLst/>
-                        <a:latin typeface="Times New Roman" pitchFamily="18" charset="0"/>
-                        <a:cs typeface="Arial" charset="0"/>
-                      </a:endParaRPr>
+                        <a:t>010001110</a:t>
+                      </a:r>
                     </a:p>
                   </a:txBody>
                   <a:tcPr horzOverflow="overflow">
-                    <a:lnL w="12700" cap="flat" cmpd="sng" algn="ctr">
-                      <a:solidFill>
-                        <a:srgbClr val="000000"/>
+                    <a:lnL w="38100" cap="flat" cmpd="sng" algn="ctr">
+                      <a:solidFill>
+                        <a:schemeClr val="tx1"/>
                       </a:solidFill>
                       <a:prstDash val="solid"/>
                       <a:round/>
                       <a:headEnd type="none" w="med" len="med"/>
                       <a:tailEnd type="none" w="med" len="med"/>
                     </a:lnL>
-                    <a:lnR w="38100" cap="flat" cmpd="sng" algn="ctr">
-                      <a:solidFill>
-                        <a:schemeClr val="tx1"/>
+                    <a:lnR w="12700" cap="flat" cmpd="sng" algn="ctr">
+                      <a:solidFill>
+                        <a:srgbClr val="000000"/>
                       </a:solidFill>
                       <a:prstDash val="solid"/>
                       <a:round/>
@@ -25762,8 +25713,6 @@
                     <a:noFill/>
                   </a:tcPr>
                 </a:tc>
-              </a:tr>
-              <a:tr h="507026">
                 <a:tc>
                   <a:txBody>
                     <a:bodyPr/>
@@ -25794,26 +25743,26 @@
                             <a:schemeClr val="tx1"/>
                           </a:solidFill>
                           <a:effectLst/>
-                          <a:latin typeface="Times New Roman" pitchFamily="18" charset="0"/>
+                          <a:latin typeface="Courier New" pitchFamily="49" charset="0"/>
                           <a:cs typeface="Arial" charset="0"/>
                         </a:rPr>
-                        <a:t>010001110</a:t>
+                        <a:t>BX</a:t>
                       </a:r>
                     </a:p>
                   </a:txBody>
                   <a:tcPr horzOverflow="overflow">
-                    <a:lnL w="38100" cap="flat" cmpd="sng" algn="ctr">
+                    <a:lnL w="12700" cap="flat" cmpd="sng" algn="ctr">
+                      <a:solidFill>
+                        <a:srgbClr val="000000"/>
+                      </a:solidFill>
+                      <a:prstDash val="solid"/>
+                      <a:round/>
+                      <a:headEnd type="none" w="med" len="med"/>
+                      <a:tailEnd type="none" w="med" len="med"/>
+                    </a:lnL>
+                    <a:lnR w="38100" cap="flat" cmpd="sng" algn="ctr">
                       <a:solidFill>
                         <a:schemeClr val="tx1"/>
-                      </a:solidFill>
-                      <a:prstDash val="solid"/>
-                      <a:round/>
-                      <a:headEnd type="none" w="med" len="med"/>
-                      <a:tailEnd type="none" w="med" len="med"/>
-                    </a:lnL>
-                    <a:lnR w="12700" cap="flat" cmpd="sng" algn="ctr">
-                      <a:solidFill>
-                        <a:srgbClr val="000000"/>
                       </a:solidFill>
                       <a:prstDash val="solid"/>
                       <a:round/>
@@ -25877,26 +25826,26 @@
                             <a:schemeClr val="tx1"/>
                           </a:solidFill>
                           <a:effectLst/>
-                          <a:latin typeface="Courier New" pitchFamily="49" charset="0"/>
+                          <a:latin typeface="Times New Roman" pitchFamily="18" charset="0"/>
                           <a:cs typeface="Arial" charset="0"/>
                         </a:rPr>
-                        <a:t>BX</a:t>
+                        <a:t>1</a:t>
                       </a:r>
                     </a:p>
                   </a:txBody>
                   <a:tcPr horzOverflow="overflow">
-                    <a:lnL w="12700" cap="flat" cmpd="sng" algn="ctr">
-                      <a:solidFill>
-                        <a:srgbClr val="000000"/>
+                    <a:lnL w="38100" cap="flat" cmpd="sng" algn="ctr">
+                      <a:solidFill>
+                        <a:schemeClr val="tx1"/>
                       </a:solidFill>
                       <a:prstDash val="solid"/>
                       <a:round/>
                       <a:headEnd type="none" w="med" len="med"/>
                       <a:tailEnd type="none" w="med" len="med"/>
                     </a:lnL>
-                    <a:lnR w="38100" cap="flat" cmpd="sng" algn="ctr">
-                      <a:solidFill>
-                        <a:schemeClr val="tx1"/>
+                    <a:lnR w="12700" cap="flat" cmpd="sng" algn="ctr">
+                      <a:solidFill>
+                        <a:srgbClr val="000000"/>
                       </a:solidFill>
                       <a:prstDash val="solid"/>
                       <a:round/>
@@ -25963,14 +25912,14 @@
                           <a:latin typeface="Times New Roman" pitchFamily="18" charset="0"/>
                           <a:cs typeface="Arial" charset="0"/>
                         </a:rPr>
-                        <a:t>1</a:t>
+                        <a:t>0</a:t>
                       </a:r>
                     </a:p>
                   </a:txBody>
                   <a:tcPr horzOverflow="overflow">
-                    <a:lnL w="38100" cap="flat" cmpd="sng" algn="ctr">
-                      <a:solidFill>
-                        <a:schemeClr val="tx1"/>
+                    <a:lnL w="12700" cap="flat" cmpd="sng" algn="ctr">
+                      <a:solidFill>
+                        <a:srgbClr val="000000"/>
                       </a:solidFill>
                       <a:prstDash val="solid"/>
                       <a:round/>
@@ -26212,7 +26161,7 @@
                           <a:latin typeface="Times New Roman" pitchFamily="18" charset="0"/>
                           <a:cs typeface="Arial" charset="0"/>
                         </a:rPr>
-                        <a:t>0</a:t>
+                        <a:t>XX</a:t>
                       </a:r>
                     </a:p>
                   </a:txBody>
@@ -26295,7 +26244,7 @@
                           <a:latin typeface="Times New Roman" pitchFamily="18" charset="0"/>
                           <a:cs typeface="Arial" charset="0"/>
                         </a:rPr>
-                        <a:t>XX</a:t>
+                        <a:t>0</a:t>
                       </a:r>
                     </a:p>
                   </a:txBody>
@@ -26378,7 +26327,7 @@
                           <a:latin typeface="Times New Roman" pitchFamily="18" charset="0"/>
                           <a:cs typeface="Arial" charset="0"/>
                         </a:rPr>
-                        <a:t>0</a:t>
+                        <a:t>1110X</a:t>
                       </a:r>
                     </a:p>
                   </a:txBody>
@@ -26461,7 +26410,7 @@
                           <a:latin typeface="Times New Roman" pitchFamily="18" charset="0"/>
                           <a:cs typeface="Arial" charset="0"/>
                         </a:rPr>
-                        <a:t>1110X</a:t>
+                        <a:t>0</a:t>
                       </a:r>
                     </a:p>
                   </a:txBody>
@@ -26544,7 +26493,7 @@
                           <a:latin typeface="Times New Roman" pitchFamily="18" charset="0"/>
                           <a:cs typeface="Arial" charset="0"/>
                         </a:rPr>
-                        <a:t>0</a:t>
+                        <a:t>00</a:t>
                       </a:r>
                     </a:p>
                   </a:txBody>
@@ -26629,17 +26578,6 @@
                         </a:rPr>
                         <a:t>00</a:t>
                       </a:r>
-                      <a:endParaRPr kumimoji="0" lang="en-US" sz="1800" b="0" i="0" u="none" strike="noStrike" cap="none" normalizeH="0" baseline="0" dirty="0" smtClean="0">
-                        <a:ln>
-                          <a:noFill/>
-                        </a:ln>
-                        <a:solidFill>
-                          <a:schemeClr val="tx1"/>
-                        </a:solidFill>
-                        <a:effectLst/>
-                        <a:latin typeface="Times New Roman" pitchFamily="18" charset="0"/>
-                        <a:cs typeface="Arial" charset="0"/>
-                      </a:endParaRPr>
                     </a:p>
                   </a:txBody>
                   <a:tcPr horzOverflow="overflow">
@@ -26652,9 +26590,9 @@
                       <a:headEnd type="none" w="med" len="med"/>
                       <a:tailEnd type="none" w="med" len="med"/>
                     </a:lnL>
-                    <a:lnR w="12700" cap="flat" cmpd="sng" algn="ctr">
-                      <a:solidFill>
-                        <a:srgbClr val="000000"/>
+                    <a:lnR w="38100" cap="flat" cmpd="sng" algn="ctr">
+                      <a:solidFill>
+                        <a:schemeClr val="tx1"/>
                       </a:solidFill>
                       <a:prstDash val="solid"/>
                       <a:round/>
@@ -26688,6 +26626,8 @@
                     <a:noFill/>
                   </a:tcPr>
                 </a:tc>
+              </a:tr>
+              <a:tr h="507026">
                 <a:tc>
                   <a:txBody>
                     <a:bodyPr/>
@@ -26721,34 +26661,23 @@
                           <a:latin typeface="Times New Roman" pitchFamily="18" charset="0"/>
                           <a:cs typeface="Arial" charset="0"/>
                         </a:rPr>
-                        <a:t>00</a:t>
-                      </a:r>
-                      <a:endParaRPr kumimoji="0" lang="en-US" sz="1800" b="0" i="0" u="none" strike="noStrike" cap="none" normalizeH="0" baseline="0" dirty="0" smtClean="0">
-                        <a:ln>
-                          <a:noFill/>
-                        </a:ln>
-                        <a:solidFill>
-                          <a:schemeClr val="tx1"/>
-                        </a:solidFill>
-                        <a:effectLst/>
-                        <a:latin typeface="Times New Roman" pitchFamily="18" charset="0"/>
-                        <a:cs typeface="Arial" charset="0"/>
-                      </a:endParaRPr>
+                        <a:t>010001111</a:t>
+                      </a:r>
                     </a:p>
                   </a:txBody>
                   <a:tcPr horzOverflow="overflow">
-                    <a:lnL w="12700" cap="flat" cmpd="sng" algn="ctr">
-                      <a:solidFill>
-                        <a:srgbClr val="000000"/>
+                    <a:lnL w="38100" cap="flat" cmpd="sng" algn="ctr">
+                      <a:solidFill>
+                        <a:schemeClr val="tx1"/>
                       </a:solidFill>
                       <a:prstDash val="solid"/>
                       <a:round/>
                       <a:headEnd type="none" w="med" len="med"/>
                       <a:tailEnd type="none" w="med" len="med"/>
                     </a:lnL>
-                    <a:lnR w="38100" cap="flat" cmpd="sng" algn="ctr">
-                      <a:solidFill>
-                        <a:schemeClr val="tx1"/>
+                    <a:lnR w="12700" cap="flat" cmpd="sng" algn="ctr">
+                      <a:solidFill>
+                        <a:srgbClr val="000000"/>
                       </a:solidFill>
                       <a:prstDash val="solid"/>
                       <a:round/>
@@ -26764,9 +26693,9 @@
                       <a:headEnd type="none" w="med" len="med"/>
                       <a:tailEnd type="none" w="med" len="med"/>
                     </a:lnT>
-                    <a:lnB w="12700" cap="flat" cmpd="sng" algn="ctr">
-                      <a:solidFill>
-                        <a:srgbClr val="000000"/>
+                    <a:lnB w="38100" cap="flat" cmpd="sng" algn="ctr">
+                      <a:solidFill>
+                        <a:schemeClr val="tx1"/>
                       </a:solidFill>
                       <a:prstDash val="solid"/>
                       <a:round/>
@@ -26782,8 +26711,6 @@
                     <a:noFill/>
                   </a:tcPr>
                 </a:tc>
-              </a:tr>
-              <a:tr h="507026">
                 <a:tc>
                   <a:txBody>
                     <a:bodyPr/>
@@ -26814,26 +26741,26 @@
                             <a:schemeClr val="tx1"/>
                           </a:solidFill>
                           <a:effectLst/>
-                          <a:latin typeface="Times New Roman" pitchFamily="18" charset="0"/>
+                          <a:latin typeface="Courier New" pitchFamily="49" charset="0"/>
                           <a:cs typeface="Arial" charset="0"/>
                         </a:rPr>
-                        <a:t>010001111</a:t>
+                        <a:t>BLX</a:t>
                       </a:r>
                     </a:p>
                   </a:txBody>
                   <a:tcPr horzOverflow="overflow">
-                    <a:lnL w="38100" cap="flat" cmpd="sng" algn="ctr">
+                    <a:lnL w="12700" cap="flat" cmpd="sng" algn="ctr">
+                      <a:solidFill>
+                        <a:srgbClr val="000000"/>
+                      </a:solidFill>
+                      <a:prstDash val="solid"/>
+                      <a:round/>
+                      <a:headEnd type="none" w="med" len="med"/>
+                      <a:tailEnd type="none" w="med" len="med"/>
+                    </a:lnL>
+                    <a:lnR w="38100" cap="flat" cmpd="sng" algn="ctr">
                       <a:solidFill>
                         <a:schemeClr val="tx1"/>
-                      </a:solidFill>
-                      <a:prstDash val="solid"/>
-                      <a:round/>
-                      <a:headEnd type="none" w="med" len="med"/>
-                      <a:tailEnd type="none" w="med" len="med"/>
-                    </a:lnL>
-                    <a:lnR w="12700" cap="flat" cmpd="sng" algn="ctr">
-                      <a:solidFill>
-                        <a:srgbClr val="000000"/>
                       </a:solidFill>
                       <a:prstDash val="solid"/>
                       <a:round/>
@@ -26897,26 +26824,26 @@
                             <a:schemeClr val="tx1"/>
                           </a:solidFill>
                           <a:effectLst/>
-                          <a:latin typeface="Courier New" pitchFamily="49" charset="0"/>
+                          <a:latin typeface="Times New Roman" pitchFamily="18" charset="0"/>
                           <a:cs typeface="Arial" charset="0"/>
                         </a:rPr>
-                        <a:t>BLX</a:t>
+                        <a:t>1</a:t>
                       </a:r>
                     </a:p>
                   </a:txBody>
                   <a:tcPr horzOverflow="overflow">
-                    <a:lnL w="12700" cap="flat" cmpd="sng" algn="ctr">
-                      <a:solidFill>
-                        <a:srgbClr val="000000"/>
+                    <a:lnL w="38100" cap="flat" cmpd="sng" algn="ctr">
+                      <a:solidFill>
+                        <a:schemeClr val="tx1"/>
                       </a:solidFill>
                       <a:prstDash val="solid"/>
                       <a:round/>
                       <a:headEnd type="none" w="med" len="med"/>
                       <a:tailEnd type="none" w="med" len="med"/>
                     </a:lnL>
-                    <a:lnR w="38100" cap="flat" cmpd="sng" algn="ctr">
-                      <a:solidFill>
-                        <a:schemeClr val="tx1"/>
+                    <a:lnR w="12700" cap="flat" cmpd="sng" algn="ctr">
+                      <a:solidFill>
+                        <a:srgbClr val="000000"/>
                       </a:solidFill>
                       <a:prstDash val="solid"/>
                       <a:round/>
@@ -26983,14 +26910,14 @@
                           <a:latin typeface="Times New Roman" pitchFamily="18" charset="0"/>
                           <a:cs typeface="Arial" charset="0"/>
                         </a:rPr>
-                        <a:t>1</a:t>
+                        <a:t>0</a:t>
                       </a:r>
                     </a:p>
                   </a:txBody>
                   <a:tcPr horzOverflow="overflow">
-                    <a:lnL w="38100" cap="flat" cmpd="sng" algn="ctr">
-                      <a:solidFill>
-                        <a:schemeClr val="tx1"/>
+                    <a:lnL w="12700" cap="flat" cmpd="sng" algn="ctr">
+                      <a:solidFill>
+                        <a:srgbClr val="000000"/>
                       </a:solidFill>
                       <a:prstDash val="solid"/>
                       <a:round/>
@@ -27232,7 +27159,7 @@
                           <a:latin typeface="Times New Roman" pitchFamily="18" charset="0"/>
                           <a:cs typeface="Arial" charset="0"/>
                         </a:rPr>
-                        <a:t>0</a:t>
+                        <a:t>XX</a:t>
                       </a:r>
                     </a:p>
                   </a:txBody>
@@ -27315,7 +27242,7 @@
                           <a:latin typeface="Times New Roman" pitchFamily="18" charset="0"/>
                           <a:cs typeface="Arial" charset="0"/>
                         </a:rPr>
-                        <a:t>XX</a:t>
+                        <a:t>0</a:t>
                       </a:r>
                     </a:p>
                   </a:txBody>
@@ -27398,7 +27325,7 @@
                           <a:latin typeface="Times New Roman" pitchFamily="18" charset="0"/>
                           <a:cs typeface="Arial" charset="0"/>
                         </a:rPr>
-                        <a:t>0</a:t>
+                        <a:t>1110X</a:t>
                       </a:r>
                     </a:p>
                   </a:txBody>
@@ -27481,7 +27408,7 @@
                           <a:latin typeface="Times New Roman" pitchFamily="18" charset="0"/>
                           <a:cs typeface="Arial" charset="0"/>
                         </a:rPr>
-                        <a:t>1110X</a:t>
+                        <a:t>1</a:t>
                       </a:r>
                     </a:p>
                   </a:txBody>
@@ -27564,7 +27491,7 @@
                           <a:latin typeface="Times New Roman" pitchFamily="18" charset="0"/>
                           <a:cs typeface="Arial" charset="0"/>
                         </a:rPr>
-                        <a:t>1</a:t>
+                        <a:t>00</a:t>
                       </a:r>
                     </a:p>
                   </a:txBody>
@@ -27649,111 +27576,6 @@
                         </a:rPr>
                         <a:t>00</a:t>
                       </a:r>
-                      <a:endParaRPr kumimoji="0" lang="en-US" sz="1800" b="0" i="0" u="none" strike="noStrike" cap="none" normalizeH="0" baseline="0" dirty="0" smtClean="0">
-                        <a:ln>
-                          <a:noFill/>
-                        </a:ln>
-                        <a:solidFill>
-                          <a:schemeClr val="tx1"/>
-                        </a:solidFill>
-                        <a:effectLst/>
-                        <a:latin typeface="Times New Roman" pitchFamily="18" charset="0"/>
-                        <a:cs typeface="Arial" charset="0"/>
-                      </a:endParaRPr>
-                    </a:p>
-                  </a:txBody>
-                  <a:tcPr horzOverflow="overflow">
-                    <a:lnL w="12700" cap="flat" cmpd="sng" algn="ctr">
-                      <a:solidFill>
-                        <a:srgbClr val="000000"/>
-                      </a:solidFill>
-                      <a:prstDash val="solid"/>
-                      <a:round/>
-                      <a:headEnd type="none" w="med" len="med"/>
-                      <a:tailEnd type="none" w="med" len="med"/>
-                    </a:lnL>
-                    <a:lnR w="12700" cap="flat" cmpd="sng" algn="ctr">
-                      <a:solidFill>
-                        <a:srgbClr val="000000"/>
-                      </a:solidFill>
-                      <a:prstDash val="solid"/>
-                      <a:round/>
-                      <a:headEnd type="none" w="med" len="med"/>
-                      <a:tailEnd type="none" w="med" len="med"/>
-                    </a:lnR>
-                    <a:lnT w="12700" cap="flat" cmpd="sng" algn="ctr">
-                      <a:solidFill>
-                        <a:srgbClr val="000000"/>
-                      </a:solidFill>
-                      <a:prstDash val="solid"/>
-                      <a:round/>
-                      <a:headEnd type="none" w="med" len="med"/>
-                      <a:tailEnd type="none" w="med" len="med"/>
-                    </a:lnT>
-                    <a:lnB w="38100" cap="flat" cmpd="sng" algn="ctr">
-                      <a:solidFill>
-                        <a:schemeClr val="tx1"/>
-                      </a:solidFill>
-                      <a:prstDash val="solid"/>
-                      <a:round/>
-                      <a:headEnd type="none" w="med" len="med"/>
-                      <a:tailEnd type="none" w="med" len="med"/>
-                    </a:lnB>
-                    <a:lnTlToBr>
-                      <a:noFill/>
-                    </a:lnTlToBr>
-                    <a:lnBlToTr>
-                      <a:noFill/>
-                    </a:lnBlToTr>
-                    <a:noFill/>
-                  </a:tcPr>
-                </a:tc>
-                <a:tc>
-                  <a:txBody>
-                    <a:bodyPr/>
-                    <a:lstStyle/>
-                    <a:p>
-                      <a:pPr marL="342900" marR="0" lvl="0" indent="-342900" algn="ctr" defTabSz="914400" rtl="0" eaLnBrk="1" fontAlgn="base" latinLnBrk="0" hangingPunct="1">
-                        <a:lnSpc>
-                          <a:spcPct val="100000"/>
-                        </a:lnSpc>
-                        <a:spcBef>
-                          <a:spcPct val="0"/>
-                        </a:spcBef>
-                        <a:spcAft>
-                          <a:spcPct val="0"/>
-                        </a:spcAft>
-                        <a:buClrTx/>
-                        <a:buSzTx/>
-                        <a:buFontTx/>
-                        <a:buNone/>
-                        <a:tabLst/>
-                      </a:pPr>
-                      <a:r>
-                        <a:rPr kumimoji="0" lang="en-US" sz="1800" b="0" i="0" u="none" strike="noStrike" cap="none" normalizeH="0" baseline="0" dirty="0" smtClean="0">
-                          <a:ln>
-                            <a:noFill/>
-                          </a:ln>
-                          <a:solidFill>
-                            <a:schemeClr val="tx1"/>
-                          </a:solidFill>
-                          <a:effectLst/>
-                          <a:latin typeface="Times New Roman" pitchFamily="18" charset="0"/>
-                          <a:cs typeface="Arial" charset="0"/>
-                        </a:rPr>
-                        <a:t>00</a:t>
-                      </a:r>
-                      <a:endParaRPr kumimoji="0" lang="en-US" sz="1800" b="0" i="0" u="none" strike="noStrike" cap="none" normalizeH="0" baseline="0" dirty="0" smtClean="0">
-                        <a:ln>
-                          <a:noFill/>
-                        </a:ln>
-                        <a:solidFill>
-                          <a:schemeClr val="tx1"/>
-                        </a:solidFill>
-                        <a:effectLst/>
-                        <a:latin typeface="Times New Roman" pitchFamily="18" charset="0"/>
-                        <a:cs typeface="Arial" charset="0"/>
-                      </a:endParaRPr>
                     </a:p>
                   </a:txBody>
                   <a:tcPr horzOverflow="overflow">

--- a/docs/RISCME..pptx
+++ b/docs/RISCME..pptx
@@ -5,41 +5,42 @@
     <p:sldMasterId id="2147483648" r:id="rId1"/>
   </p:sldMasterIdLst>
   <p:notesMasterIdLst>
-    <p:notesMasterId r:id="rId31"/>
+    <p:notesMasterId r:id="rId32"/>
   </p:notesMasterIdLst>
   <p:handoutMasterIdLst>
-    <p:handoutMasterId r:id="rId32"/>
+    <p:handoutMasterId r:id="rId33"/>
   </p:handoutMasterIdLst>
   <p:sldIdLst>
     <p:sldId id="256" r:id="rId2"/>
     <p:sldId id="257" r:id="rId3"/>
-    <p:sldId id="277" r:id="rId4"/>
-    <p:sldId id="313" r:id="rId5"/>
-    <p:sldId id="311" r:id="rId6"/>
-    <p:sldId id="306" r:id="rId7"/>
-    <p:sldId id="307" r:id="rId8"/>
-    <p:sldId id="308" r:id="rId9"/>
-    <p:sldId id="309" r:id="rId10"/>
-    <p:sldId id="310" r:id="rId11"/>
-    <p:sldId id="284" r:id="rId12"/>
-    <p:sldId id="285" r:id="rId13"/>
-    <p:sldId id="286" r:id="rId14"/>
-    <p:sldId id="287" r:id="rId15"/>
-    <p:sldId id="293" r:id="rId16"/>
-    <p:sldId id="294" r:id="rId17"/>
-    <p:sldId id="295" r:id="rId18"/>
-    <p:sldId id="296" r:id="rId19"/>
-    <p:sldId id="297" r:id="rId20"/>
-    <p:sldId id="298" r:id="rId21"/>
-    <p:sldId id="300" r:id="rId22"/>
-    <p:sldId id="301" r:id="rId23"/>
-    <p:sldId id="303" r:id="rId24"/>
-    <p:sldId id="282" r:id="rId25"/>
-    <p:sldId id="258" r:id="rId26"/>
-    <p:sldId id="304" r:id="rId27"/>
-    <p:sldId id="305" r:id="rId28"/>
-    <p:sldId id="312" r:id="rId29"/>
-    <p:sldId id="271" r:id="rId30"/>
+    <p:sldId id="314" r:id="rId4"/>
+    <p:sldId id="277" r:id="rId5"/>
+    <p:sldId id="313" r:id="rId6"/>
+    <p:sldId id="311" r:id="rId7"/>
+    <p:sldId id="306" r:id="rId8"/>
+    <p:sldId id="307" r:id="rId9"/>
+    <p:sldId id="308" r:id="rId10"/>
+    <p:sldId id="309" r:id="rId11"/>
+    <p:sldId id="310" r:id="rId12"/>
+    <p:sldId id="284" r:id="rId13"/>
+    <p:sldId id="285" r:id="rId14"/>
+    <p:sldId id="286" r:id="rId15"/>
+    <p:sldId id="287" r:id="rId16"/>
+    <p:sldId id="293" r:id="rId17"/>
+    <p:sldId id="294" r:id="rId18"/>
+    <p:sldId id="295" r:id="rId19"/>
+    <p:sldId id="296" r:id="rId20"/>
+    <p:sldId id="297" r:id="rId21"/>
+    <p:sldId id="298" r:id="rId22"/>
+    <p:sldId id="300" r:id="rId23"/>
+    <p:sldId id="301" r:id="rId24"/>
+    <p:sldId id="303" r:id="rId25"/>
+    <p:sldId id="282" r:id="rId26"/>
+    <p:sldId id="258" r:id="rId27"/>
+    <p:sldId id="304" r:id="rId28"/>
+    <p:sldId id="305" r:id="rId29"/>
+    <p:sldId id="312" r:id="rId30"/>
+    <p:sldId id="271" r:id="rId31"/>
   </p:sldIdLst>
   <p:sldSz cx="10080625" cy="7559675"/>
   <p:notesSz cx="7559675" cy="10691813"/>
@@ -5195,6 +5196,405 @@
             </a:r>
             <a:r>
               <a:rPr lang="en-US" dirty="0"/>
+              <a:t>(Immediate)</a:t>
+            </a:r>
+          </a:p>
+        </p:txBody>
+      </p:sp>
+      <p:sp>
+        <p:nvSpPr>
+          <p:cNvPr id="3" name="Espaço Reservado para Texto 2"/>
+          <p:cNvSpPr txBox="1">
+            <a:spLocks noGrp="1"/>
+          </p:cNvSpPr>
+          <p:nvPr>
+            <p:ph type="body" idx="4294967295"/>
+          </p:nvPr>
+        </p:nvSpPr>
+        <p:spPr/>
+        <p:txBody>
+          <a:bodyPr/>
+          <a:lstStyle>
+            <a:defPPr marL="432000" lvl="0" indent="-324000">
+              <a:spcBef>
+                <a:spcPts val="0"/>
+              </a:spcBef>
+              <a:spcAft>
+                <a:spcPts val="1417"/>
+              </a:spcAft>
+              <a:buSzPct val="45000"/>
+              <a:buFont typeface="StarSymbol"/>
+              <a:buNone/>
+              <a:defRPr lang="en-US" sz="3200" b="0" i="0" u="none" strike="noStrike" kern="1200" cap="none">
+                <a:ln>
+                  <a:noFill/>
+                </a:ln>
+                <a:latin typeface="Liberation Sans" pitchFamily="18"/>
+                <a:ea typeface="Droid Sans Fallback" pitchFamily="2"/>
+                <a:cs typeface="FreeSans" pitchFamily="2"/>
+              </a:defRPr>
+            </a:defPPr>
+            <a:lvl1pPr marL="432000" lvl="0" indent="-324000">
+              <a:spcBef>
+                <a:spcPts val="0"/>
+              </a:spcBef>
+              <a:spcAft>
+                <a:spcPts val="1417"/>
+              </a:spcAft>
+              <a:buSzPct val="45000"/>
+              <a:buFont typeface="StarSymbol"/>
+              <a:buChar char="●"/>
+              <a:defRPr lang="en-US" sz="3200" b="0" i="0" u="none" strike="noStrike" kern="1200" cap="none">
+                <a:ln>
+                  <a:noFill/>
+                </a:ln>
+                <a:latin typeface="Liberation Sans" pitchFamily="18"/>
+                <a:ea typeface="Droid Sans Fallback" pitchFamily="2"/>
+                <a:cs typeface="FreeSans" pitchFamily="2"/>
+              </a:defRPr>
+            </a:lvl1pPr>
+            <a:lvl2pPr marL="864000" lvl="1" indent="-324000">
+              <a:spcBef>
+                <a:spcPts val="0"/>
+              </a:spcBef>
+              <a:spcAft>
+                <a:spcPts val="1134"/>
+              </a:spcAft>
+              <a:buSzPct val="75000"/>
+              <a:buFont typeface="StarSymbol"/>
+              <a:buChar char="–"/>
+              <a:defRPr lang="en-US" sz="2800" b="0" i="0" u="none" strike="noStrike" kern="1200" cap="none">
+                <a:ln>
+                  <a:noFill/>
+                </a:ln>
+                <a:latin typeface="Liberation Sans" pitchFamily="18"/>
+                <a:ea typeface="Droid Sans Fallback" pitchFamily="2"/>
+                <a:cs typeface="FreeSans" pitchFamily="2"/>
+              </a:defRPr>
+            </a:lvl2pPr>
+            <a:lvl3pPr marL="1295999" lvl="2" indent="-288000">
+              <a:spcBef>
+                <a:spcPts val="0"/>
+              </a:spcBef>
+              <a:spcAft>
+                <a:spcPts val="850"/>
+              </a:spcAft>
+              <a:buSzPct val="45000"/>
+              <a:buFont typeface="StarSymbol"/>
+              <a:buChar char="●"/>
+              <a:defRPr lang="en-US" sz="2400" b="0" i="0" u="none" strike="noStrike" kern="1200" cap="none">
+                <a:ln>
+                  <a:noFill/>
+                </a:ln>
+                <a:latin typeface="Liberation Sans" pitchFamily="18"/>
+                <a:ea typeface="Droid Sans Fallback" pitchFamily="2"/>
+                <a:cs typeface="FreeSans" pitchFamily="2"/>
+              </a:defRPr>
+            </a:lvl3pPr>
+            <a:lvl4pPr marL="1728000" lvl="3" indent="-216000">
+              <a:spcBef>
+                <a:spcPts val="0"/>
+              </a:spcBef>
+              <a:spcAft>
+                <a:spcPts val="567"/>
+              </a:spcAft>
+              <a:buSzPct val="75000"/>
+              <a:buFont typeface="StarSymbol"/>
+              <a:buChar char="–"/>
+              <a:defRPr lang="en-US" sz="2000" b="0" i="0" u="none" strike="noStrike" kern="1200" cap="none">
+                <a:ln>
+                  <a:noFill/>
+                </a:ln>
+                <a:latin typeface="Liberation Sans" pitchFamily="18"/>
+                <a:ea typeface="Droid Sans Fallback" pitchFamily="2"/>
+                <a:cs typeface="FreeSans" pitchFamily="2"/>
+              </a:defRPr>
+            </a:lvl4pPr>
+            <a:lvl5pPr marL="2160000" lvl="4" indent="-216000">
+              <a:spcBef>
+                <a:spcPts val="0"/>
+              </a:spcBef>
+              <a:spcAft>
+                <a:spcPts val="283"/>
+              </a:spcAft>
+              <a:buSzPct val="45000"/>
+              <a:buFont typeface="StarSymbol"/>
+              <a:buChar char="●"/>
+              <a:defRPr lang="en-US" sz="2000" b="0" i="0" u="none" strike="noStrike" kern="1200" cap="none">
+                <a:ln>
+                  <a:noFill/>
+                </a:ln>
+                <a:latin typeface="Liberation Sans" pitchFamily="18"/>
+                <a:ea typeface="Droid Sans Fallback" pitchFamily="2"/>
+                <a:cs typeface="FreeSans" pitchFamily="2"/>
+              </a:defRPr>
+            </a:lvl5pPr>
+            <a:lvl6pPr marL="2592000" lvl="5" indent="-216000">
+              <a:spcBef>
+                <a:spcPts val="0"/>
+              </a:spcBef>
+              <a:spcAft>
+                <a:spcPts val="283"/>
+              </a:spcAft>
+              <a:buSzPct val="45000"/>
+              <a:buFont typeface="StarSymbol"/>
+              <a:buChar char="●"/>
+              <a:defRPr lang="en-US" sz="2000" b="0" i="0" u="none" strike="noStrike" kern="1200" cap="none">
+                <a:ln>
+                  <a:noFill/>
+                </a:ln>
+                <a:latin typeface="Liberation Sans" pitchFamily="18"/>
+                <a:ea typeface="Droid Sans Fallback" pitchFamily="2"/>
+                <a:cs typeface="FreeSans" pitchFamily="2"/>
+              </a:defRPr>
+            </a:lvl6pPr>
+            <a:lvl7pPr marL="3024000" lvl="6" indent="-216000">
+              <a:spcBef>
+                <a:spcPts val="0"/>
+              </a:spcBef>
+              <a:spcAft>
+                <a:spcPts val="283"/>
+              </a:spcAft>
+              <a:buSzPct val="45000"/>
+              <a:buFont typeface="StarSymbol"/>
+              <a:buChar char="●"/>
+              <a:defRPr lang="en-US" sz="2000" b="0" i="0" u="none" strike="noStrike" kern="1200" cap="none">
+                <a:ln>
+                  <a:noFill/>
+                </a:ln>
+                <a:latin typeface="Liberation Sans" pitchFamily="18"/>
+                <a:ea typeface="Droid Sans Fallback" pitchFamily="2"/>
+                <a:cs typeface="FreeSans" pitchFamily="2"/>
+              </a:defRPr>
+            </a:lvl7pPr>
+            <a:lvl8pPr marL="3456000" lvl="7" indent="-216000">
+              <a:spcBef>
+                <a:spcPts val="0"/>
+              </a:spcBef>
+              <a:spcAft>
+                <a:spcPts val="283"/>
+              </a:spcAft>
+              <a:buSzPct val="45000"/>
+              <a:buFont typeface="StarSymbol"/>
+              <a:buChar char="●"/>
+              <a:defRPr lang="en-US" sz="2000" b="0" i="0" u="none" strike="noStrike" kern="1200" cap="none">
+                <a:ln>
+                  <a:noFill/>
+                </a:ln>
+                <a:latin typeface="Liberation Sans" pitchFamily="18"/>
+                <a:ea typeface="Droid Sans Fallback" pitchFamily="2"/>
+                <a:cs typeface="FreeSans" pitchFamily="2"/>
+              </a:defRPr>
+            </a:lvl8pPr>
+            <a:lvl9pPr marL="3887999" lvl="8" indent="-216000">
+              <a:spcBef>
+                <a:spcPts val="0"/>
+              </a:spcBef>
+              <a:spcAft>
+                <a:spcPts val="283"/>
+              </a:spcAft>
+              <a:buSzPct val="45000"/>
+              <a:buFont typeface="StarSymbol"/>
+              <a:buChar char="●"/>
+              <a:defRPr lang="en-US" sz="2000" b="0" i="0" u="none" strike="noStrike" kern="1200" cap="none">
+                <a:ln>
+                  <a:noFill/>
+                </a:ln>
+                <a:latin typeface="Liberation Sans" pitchFamily="18"/>
+                <a:ea typeface="Droid Sans Fallback" pitchFamily="2"/>
+                <a:cs typeface="FreeSans" pitchFamily="2"/>
+              </a:defRPr>
+            </a:lvl9pPr>
+          </a:lstStyle>
+          <a:p>
+            <a:endParaRPr lang="en-US"/>
+          </a:p>
+        </p:txBody>
+      </p:sp>
+      <p:pic>
+        <p:nvPicPr>
+          <p:cNvPr id="2050" name="Picture 2"/>
+          <p:cNvPicPr>
+            <a:picLocks noChangeAspect="1" noChangeArrowheads="1"/>
+          </p:cNvPicPr>
+          <p:nvPr/>
+        </p:nvPicPr>
+        <p:blipFill>
+          <a:blip r:embed="rId3">
+            <a:extLst>
+              <a:ext uri="{28A0092B-C50C-407E-A947-70E740481C1C}">
+                <a14:useLocalDpi xmlns:a14="http://schemas.microsoft.com/office/drawing/2010/main" val="0"/>
+              </a:ext>
+            </a:extLst>
+          </a:blip>
+          <a:srcRect/>
+          <a:stretch>
+            <a:fillRect/>
+          </a:stretch>
+        </p:blipFill>
+        <p:spPr bwMode="auto">
+          <a:xfrm>
+            <a:off x="306388" y="1598612"/>
+            <a:ext cx="9467850" cy="2943225"/>
+          </a:xfrm>
+          <a:prstGeom prst="rect">
+            <a:avLst/>
+          </a:prstGeom>
+          <a:noFill/>
+          <a:ln>
+            <a:noFill/>
+          </a:ln>
+          <a:effectLst/>
+          <a:extLst>
+            <a:ext uri="{909E8E84-426E-40DD-AFC4-6F175D3DCCD1}">
+              <a14:hiddenFill xmlns:a14="http://schemas.microsoft.com/office/drawing/2010/main">
+                <a:solidFill>
+                  <a:schemeClr val="accent1"/>
+                </a:solidFill>
+              </a14:hiddenFill>
+            </a:ext>
+            <a:ext uri="{91240B29-F687-4F45-9708-019B960494DF}">
+              <a14:hiddenLine xmlns:a14="http://schemas.microsoft.com/office/drawing/2010/main" w="9525">
+                <a:solidFill>
+                  <a:schemeClr val="tx1"/>
+                </a:solidFill>
+                <a:miter lim="800000"/>
+                <a:headEnd/>
+                <a:tailEnd/>
+              </a14:hiddenLine>
+            </a:ext>
+            <a:ext uri="{AF507438-7753-43E0-B8FC-AC1667EBCBE1}">
+              <a14:hiddenEffects xmlns:a14="http://schemas.microsoft.com/office/drawing/2010/main">
+                <a:effectLst>
+                  <a:outerShdw dist="35921" dir="2700000" algn="ctr" rotWithShape="0">
+                    <a:schemeClr val="bg2"/>
+                  </a:outerShdw>
+                </a:effectLst>
+              </a14:hiddenEffects>
+            </a:ext>
+          </a:extLst>
+        </p:spPr>
+      </p:pic>
+    </p:spTree>
+    <p:extLst>
+      <p:ext uri="{BB962C8B-B14F-4D97-AF65-F5344CB8AC3E}">
+        <p14:creationId xmlns:p14="http://schemas.microsoft.com/office/powerpoint/2010/main" val="147748093"/>
+      </p:ext>
+    </p:extLst>
+  </p:cSld>
+  <p:clrMapOvr>
+    <a:masterClrMapping/>
+  </p:clrMapOvr>
+  <mc:AlternateContent xmlns:mc="http://schemas.openxmlformats.org/markup-compatibility/2006" xmlns:p14="http://schemas.microsoft.com/office/powerpoint/2010/main">
+    <mc:Choice Requires="p14">
+      <p:transition spd="slow" p14:dur="2000"/>
+    </mc:Choice>
+    <mc:Fallback xmlns="">
+      <p:transition spd="slow"/>
+    </mc:Fallback>
+  </mc:AlternateContent>
+  <p:timing>
+    <p:tnLst>
+      <p:par>
+        <p:cTn id="1" dur="indefinite" restart="never" nodeType="tmRoot"/>
+      </p:par>
+    </p:tnLst>
+  </p:timing>
+</p:sld>
+</file>
+
+<file path=ppt/slides/slide11.xml><?xml version="1.0" encoding="utf-8"?>
+<p:sld xmlns:a="http://schemas.openxmlformats.org/drawingml/2006/main" xmlns:r="http://schemas.openxmlformats.org/officeDocument/2006/relationships" xmlns:p="http://schemas.openxmlformats.org/presentationml/2006/main">
+  <p:cSld>
+    <p:spTree>
+      <p:nvGrpSpPr>
+        <p:cNvPr id="1" name=""/>
+        <p:cNvGrpSpPr/>
+        <p:nvPr/>
+      </p:nvGrpSpPr>
+      <p:grpSpPr>
+        <a:xfrm>
+          <a:off x="0" y="0"/>
+          <a:ext cx="0" cy="0"/>
+          <a:chOff x="0" y="0"/>
+          <a:chExt cx="0" cy="0"/>
+        </a:xfrm>
+      </p:grpSpPr>
+      <p:sp>
+        <p:nvSpPr>
+          <p:cNvPr id="2" name="Título 1"/>
+          <p:cNvSpPr txBox="1">
+            <a:spLocks noGrp="1"/>
+          </p:cNvSpPr>
+          <p:nvPr>
+            <p:ph type="title" idx="4294967295"/>
+          </p:nvPr>
+        </p:nvSpPr>
+        <p:spPr/>
+        <p:txBody>
+          <a:bodyPr/>
+          <a:lstStyle>
+            <a:defPPr lvl="0">
+              <a:buSzPct val="45000"/>
+              <a:buFont typeface="StarSymbol"/>
+              <a:buNone/>
+            </a:defPPr>
+            <a:lvl1pPr lvl="0">
+              <a:buSzPct val="45000"/>
+              <a:buFont typeface="StarSymbol"/>
+              <a:buChar char="●"/>
+            </a:lvl1pPr>
+            <a:lvl2pPr lvl="1">
+              <a:buSzPct val="45000"/>
+              <a:buFont typeface="StarSymbol"/>
+              <a:buChar char="●"/>
+            </a:lvl2pPr>
+            <a:lvl3pPr lvl="2">
+              <a:buSzPct val="45000"/>
+              <a:buFont typeface="StarSymbol"/>
+              <a:buChar char="●"/>
+            </a:lvl3pPr>
+            <a:lvl4pPr lvl="3">
+              <a:buSzPct val="45000"/>
+              <a:buFont typeface="StarSymbol"/>
+              <a:buChar char="●"/>
+            </a:lvl4pPr>
+            <a:lvl5pPr lvl="4">
+              <a:buSzPct val="45000"/>
+              <a:buFont typeface="StarSymbol"/>
+              <a:buChar char="●"/>
+            </a:lvl5pPr>
+            <a:lvl6pPr lvl="5">
+              <a:buSzPct val="45000"/>
+              <a:buFont typeface="StarSymbol"/>
+              <a:buChar char="●"/>
+            </a:lvl6pPr>
+            <a:lvl7pPr lvl="6">
+              <a:buSzPct val="45000"/>
+              <a:buFont typeface="StarSymbol"/>
+              <a:buChar char="●"/>
+            </a:lvl7pPr>
+            <a:lvl8pPr lvl="7">
+              <a:buSzPct val="45000"/>
+              <a:buFont typeface="StarSymbol"/>
+              <a:buChar char="●"/>
+            </a:lvl8pPr>
+            <a:lvl9pPr lvl="8">
+              <a:buSzPct val="45000"/>
+              <a:buFont typeface="StarSymbol"/>
+              <a:buChar char="●"/>
+            </a:lvl9pPr>
+          </a:lstStyle>
+          <a:p>
+            <a:pPr lvl="0">
+              <a:buNone/>
+            </a:pPr>
+            <a:r>
+              <a:rPr lang="en-US" dirty="0" smtClean="0"/>
+              <a:t>SUBS </a:t>
+            </a:r>
+            <a:r>
+              <a:rPr lang="en-US" dirty="0"/>
               <a:t>(Register)</a:t>
             </a:r>
           </a:p>
@@ -5470,7 +5870,7 @@
 </p:sld>
 </file>
 
-<file path=ppt/slides/slide11.xml><?xml version="1.0" encoding="utf-8"?>
+<file path=ppt/slides/slide12.xml><?xml version="1.0" encoding="utf-8"?>
 <p:sld xmlns:a="http://schemas.openxmlformats.org/drawingml/2006/main" xmlns:r="http://schemas.openxmlformats.org/officeDocument/2006/relationships" xmlns:p="http://schemas.openxmlformats.org/presentationml/2006/main">
   <p:cSld>
     <p:spTree>
@@ -5813,7 +6213,7 @@
 </p:sld>
 </file>
 
-<file path=ppt/slides/slide12.xml><?xml version="1.0" encoding="utf-8"?>
+<file path=ppt/slides/slide13.xml><?xml version="1.0" encoding="utf-8"?>
 <p:sld xmlns:a="http://schemas.openxmlformats.org/drawingml/2006/main" xmlns:r="http://schemas.openxmlformats.org/officeDocument/2006/relationships" xmlns:p="http://schemas.openxmlformats.org/presentationml/2006/main">
   <p:cSld>
     <p:spTree>
@@ -6164,7 +6564,7 @@
 </p:sld>
 </file>
 
-<file path=ppt/slides/slide13.xml><?xml version="1.0" encoding="utf-8"?>
+<file path=ppt/slides/slide14.xml><?xml version="1.0" encoding="utf-8"?>
 <p:sld xmlns:a="http://schemas.openxmlformats.org/drawingml/2006/main" xmlns:r="http://schemas.openxmlformats.org/officeDocument/2006/relationships" xmlns:p="http://schemas.openxmlformats.org/presentationml/2006/main">
   <p:cSld>
     <p:spTree>
@@ -6531,7 +6931,7 @@
 </p:sld>
 </file>
 
-<file path=ppt/slides/slide14.xml><?xml version="1.0" encoding="utf-8"?>
+<file path=ppt/slides/slide15.xml><?xml version="1.0" encoding="utf-8"?>
 <p:sld xmlns:a="http://schemas.openxmlformats.org/drawingml/2006/main" xmlns:r="http://schemas.openxmlformats.org/officeDocument/2006/relationships" xmlns:p="http://schemas.openxmlformats.org/presentationml/2006/main">
   <p:cSld>
     <p:spTree>
@@ -6898,7 +7298,7 @@
 </p:sld>
 </file>
 
-<file path=ppt/slides/slide15.xml><?xml version="1.0" encoding="utf-8"?>
+<file path=ppt/slides/slide16.xml><?xml version="1.0" encoding="utf-8"?>
 <p:sld xmlns:a="http://schemas.openxmlformats.org/drawingml/2006/main" xmlns:r="http://schemas.openxmlformats.org/officeDocument/2006/relationships" xmlns:p="http://schemas.openxmlformats.org/presentationml/2006/main">
   <p:cSld>
     <p:spTree>
@@ -7235,7 +7635,7 @@
 </p:sld>
 </file>
 
-<file path=ppt/slides/slide16.xml><?xml version="1.0" encoding="utf-8"?>
+<file path=ppt/slides/slide17.xml><?xml version="1.0" encoding="utf-8"?>
 <p:sld xmlns:a="http://schemas.openxmlformats.org/drawingml/2006/main" xmlns:r="http://schemas.openxmlformats.org/officeDocument/2006/relationships" xmlns:p="http://schemas.openxmlformats.org/presentationml/2006/main">
   <p:cSld>
     <p:spTree>
@@ -7578,7 +7978,7 @@
 </p:sld>
 </file>
 
-<file path=ppt/slides/slide17.xml><?xml version="1.0" encoding="utf-8"?>
+<file path=ppt/slides/slide18.xml><?xml version="1.0" encoding="utf-8"?>
 <p:sld xmlns:a="http://schemas.openxmlformats.org/drawingml/2006/main" xmlns:r="http://schemas.openxmlformats.org/officeDocument/2006/relationships" xmlns:p="http://schemas.openxmlformats.org/presentationml/2006/main">
   <p:cSld>
     <p:spTree>
@@ -7941,7 +8341,7 @@
 </p:sld>
 </file>
 
-<file path=ppt/slides/slide18.xml><?xml version="1.0" encoding="utf-8"?>
+<file path=ppt/slides/slide19.xml><?xml version="1.0" encoding="utf-8"?>
 <p:sld xmlns:a="http://schemas.openxmlformats.org/drawingml/2006/main" xmlns:r="http://schemas.openxmlformats.org/officeDocument/2006/relationships" xmlns:p="http://schemas.openxmlformats.org/presentationml/2006/main">
   <p:cSld>
     <p:spTree>
@@ -8316,398 +8716,6 @@
     <p:extLst>
       <p:ext uri="{BB962C8B-B14F-4D97-AF65-F5344CB8AC3E}">
         <p14:creationId xmlns:p14="http://schemas.microsoft.com/office/powerpoint/2010/main" val="697770026"/>
-      </p:ext>
-    </p:extLst>
-  </p:cSld>
-  <p:clrMapOvr>
-    <a:masterClrMapping/>
-  </p:clrMapOvr>
-  <mc:AlternateContent xmlns:mc="http://schemas.openxmlformats.org/markup-compatibility/2006" xmlns:p14="http://schemas.microsoft.com/office/powerpoint/2010/main">
-    <mc:Choice Requires="p14">
-      <p:transition spd="slow" p14:dur="2000"/>
-    </mc:Choice>
-    <mc:Fallback xmlns="">
-      <p:transition spd="slow"/>
-    </mc:Fallback>
-  </mc:AlternateContent>
-  <p:timing>
-    <p:tnLst>
-      <p:par>
-        <p:cTn id="1" dur="indefinite" restart="never" nodeType="tmRoot"/>
-      </p:par>
-    </p:tnLst>
-  </p:timing>
-</p:sld>
-</file>
-
-<file path=ppt/slides/slide19.xml><?xml version="1.0" encoding="utf-8"?>
-<p:sld xmlns:a="http://schemas.openxmlformats.org/drawingml/2006/main" xmlns:r="http://schemas.openxmlformats.org/officeDocument/2006/relationships" xmlns:p="http://schemas.openxmlformats.org/presentationml/2006/main">
-  <p:cSld>
-    <p:spTree>
-      <p:nvGrpSpPr>
-        <p:cNvPr id="1" name=""/>
-        <p:cNvGrpSpPr/>
-        <p:nvPr/>
-      </p:nvGrpSpPr>
-      <p:grpSpPr>
-        <a:xfrm>
-          <a:off x="0" y="0"/>
-          <a:ext cx="0" cy="0"/>
-          <a:chOff x="0" y="0"/>
-          <a:chExt cx="0" cy="0"/>
-        </a:xfrm>
-      </p:grpSpPr>
-      <p:graphicFrame>
-        <p:nvGraphicFramePr>
-          <p:cNvPr id="2" name="Tabela 1"/>
-          <p:cNvGraphicFramePr>
-            <a:graphicFrameLocks noGrp="1"/>
-          </p:cNvGraphicFramePr>
-          <p:nvPr>
-            <p:extLst>
-              <p:ext uri="{D42A27DB-BD31-4B8C-83A1-F6EECF244321}">
-                <p14:modId xmlns:p14="http://schemas.microsoft.com/office/powerpoint/2010/main" val="1991372621"/>
-              </p:ext>
-            </p:extLst>
-          </p:nvPr>
-        </p:nvGraphicFramePr>
-        <p:xfrm>
-          <a:off x="1679610" y="3475037"/>
-          <a:ext cx="6720418" cy="1285240"/>
-        </p:xfrm>
-        <a:graphic>
-          <a:graphicData uri="http://schemas.openxmlformats.org/drawingml/2006/table">
-            <a:tbl>
-              <a:tblPr firstRow="1" bandRow="1">
-                <a:tableStyleId>{5C22544A-7EE6-4342-B048-85BDC9FD1C3A}</a:tableStyleId>
-              </a:tblPr>
-              <a:tblGrid>
-                <a:gridCol w="1912408"/>
-                <a:gridCol w="4808010"/>
-              </a:tblGrid>
-              <a:tr h="370840">
-                <a:tc>
-                  <a:txBody>
-                    <a:bodyPr/>
-                    <a:lstStyle/>
-                    <a:p>
-                      <a:r>
-                        <a:rPr lang="pt-BR" dirty="0" err="1" smtClean="0"/>
-                        <a:t>opcode</a:t>
-                      </a:r>
-                      <a:endParaRPr lang="pt-BR" dirty="0"/>
-                    </a:p>
-                  </a:txBody>
-                  <a:tcPr/>
-                </a:tc>
-                <a:tc>
-                  <a:txBody>
-                    <a:bodyPr/>
-                    <a:lstStyle/>
-                    <a:p>
-                      <a:r>
-                        <a:rPr lang="pt-BR" dirty="0" err="1" smtClean="0"/>
-                        <a:t>Instruction</a:t>
-                      </a:r>
-                      <a:r>
-                        <a:rPr lang="pt-BR" dirty="0" smtClean="0"/>
-                        <a:t> </a:t>
-                      </a:r>
-                      <a:r>
-                        <a:rPr lang="pt-BR" dirty="0" err="1" smtClean="0"/>
-                        <a:t>class</a:t>
-                      </a:r>
-                      <a:endParaRPr lang="pt-BR" dirty="0"/>
-                    </a:p>
-                  </a:txBody>
-                  <a:tcPr/>
-                </a:tc>
-              </a:tr>
-              <a:tr h="370840">
-                <a:tc>
-                  <a:txBody>
-                    <a:bodyPr/>
-                    <a:lstStyle/>
-                    <a:p>
-                      <a:r>
-                        <a:rPr lang="pt-BR" dirty="0" smtClean="0"/>
-                        <a:t>0101xx</a:t>
-                      </a:r>
-                    </a:p>
-                    <a:p>
-                      <a:r>
-                        <a:rPr lang="pt-BR" dirty="0" smtClean="0"/>
-                        <a:t>011xxx</a:t>
-                      </a:r>
-                    </a:p>
-                    <a:p>
-                      <a:r>
-                        <a:rPr lang="pt-BR" dirty="0" smtClean="0"/>
-                        <a:t>100xxx</a:t>
-                      </a:r>
-                      <a:endParaRPr lang="pt-BR" dirty="0"/>
-                    </a:p>
-                  </a:txBody>
-                  <a:tcPr/>
-                </a:tc>
-                <a:tc>
-                  <a:txBody>
-                    <a:bodyPr/>
-                    <a:lstStyle/>
-                    <a:p>
-                      <a:r>
-                        <a:rPr lang="pt-BR" sz="1800" b="0" i="1" u="none" strike="noStrike" baseline="0" dirty="0" err="1" smtClean="0">
-                          <a:solidFill>
-                            <a:schemeClr val="dk1"/>
-                          </a:solidFill>
-                          <a:latin typeface="+mn-lt"/>
-                          <a:ea typeface="+mn-ea"/>
-                          <a:cs typeface="+mn-cs"/>
-                        </a:rPr>
-                        <a:t>Load</a:t>
-                      </a:r>
-                      <a:r>
-                        <a:rPr lang="pt-BR" sz="1800" b="0" i="1" u="none" strike="noStrike" baseline="0" dirty="0" smtClean="0">
-                          <a:solidFill>
-                            <a:schemeClr val="dk1"/>
-                          </a:solidFill>
-                          <a:latin typeface="+mn-lt"/>
-                          <a:ea typeface="+mn-ea"/>
-                          <a:cs typeface="+mn-cs"/>
-                        </a:rPr>
-                        <a:t>/</a:t>
-                      </a:r>
-                      <a:r>
-                        <a:rPr lang="pt-BR" sz="1800" b="0" i="1" u="none" strike="noStrike" baseline="0" dirty="0" err="1" smtClean="0">
-                          <a:solidFill>
-                            <a:schemeClr val="dk1"/>
-                          </a:solidFill>
-                          <a:latin typeface="+mn-lt"/>
-                          <a:ea typeface="+mn-ea"/>
-                          <a:cs typeface="+mn-cs"/>
-                        </a:rPr>
-                        <a:t>store</a:t>
-                      </a:r>
-                      <a:r>
-                        <a:rPr lang="pt-BR" sz="1800" b="0" i="1" u="none" strike="noStrike" baseline="0" dirty="0" smtClean="0">
-                          <a:solidFill>
-                            <a:schemeClr val="dk1"/>
-                          </a:solidFill>
-                          <a:latin typeface="+mn-lt"/>
-                          <a:ea typeface="+mn-ea"/>
-                          <a:cs typeface="+mn-cs"/>
-                        </a:rPr>
-                        <a:t> single data item</a:t>
-                      </a:r>
-                      <a:endParaRPr lang="pt-BR" dirty="0"/>
-                    </a:p>
-                  </a:txBody>
-                  <a:tcPr/>
-                </a:tc>
-              </a:tr>
-            </a:tbl>
-          </a:graphicData>
-        </a:graphic>
-      </p:graphicFrame>
-      <p:pic>
-        <p:nvPicPr>
-          <p:cNvPr id="1026" name="Picture 2"/>
-          <p:cNvPicPr>
-            <a:picLocks noChangeAspect="1" noChangeArrowheads="1"/>
-          </p:cNvPicPr>
-          <p:nvPr/>
-        </p:nvPicPr>
-        <p:blipFill>
-          <a:blip r:embed="rId2">
-            <a:extLst>
-              <a:ext uri="{28A0092B-C50C-407E-A947-70E740481C1C}">
-                <a14:useLocalDpi xmlns:a14="http://schemas.microsoft.com/office/drawing/2010/main" val="0"/>
-              </a:ext>
-            </a:extLst>
-          </a:blip>
-          <a:srcRect/>
-          <a:stretch>
-            <a:fillRect/>
-          </a:stretch>
-        </p:blipFill>
-        <p:spPr bwMode="auto">
-          <a:xfrm>
-            <a:off x="1555007" y="1854341"/>
-            <a:ext cx="7066705" cy="1163496"/>
-          </a:xfrm>
-          <a:prstGeom prst="rect">
-            <a:avLst/>
-          </a:prstGeom>
-          <a:noFill/>
-          <a:ln>
-            <a:noFill/>
-          </a:ln>
-          <a:effectLst/>
-          <a:extLst>
-            <a:ext uri="{909E8E84-426E-40DD-AFC4-6F175D3DCCD1}">
-              <a14:hiddenFill xmlns:a14="http://schemas.microsoft.com/office/drawing/2010/main">
-                <a:solidFill>
-                  <a:schemeClr val="accent1"/>
-                </a:solidFill>
-              </a14:hiddenFill>
-            </a:ext>
-            <a:ext uri="{91240B29-F687-4F45-9708-019B960494DF}">
-              <a14:hiddenLine xmlns:a14="http://schemas.microsoft.com/office/drawing/2010/main" w="9525">
-                <a:solidFill>
-                  <a:schemeClr val="tx1"/>
-                </a:solidFill>
-                <a:miter lim="800000"/>
-                <a:headEnd/>
-                <a:tailEnd/>
-              </a14:hiddenLine>
-            </a:ext>
-            <a:ext uri="{AF507438-7753-43E0-B8FC-AC1667EBCBE1}">
-              <a14:hiddenEffects xmlns:a14="http://schemas.microsoft.com/office/drawing/2010/main">
-                <a:effectLst>
-                  <a:outerShdw dist="35921" dir="2700000" algn="ctr" rotWithShape="0">
-                    <a:schemeClr val="bg2"/>
-                  </a:outerShdw>
-                </a:effectLst>
-              </a14:hiddenEffects>
-            </a:ext>
-          </a:extLst>
-        </p:spPr>
-      </p:pic>
-      <p:sp>
-        <p:nvSpPr>
-          <p:cNvPr id="4" name="Título 1"/>
-          <p:cNvSpPr txBox="1">
-            <a:spLocks/>
-          </p:cNvSpPr>
-          <p:nvPr/>
-        </p:nvSpPr>
-        <p:spPr>
-          <a:xfrm>
-            <a:off x="503999" y="301320"/>
-            <a:ext cx="9071640" cy="1262160"/>
-          </a:xfrm>
-          <a:prstGeom prst="rect">
-            <a:avLst/>
-          </a:prstGeom>
-          <a:noFill/>
-          <a:ln>
-            <a:noFill/>
-          </a:ln>
-        </p:spPr>
-        <p:txBody>
-          <a:bodyPr lIns="0" tIns="0" rIns="0" bIns="0" anchor="ctr"/>
-          <a:lstStyle>
-            <a:defPPr lvl="0">
-              <a:buSzPct val="45000"/>
-              <a:buFont typeface="StarSymbol"/>
-              <a:buNone/>
-              <a:defRPr/>
-            </a:defPPr>
-            <a:lvl1pPr lvl="0" algn="ctr" rtl="0" hangingPunct="0">
-              <a:buSzPct val="45000"/>
-              <a:buFont typeface="StarSymbol"/>
-              <a:buChar char="●"/>
-              <a:tabLst/>
-              <a:defRPr lang="en-US" sz="4400" b="0" i="0" u="none" strike="noStrike" kern="1200" cap="none">
-                <a:ln>
-                  <a:noFill/>
-                </a:ln>
-                <a:latin typeface="Liberation Sans" pitchFamily="18"/>
-              </a:defRPr>
-            </a:lvl1pPr>
-            <a:lvl2pPr lvl="1">
-              <a:buSzPct val="45000"/>
-              <a:buFont typeface="StarSymbol"/>
-              <a:buChar char="●"/>
-              <a:defRPr/>
-            </a:lvl2pPr>
-            <a:lvl3pPr lvl="2">
-              <a:buSzPct val="45000"/>
-              <a:buFont typeface="StarSymbol"/>
-              <a:buChar char="●"/>
-              <a:defRPr/>
-            </a:lvl3pPr>
-            <a:lvl4pPr lvl="3">
-              <a:buSzPct val="45000"/>
-              <a:buFont typeface="StarSymbol"/>
-              <a:buChar char="●"/>
-              <a:defRPr/>
-            </a:lvl4pPr>
-            <a:lvl5pPr lvl="4">
-              <a:buSzPct val="45000"/>
-              <a:buFont typeface="StarSymbol"/>
-              <a:buChar char="●"/>
-              <a:defRPr/>
-            </a:lvl5pPr>
-            <a:lvl6pPr lvl="5">
-              <a:buSzPct val="45000"/>
-              <a:buFont typeface="StarSymbol"/>
-              <a:buChar char="●"/>
-              <a:defRPr/>
-            </a:lvl6pPr>
-            <a:lvl7pPr lvl="6">
-              <a:buSzPct val="45000"/>
-              <a:buFont typeface="StarSymbol"/>
-              <a:buChar char="●"/>
-              <a:defRPr/>
-            </a:lvl7pPr>
-            <a:lvl8pPr lvl="7">
-              <a:buSzPct val="45000"/>
-              <a:buFont typeface="StarSymbol"/>
-              <a:buChar char="●"/>
-              <a:defRPr/>
-            </a:lvl8pPr>
-            <a:lvl9pPr lvl="8">
-              <a:buSzPct val="45000"/>
-              <a:buFont typeface="StarSymbol"/>
-              <a:buChar char="●"/>
-              <a:defRPr/>
-            </a:lvl9pPr>
-          </a:lstStyle>
-          <a:p>
-            <a:pPr>
-              <a:buNone/>
-            </a:pPr>
-            <a:r>
-              <a:rPr lang="pt-BR" i="1" dirty="0" err="1">
-                <a:solidFill>
-                  <a:schemeClr val="dk1"/>
-                </a:solidFill>
-              </a:rPr>
-              <a:t>Load</a:t>
-            </a:r>
-            <a:r>
-              <a:rPr lang="pt-BR" i="1" dirty="0">
-                <a:solidFill>
-                  <a:schemeClr val="dk1"/>
-                </a:solidFill>
-              </a:rPr>
-              <a:t>/</a:t>
-            </a:r>
-            <a:r>
-              <a:rPr lang="pt-BR" i="1" dirty="0" err="1">
-                <a:solidFill>
-                  <a:schemeClr val="dk1"/>
-                </a:solidFill>
-              </a:rPr>
-              <a:t>store</a:t>
-            </a:r>
-            <a:r>
-              <a:rPr lang="pt-BR" i="1" dirty="0">
-                <a:solidFill>
-                  <a:schemeClr val="dk1"/>
-                </a:solidFill>
-              </a:rPr>
-              <a:t> single data item</a:t>
-            </a:r>
-            <a:endParaRPr lang="pt-BR" dirty="0"/>
-          </a:p>
-        </p:txBody>
-      </p:sp>
-    </p:spTree>
-    <p:extLst>
-      <p:ext uri="{BB962C8B-B14F-4D97-AF65-F5344CB8AC3E}">
-        <p14:creationId xmlns:p14="http://schemas.microsoft.com/office/powerpoint/2010/main" val="1635171294"/>
       </p:ext>
     </p:extLst>
   </p:cSld>
@@ -9198,6 +9206,398 @@
           <a:chExt cx="0" cy="0"/>
         </a:xfrm>
       </p:grpSpPr>
+      <p:graphicFrame>
+        <p:nvGraphicFramePr>
+          <p:cNvPr id="2" name="Tabela 1"/>
+          <p:cNvGraphicFramePr>
+            <a:graphicFrameLocks noGrp="1"/>
+          </p:cNvGraphicFramePr>
+          <p:nvPr>
+            <p:extLst>
+              <p:ext uri="{D42A27DB-BD31-4B8C-83A1-F6EECF244321}">
+                <p14:modId xmlns:p14="http://schemas.microsoft.com/office/powerpoint/2010/main" val="1991372621"/>
+              </p:ext>
+            </p:extLst>
+          </p:nvPr>
+        </p:nvGraphicFramePr>
+        <p:xfrm>
+          <a:off x="1679610" y="3475037"/>
+          <a:ext cx="6720418" cy="1285240"/>
+        </p:xfrm>
+        <a:graphic>
+          <a:graphicData uri="http://schemas.openxmlformats.org/drawingml/2006/table">
+            <a:tbl>
+              <a:tblPr firstRow="1" bandRow="1">
+                <a:tableStyleId>{5C22544A-7EE6-4342-B048-85BDC9FD1C3A}</a:tableStyleId>
+              </a:tblPr>
+              <a:tblGrid>
+                <a:gridCol w="1912408"/>
+                <a:gridCol w="4808010"/>
+              </a:tblGrid>
+              <a:tr h="370840">
+                <a:tc>
+                  <a:txBody>
+                    <a:bodyPr/>
+                    <a:lstStyle/>
+                    <a:p>
+                      <a:r>
+                        <a:rPr lang="pt-BR" dirty="0" err="1" smtClean="0"/>
+                        <a:t>opcode</a:t>
+                      </a:r>
+                      <a:endParaRPr lang="pt-BR" dirty="0"/>
+                    </a:p>
+                  </a:txBody>
+                  <a:tcPr/>
+                </a:tc>
+                <a:tc>
+                  <a:txBody>
+                    <a:bodyPr/>
+                    <a:lstStyle/>
+                    <a:p>
+                      <a:r>
+                        <a:rPr lang="pt-BR" dirty="0" err="1" smtClean="0"/>
+                        <a:t>Instruction</a:t>
+                      </a:r>
+                      <a:r>
+                        <a:rPr lang="pt-BR" dirty="0" smtClean="0"/>
+                        <a:t> </a:t>
+                      </a:r>
+                      <a:r>
+                        <a:rPr lang="pt-BR" dirty="0" err="1" smtClean="0"/>
+                        <a:t>class</a:t>
+                      </a:r>
+                      <a:endParaRPr lang="pt-BR" dirty="0"/>
+                    </a:p>
+                  </a:txBody>
+                  <a:tcPr/>
+                </a:tc>
+              </a:tr>
+              <a:tr h="370840">
+                <a:tc>
+                  <a:txBody>
+                    <a:bodyPr/>
+                    <a:lstStyle/>
+                    <a:p>
+                      <a:r>
+                        <a:rPr lang="pt-BR" dirty="0" smtClean="0"/>
+                        <a:t>0101xx</a:t>
+                      </a:r>
+                    </a:p>
+                    <a:p>
+                      <a:r>
+                        <a:rPr lang="pt-BR" dirty="0" smtClean="0"/>
+                        <a:t>011xxx</a:t>
+                      </a:r>
+                    </a:p>
+                    <a:p>
+                      <a:r>
+                        <a:rPr lang="pt-BR" dirty="0" smtClean="0"/>
+                        <a:t>100xxx</a:t>
+                      </a:r>
+                      <a:endParaRPr lang="pt-BR" dirty="0"/>
+                    </a:p>
+                  </a:txBody>
+                  <a:tcPr/>
+                </a:tc>
+                <a:tc>
+                  <a:txBody>
+                    <a:bodyPr/>
+                    <a:lstStyle/>
+                    <a:p>
+                      <a:r>
+                        <a:rPr lang="pt-BR" sz="1800" b="0" i="1" u="none" strike="noStrike" baseline="0" dirty="0" err="1" smtClean="0">
+                          <a:solidFill>
+                            <a:schemeClr val="dk1"/>
+                          </a:solidFill>
+                          <a:latin typeface="+mn-lt"/>
+                          <a:ea typeface="+mn-ea"/>
+                          <a:cs typeface="+mn-cs"/>
+                        </a:rPr>
+                        <a:t>Load</a:t>
+                      </a:r>
+                      <a:r>
+                        <a:rPr lang="pt-BR" sz="1800" b="0" i="1" u="none" strike="noStrike" baseline="0" dirty="0" smtClean="0">
+                          <a:solidFill>
+                            <a:schemeClr val="dk1"/>
+                          </a:solidFill>
+                          <a:latin typeface="+mn-lt"/>
+                          <a:ea typeface="+mn-ea"/>
+                          <a:cs typeface="+mn-cs"/>
+                        </a:rPr>
+                        <a:t>/</a:t>
+                      </a:r>
+                      <a:r>
+                        <a:rPr lang="pt-BR" sz="1800" b="0" i="1" u="none" strike="noStrike" baseline="0" dirty="0" err="1" smtClean="0">
+                          <a:solidFill>
+                            <a:schemeClr val="dk1"/>
+                          </a:solidFill>
+                          <a:latin typeface="+mn-lt"/>
+                          <a:ea typeface="+mn-ea"/>
+                          <a:cs typeface="+mn-cs"/>
+                        </a:rPr>
+                        <a:t>store</a:t>
+                      </a:r>
+                      <a:r>
+                        <a:rPr lang="pt-BR" sz="1800" b="0" i="1" u="none" strike="noStrike" baseline="0" dirty="0" smtClean="0">
+                          <a:solidFill>
+                            <a:schemeClr val="dk1"/>
+                          </a:solidFill>
+                          <a:latin typeface="+mn-lt"/>
+                          <a:ea typeface="+mn-ea"/>
+                          <a:cs typeface="+mn-cs"/>
+                        </a:rPr>
+                        <a:t> single data item</a:t>
+                      </a:r>
+                      <a:endParaRPr lang="pt-BR" dirty="0"/>
+                    </a:p>
+                  </a:txBody>
+                  <a:tcPr/>
+                </a:tc>
+              </a:tr>
+            </a:tbl>
+          </a:graphicData>
+        </a:graphic>
+      </p:graphicFrame>
+      <p:pic>
+        <p:nvPicPr>
+          <p:cNvPr id="1026" name="Picture 2"/>
+          <p:cNvPicPr>
+            <a:picLocks noChangeAspect="1" noChangeArrowheads="1"/>
+          </p:cNvPicPr>
+          <p:nvPr/>
+        </p:nvPicPr>
+        <p:blipFill>
+          <a:blip r:embed="rId2">
+            <a:extLst>
+              <a:ext uri="{28A0092B-C50C-407E-A947-70E740481C1C}">
+                <a14:useLocalDpi xmlns:a14="http://schemas.microsoft.com/office/drawing/2010/main" val="0"/>
+              </a:ext>
+            </a:extLst>
+          </a:blip>
+          <a:srcRect/>
+          <a:stretch>
+            <a:fillRect/>
+          </a:stretch>
+        </p:blipFill>
+        <p:spPr bwMode="auto">
+          <a:xfrm>
+            <a:off x="1555007" y="1854341"/>
+            <a:ext cx="7066705" cy="1163496"/>
+          </a:xfrm>
+          <a:prstGeom prst="rect">
+            <a:avLst/>
+          </a:prstGeom>
+          <a:noFill/>
+          <a:ln>
+            <a:noFill/>
+          </a:ln>
+          <a:effectLst/>
+          <a:extLst>
+            <a:ext uri="{909E8E84-426E-40DD-AFC4-6F175D3DCCD1}">
+              <a14:hiddenFill xmlns:a14="http://schemas.microsoft.com/office/drawing/2010/main">
+                <a:solidFill>
+                  <a:schemeClr val="accent1"/>
+                </a:solidFill>
+              </a14:hiddenFill>
+            </a:ext>
+            <a:ext uri="{91240B29-F687-4F45-9708-019B960494DF}">
+              <a14:hiddenLine xmlns:a14="http://schemas.microsoft.com/office/drawing/2010/main" w="9525">
+                <a:solidFill>
+                  <a:schemeClr val="tx1"/>
+                </a:solidFill>
+                <a:miter lim="800000"/>
+                <a:headEnd/>
+                <a:tailEnd/>
+              </a14:hiddenLine>
+            </a:ext>
+            <a:ext uri="{AF507438-7753-43E0-B8FC-AC1667EBCBE1}">
+              <a14:hiddenEffects xmlns:a14="http://schemas.microsoft.com/office/drawing/2010/main">
+                <a:effectLst>
+                  <a:outerShdw dist="35921" dir="2700000" algn="ctr" rotWithShape="0">
+                    <a:schemeClr val="bg2"/>
+                  </a:outerShdw>
+                </a:effectLst>
+              </a14:hiddenEffects>
+            </a:ext>
+          </a:extLst>
+        </p:spPr>
+      </p:pic>
+      <p:sp>
+        <p:nvSpPr>
+          <p:cNvPr id="4" name="Título 1"/>
+          <p:cNvSpPr txBox="1">
+            <a:spLocks/>
+          </p:cNvSpPr>
+          <p:nvPr/>
+        </p:nvSpPr>
+        <p:spPr>
+          <a:xfrm>
+            <a:off x="503999" y="301320"/>
+            <a:ext cx="9071640" cy="1262160"/>
+          </a:xfrm>
+          <a:prstGeom prst="rect">
+            <a:avLst/>
+          </a:prstGeom>
+          <a:noFill/>
+          <a:ln>
+            <a:noFill/>
+          </a:ln>
+        </p:spPr>
+        <p:txBody>
+          <a:bodyPr lIns="0" tIns="0" rIns="0" bIns="0" anchor="ctr"/>
+          <a:lstStyle>
+            <a:defPPr lvl="0">
+              <a:buSzPct val="45000"/>
+              <a:buFont typeface="StarSymbol"/>
+              <a:buNone/>
+              <a:defRPr/>
+            </a:defPPr>
+            <a:lvl1pPr lvl="0" algn="ctr" rtl="0" hangingPunct="0">
+              <a:buSzPct val="45000"/>
+              <a:buFont typeface="StarSymbol"/>
+              <a:buChar char="●"/>
+              <a:tabLst/>
+              <a:defRPr lang="en-US" sz="4400" b="0" i="0" u="none" strike="noStrike" kern="1200" cap="none">
+                <a:ln>
+                  <a:noFill/>
+                </a:ln>
+                <a:latin typeface="Liberation Sans" pitchFamily="18"/>
+              </a:defRPr>
+            </a:lvl1pPr>
+            <a:lvl2pPr lvl="1">
+              <a:buSzPct val="45000"/>
+              <a:buFont typeface="StarSymbol"/>
+              <a:buChar char="●"/>
+              <a:defRPr/>
+            </a:lvl2pPr>
+            <a:lvl3pPr lvl="2">
+              <a:buSzPct val="45000"/>
+              <a:buFont typeface="StarSymbol"/>
+              <a:buChar char="●"/>
+              <a:defRPr/>
+            </a:lvl3pPr>
+            <a:lvl4pPr lvl="3">
+              <a:buSzPct val="45000"/>
+              <a:buFont typeface="StarSymbol"/>
+              <a:buChar char="●"/>
+              <a:defRPr/>
+            </a:lvl4pPr>
+            <a:lvl5pPr lvl="4">
+              <a:buSzPct val="45000"/>
+              <a:buFont typeface="StarSymbol"/>
+              <a:buChar char="●"/>
+              <a:defRPr/>
+            </a:lvl5pPr>
+            <a:lvl6pPr lvl="5">
+              <a:buSzPct val="45000"/>
+              <a:buFont typeface="StarSymbol"/>
+              <a:buChar char="●"/>
+              <a:defRPr/>
+            </a:lvl6pPr>
+            <a:lvl7pPr lvl="6">
+              <a:buSzPct val="45000"/>
+              <a:buFont typeface="StarSymbol"/>
+              <a:buChar char="●"/>
+              <a:defRPr/>
+            </a:lvl7pPr>
+            <a:lvl8pPr lvl="7">
+              <a:buSzPct val="45000"/>
+              <a:buFont typeface="StarSymbol"/>
+              <a:buChar char="●"/>
+              <a:defRPr/>
+            </a:lvl8pPr>
+            <a:lvl9pPr lvl="8">
+              <a:buSzPct val="45000"/>
+              <a:buFont typeface="StarSymbol"/>
+              <a:buChar char="●"/>
+              <a:defRPr/>
+            </a:lvl9pPr>
+          </a:lstStyle>
+          <a:p>
+            <a:pPr>
+              <a:buNone/>
+            </a:pPr>
+            <a:r>
+              <a:rPr lang="pt-BR" i="1" dirty="0" err="1">
+                <a:solidFill>
+                  <a:schemeClr val="dk1"/>
+                </a:solidFill>
+              </a:rPr>
+              <a:t>Load</a:t>
+            </a:r>
+            <a:r>
+              <a:rPr lang="pt-BR" i="1" dirty="0">
+                <a:solidFill>
+                  <a:schemeClr val="dk1"/>
+                </a:solidFill>
+              </a:rPr>
+              <a:t>/</a:t>
+            </a:r>
+            <a:r>
+              <a:rPr lang="pt-BR" i="1" dirty="0" err="1">
+                <a:solidFill>
+                  <a:schemeClr val="dk1"/>
+                </a:solidFill>
+              </a:rPr>
+              <a:t>store</a:t>
+            </a:r>
+            <a:r>
+              <a:rPr lang="pt-BR" i="1" dirty="0">
+                <a:solidFill>
+                  <a:schemeClr val="dk1"/>
+                </a:solidFill>
+              </a:rPr>
+              <a:t> single data item</a:t>
+            </a:r>
+            <a:endParaRPr lang="pt-BR" dirty="0"/>
+          </a:p>
+        </p:txBody>
+      </p:sp>
+    </p:spTree>
+    <p:extLst>
+      <p:ext uri="{BB962C8B-B14F-4D97-AF65-F5344CB8AC3E}">
+        <p14:creationId xmlns:p14="http://schemas.microsoft.com/office/powerpoint/2010/main" val="1635171294"/>
+      </p:ext>
+    </p:extLst>
+  </p:cSld>
+  <p:clrMapOvr>
+    <a:masterClrMapping/>
+  </p:clrMapOvr>
+  <mc:AlternateContent xmlns:mc="http://schemas.openxmlformats.org/markup-compatibility/2006" xmlns:p14="http://schemas.microsoft.com/office/powerpoint/2010/main">
+    <mc:Choice Requires="p14">
+      <p:transition spd="slow" p14:dur="2000"/>
+    </mc:Choice>
+    <mc:Fallback xmlns="">
+      <p:transition spd="slow"/>
+    </mc:Fallback>
+  </mc:AlternateContent>
+  <p:timing>
+    <p:tnLst>
+      <p:par>
+        <p:cTn id="1" dur="indefinite" restart="never" nodeType="tmRoot"/>
+      </p:par>
+    </p:tnLst>
+  </p:timing>
+</p:sld>
+</file>
+
+<file path=ppt/slides/slide21.xml><?xml version="1.0" encoding="utf-8"?>
+<p:sld xmlns:a="http://schemas.openxmlformats.org/drawingml/2006/main" xmlns:r="http://schemas.openxmlformats.org/officeDocument/2006/relationships" xmlns:p="http://schemas.openxmlformats.org/presentationml/2006/main">
+  <p:cSld>
+    <p:spTree>
+      <p:nvGrpSpPr>
+        <p:cNvPr id="1" name=""/>
+        <p:cNvGrpSpPr/>
+        <p:nvPr/>
+      </p:nvGrpSpPr>
+      <p:grpSpPr>
+        <a:xfrm>
+          <a:off x="0" y="0"/>
+          <a:ext cx="0" cy="0"/>
+          <a:chOff x="0" y="0"/>
+          <a:chExt cx="0" cy="0"/>
+        </a:xfrm>
+      </p:grpSpPr>
       <p:sp>
         <p:nvSpPr>
           <p:cNvPr id="3" name="Título 1"/>
@@ -9567,7 +9967,7 @@
 </p:sld>
 </file>
 
-<file path=ppt/slides/slide21.xml><?xml version="1.0" encoding="utf-8"?>
+<file path=ppt/slides/slide22.xml><?xml version="1.0" encoding="utf-8"?>
 <p:sld xmlns:a="http://schemas.openxmlformats.org/drawingml/2006/main" xmlns:r="http://schemas.openxmlformats.org/officeDocument/2006/relationships" xmlns:p="http://schemas.openxmlformats.org/presentationml/2006/main">
   <p:cSld>
     <p:spTree>
@@ -9962,7 +10362,7 @@
 </p:sld>
 </file>
 
-<file path=ppt/slides/slide22.xml><?xml version="1.0" encoding="utf-8"?>
+<file path=ppt/slides/slide23.xml><?xml version="1.0" encoding="utf-8"?>
 <p:sld xmlns:a="http://schemas.openxmlformats.org/drawingml/2006/main" xmlns:r="http://schemas.openxmlformats.org/officeDocument/2006/relationships" xmlns:p="http://schemas.openxmlformats.org/presentationml/2006/main">
   <p:cSld>
     <p:spTree>
@@ -10357,7 +10757,7 @@
 </p:sld>
 </file>
 
-<file path=ppt/slides/slide23.xml><?xml version="1.0" encoding="utf-8"?>
+<file path=ppt/slides/slide24.xml><?xml version="1.0" encoding="utf-8"?>
 <p:sld xmlns:a="http://schemas.openxmlformats.org/drawingml/2006/main" xmlns:r="http://schemas.openxmlformats.org/officeDocument/2006/relationships" xmlns:p="http://schemas.openxmlformats.org/presentationml/2006/main">
   <p:cSld>
     <p:spTree>
@@ -10718,7 +11118,7 @@
 </p:sld>
 </file>
 
-<file path=ppt/slides/slide24.xml><?xml version="1.0" encoding="utf-8"?>
+<file path=ppt/slides/slide25.xml><?xml version="1.0" encoding="utf-8"?>
 <p:sld xmlns:a="http://schemas.openxmlformats.org/drawingml/2006/main" xmlns:r="http://schemas.openxmlformats.org/officeDocument/2006/relationships" xmlns:p="http://schemas.openxmlformats.org/presentationml/2006/main">
   <p:cSld>
     <p:spTree>
@@ -10931,7 +11331,7 @@
 </p:sld>
 </file>
 
-<file path=ppt/slides/slide25.xml><?xml version="1.0" encoding="utf-8"?>
+<file path=ppt/slides/slide26.xml><?xml version="1.0" encoding="utf-8"?>
 <p:sld xmlns:a="http://schemas.openxmlformats.org/drawingml/2006/main" xmlns:r="http://schemas.openxmlformats.org/officeDocument/2006/relationships" xmlns:p="http://schemas.openxmlformats.org/presentationml/2006/main">
   <p:cSld name="page3">
     <p:spTree>
@@ -11322,7 +11722,7 @@
 </p:sld>
 </file>
 
-<file path=ppt/slides/slide26.xml><?xml version="1.0" encoding="utf-8"?>
+<file path=ppt/slides/slide27.xml><?xml version="1.0" encoding="utf-8"?>
 <p:sld xmlns:a="http://schemas.openxmlformats.org/drawingml/2006/main" xmlns:r="http://schemas.openxmlformats.org/officeDocument/2006/relationships" xmlns:p="http://schemas.openxmlformats.org/presentationml/2006/main">
   <p:cSld>
     <p:spTree>
@@ -11683,7 +12083,7 @@
 </p:sld>
 </file>
 
-<file path=ppt/slides/slide27.xml><?xml version="1.0" encoding="utf-8"?>
+<file path=ppt/slides/slide28.xml><?xml version="1.0" encoding="utf-8"?>
 <p:sld xmlns:a="http://schemas.openxmlformats.org/drawingml/2006/main" xmlns:r="http://schemas.openxmlformats.org/officeDocument/2006/relationships" xmlns:p="http://schemas.openxmlformats.org/presentationml/2006/main">
   <p:cSld>
     <p:spTree>
@@ -12078,7 +12478,7 @@
 </p:sld>
 </file>
 
-<file path=ppt/slides/slide28.xml><?xml version="1.0" encoding="utf-8"?>
+<file path=ppt/slides/slide29.xml><?xml version="1.0" encoding="utf-8"?>
 <p:sld xmlns:a="http://schemas.openxmlformats.org/drawingml/2006/main" xmlns:r="http://schemas.openxmlformats.org/officeDocument/2006/relationships" xmlns:p="http://schemas.openxmlformats.org/presentationml/2006/main">
   <p:cSld>
     <p:spTree>
@@ -16122,7 +16522,203 @@
 </p:sld>
 </file>
 
-<file path=ppt/slides/slide29.xml><?xml version="1.0" encoding="utf-8"?>
+<file path=ppt/slides/slide3.xml><?xml version="1.0" encoding="utf-8"?>
+<p:sld xmlns:a="http://schemas.openxmlformats.org/drawingml/2006/main" xmlns:r="http://schemas.openxmlformats.org/officeDocument/2006/relationships" xmlns:p="http://schemas.openxmlformats.org/presentationml/2006/main">
+  <p:cSld>
+    <p:spTree>
+      <p:nvGrpSpPr>
+        <p:cNvPr id="1" name=""/>
+        <p:cNvGrpSpPr/>
+        <p:nvPr/>
+      </p:nvGrpSpPr>
+      <p:grpSpPr>
+        <a:xfrm>
+          <a:off x="0" y="0"/>
+          <a:ext cx="0" cy="0"/>
+          <a:chOff x="0" y="0"/>
+          <a:chExt cx="0" cy="0"/>
+        </a:xfrm>
+      </p:grpSpPr>
+      <p:sp>
+        <p:nvSpPr>
+          <p:cNvPr id="2" name="Título 1"/>
+          <p:cNvSpPr txBox="1">
+            <a:spLocks/>
+          </p:cNvSpPr>
+          <p:nvPr/>
+        </p:nvSpPr>
+        <p:spPr>
+          <a:xfrm>
+            <a:off x="503999" y="301320"/>
+            <a:ext cx="9071640" cy="1262160"/>
+          </a:xfrm>
+          <a:prstGeom prst="rect">
+            <a:avLst/>
+          </a:prstGeom>
+          <a:noFill/>
+          <a:ln>
+            <a:noFill/>
+          </a:ln>
+        </p:spPr>
+        <p:txBody>
+          <a:bodyPr lIns="0" tIns="0" rIns="0" bIns="0" anchor="ctr"/>
+          <a:lstStyle>
+            <a:defPPr lvl="0">
+              <a:buSzPct val="45000"/>
+              <a:buFont typeface="StarSymbol"/>
+              <a:buNone/>
+              <a:defRPr/>
+            </a:defPPr>
+            <a:lvl1pPr lvl="0" algn="ctr" rtl="0" hangingPunct="0">
+              <a:buSzPct val="45000"/>
+              <a:buFont typeface="StarSymbol"/>
+              <a:buChar char="●"/>
+              <a:tabLst/>
+              <a:defRPr lang="en-US" sz="4400" b="0" i="0" u="none" strike="noStrike" kern="1200" cap="none">
+                <a:ln>
+                  <a:noFill/>
+                </a:ln>
+                <a:latin typeface="Liberation Sans" pitchFamily="18"/>
+              </a:defRPr>
+            </a:lvl1pPr>
+            <a:lvl2pPr lvl="1">
+              <a:buSzPct val="45000"/>
+              <a:buFont typeface="StarSymbol"/>
+              <a:buChar char="●"/>
+              <a:defRPr/>
+            </a:lvl2pPr>
+            <a:lvl3pPr lvl="2">
+              <a:buSzPct val="45000"/>
+              <a:buFont typeface="StarSymbol"/>
+              <a:buChar char="●"/>
+              <a:defRPr/>
+            </a:lvl3pPr>
+            <a:lvl4pPr lvl="3">
+              <a:buSzPct val="45000"/>
+              <a:buFont typeface="StarSymbol"/>
+              <a:buChar char="●"/>
+              <a:defRPr/>
+            </a:lvl4pPr>
+            <a:lvl5pPr lvl="4">
+              <a:buSzPct val="45000"/>
+              <a:buFont typeface="StarSymbol"/>
+              <a:buChar char="●"/>
+              <a:defRPr/>
+            </a:lvl5pPr>
+            <a:lvl6pPr lvl="5">
+              <a:buSzPct val="45000"/>
+              <a:buFont typeface="StarSymbol"/>
+              <a:buChar char="●"/>
+              <a:defRPr/>
+            </a:lvl6pPr>
+            <a:lvl7pPr lvl="6">
+              <a:buSzPct val="45000"/>
+              <a:buFont typeface="StarSymbol"/>
+              <a:buChar char="●"/>
+              <a:defRPr/>
+            </a:lvl7pPr>
+            <a:lvl8pPr lvl="7">
+              <a:buSzPct val="45000"/>
+              <a:buFont typeface="StarSymbol"/>
+              <a:buChar char="●"/>
+              <a:defRPr/>
+            </a:lvl8pPr>
+            <a:lvl9pPr lvl="8">
+              <a:buSzPct val="45000"/>
+              <a:buFont typeface="StarSymbol"/>
+              <a:buChar char="●"/>
+              <a:defRPr/>
+            </a:lvl9pPr>
+          </a:lstStyle>
+          <a:p>
+            <a:pPr>
+              <a:buFont typeface="StarSymbol"/>
+              <a:buNone/>
+            </a:pPr>
+            <a:r>
+              <a:rPr lang="pt-BR" dirty="0" err="1" smtClean="0"/>
+              <a:t>Microarchitecture</a:t>
+            </a:r>
+            <a:endParaRPr lang="pt-BR" dirty="0"/>
+          </a:p>
+        </p:txBody>
+      </p:sp>
+      <p:pic>
+        <p:nvPicPr>
+          <p:cNvPr id="3" name="Picture 104"/>
+          <p:cNvPicPr>
+            <a:picLocks noChangeAspect="1" noChangeArrowheads="1"/>
+          </p:cNvPicPr>
+          <p:nvPr/>
+        </p:nvPicPr>
+        <p:blipFill>
+          <a:blip r:embed="rId2" cstate="print">
+            <a:extLst>
+              <a:ext uri="{28A0092B-C50C-407E-A947-70E740481C1C}">
+                <a14:useLocalDpi xmlns:a14="http://schemas.microsoft.com/office/drawing/2010/main" val="0"/>
+              </a:ext>
+            </a:extLst>
+          </a:blip>
+          <a:srcRect/>
+          <a:stretch>
+            <a:fillRect/>
+          </a:stretch>
+        </p:blipFill>
+        <p:spPr bwMode="auto">
+          <a:xfrm>
+            <a:off x="986472" y="1493837"/>
+            <a:ext cx="8473440" cy="4497277"/>
+          </a:xfrm>
+          <a:prstGeom prst="rect">
+            <a:avLst/>
+          </a:prstGeom>
+          <a:noFill/>
+          <a:ln>
+            <a:noFill/>
+          </a:ln>
+          <a:extLst>
+            <a:ext uri="{909E8E84-426E-40DD-AFC4-6F175D3DCCD1}">
+              <a14:hiddenFill xmlns:a14="http://schemas.microsoft.com/office/drawing/2010/main">
+                <a:solidFill>
+                  <a:schemeClr val="accent1"/>
+                </a:solidFill>
+              </a14:hiddenFill>
+            </a:ext>
+            <a:ext uri="{91240B29-F687-4F45-9708-019B960494DF}">
+              <a14:hiddenLine xmlns:a14="http://schemas.microsoft.com/office/drawing/2010/main" w="9525">
+                <a:solidFill>
+                  <a:schemeClr val="tx1"/>
+                </a:solidFill>
+                <a:miter lim="800000"/>
+                <a:headEnd/>
+                <a:tailEnd/>
+              </a14:hiddenLine>
+            </a:ext>
+          </a:extLst>
+        </p:spPr>
+      </p:pic>
+    </p:spTree>
+    <p:extLst>
+      <p:ext uri="{BB962C8B-B14F-4D97-AF65-F5344CB8AC3E}">
+        <p14:creationId xmlns:p14="http://schemas.microsoft.com/office/powerpoint/2010/main" val="2147154554"/>
+      </p:ext>
+    </p:extLst>
+  </p:cSld>
+  <p:clrMapOvr>
+    <a:masterClrMapping/>
+  </p:clrMapOvr>
+  <mc:AlternateContent xmlns:mc="http://schemas.openxmlformats.org/markup-compatibility/2006" xmlns:p14="http://schemas.microsoft.com/office/powerpoint/2010/main">
+    <mc:Choice Requires="p14">
+      <p:transition spd="slow" p14:dur="2000"/>
+    </mc:Choice>
+    <mc:Fallback xmlns="">
+      <p:transition spd="slow"/>
+    </mc:Fallback>
+  </mc:AlternateContent>
+</p:sld>
+</file>
+
+<file path=ppt/slides/slide30.xml><?xml version="1.0" encoding="utf-8"?>
 <p:sld xmlns:a="http://schemas.openxmlformats.org/drawingml/2006/main" xmlns:r="http://schemas.openxmlformats.org/officeDocument/2006/relationships" xmlns:p="http://schemas.openxmlformats.org/presentationml/2006/main">
   <p:cSld name="page16">
     <p:spTree>
@@ -16492,7 +17088,7 @@
 </p:sld>
 </file>
 
-<file path=ppt/slides/slide3.xml><?xml version="1.0" encoding="utf-8"?>
+<file path=ppt/slides/slide4.xml><?xml version="1.0" encoding="utf-8"?>
 <p:sld xmlns:a="http://schemas.openxmlformats.org/drawingml/2006/main" xmlns:r="http://schemas.openxmlformats.org/officeDocument/2006/relationships" xmlns:p="http://schemas.openxmlformats.org/presentationml/2006/main">
   <p:cSld>
     <p:spTree>
@@ -17221,7 +17817,7 @@
 </p:sld>
 </file>
 
-<file path=ppt/slides/slide4.xml><?xml version="1.0" encoding="utf-8"?>
+<file path=ppt/slides/slide5.xml><?xml version="1.0" encoding="utf-8"?>
 <p:sld xmlns:a="http://schemas.openxmlformats.org/drawingml/2006/main" xmlns:r="http://schemas.openxmlformats.org/officeDocument/2006/relationships" xmlns:p="http://schemas.openxmlformats.org/presentationml/2006/main">
   <p:cSld>
     <p:spTree>
@@ -27657,7 +28253,7 @@
 </p:sld>
 </file>
 
-<file path=ppt/slides/slide5.xml><?xml version="1.0" encoding="utf-8"?>
+<file path=ppt/slides/slide6.xml><?xml version="1.0" encoding="utf-8"?>
 <p:sld xmlns:a="http://schemas.openxmlformats.org/drawingml/2006/main" xmlns:r="http://schemas.openxmlformats.org/officeDocument/2006/relationships" xmlns:p="http://schemas.openxmlformats.org/presentationml/2006/main">
   <p:cSld>
     <p:spTree>
@@ -28045,7 +28641,7 @@
 </p:sld>
 </file>
 
-<file path=ppt/slides/slide6.xml><?xml version="1.0" encoding="utf-8"?>
+<file path=ppt/slides/slide7.xml><?xml version="1.0" encoding="utf-8"?>
 <p:sld xmlns:a="http://schemas.openxmlformats.org/drawingml/2006/main" xmlns:r="http://schemas.openxmlformats.org/officeDocument/2006/relationships" xmlns:p="http://schemas.openxmlformats.org/presentationml/2006/main">
   <p:cSld>
     <p:spTree>
@@ -28476,7 +29072,7 @@
 </p:sld>
 </file>
 
-<file path=ppt/slides/slide7.xml><?xml version="1.0" encoding="utf-8"?>
+<file path=ppt/slides/slide8.xml><?xml version="1.0" encoding="utf-8"?>
 <p:sld xmlns:a="http://schemas.openxmlformats.org/drawingml/2006/main" xmlns:r="http://schemas.openxmlformats.org/officeDocument/2006/relationships" xmlns:p="http://schemas.openxmlformats.org/presentationml/2006/main">
   <p:cSld>
     <p:spTree>
@@ -28875,7 +29471,7 @@
 </p:sld>
 </file>
 
-<file path=ppt/slides/slide8.xml><?xml version="1.0" encoding="utf-8"?>
+<file path=ppt/slides/slide9.xml><?xml version="1.0" encoding="utf-8"?>
 <p:sld xmlns:a="http://schemas.openxmlformats.org/drawingml/2006/main" xmlns:r="http://schemas.openxmlformats.org/officeDocument/2006/relationships" xmlns:p="http://schemas.openxmlformats.org/presentationml/2006/main">
   <p:cSld>
     <p:spTree>
@@ -29250,405 +29846,6 @@
     <p:extLst>
       <p:ext uri="{BB962C8B-B14F-4D97-AF65-F5344CB8AC3E}">
         <p14:creationId xmlns:p14="http://schemas.microsoft.com/office/powerpoint/2010/main" val="2402952953"/>
-      </p:ext>
-    </p:extLst>
-  </p:cSld>
-  <p:clrMapOvr>
-    <a:masterClrMapping/>
-  </p:clrMapOvr>
-  <mc:AlternateContent xmlns:mc="http://schemas.openxmlformats.org/markup-compatibility/2006" xmlns:p14="http://schemas.microsoft.com/office/powerpoint/2010/main">
-    <mc:Choice Requires="p14">
-      <p:transition spd="slow" p14:dur="2000"/>
-    </mc:Choice>
-    <mc:Fallback xmlns="">
-      <p:transition spd="slow"/>
-    </mc:Fallback>
-  </mc:AlternateContent>
-  <p:timing>
-    <p:tnLst>
-      <p:par>
-        <p:cTn id="1" dur="indefinite" restart="never" nodeType="tmRoot"/>
-      </p:par>
-    </p:tnLst>
-  </p:timing>
-</p:sld>
-</file>
-
-<file path=ppt/slides/slide9.xml><?xml version="1.0" encoding="utf-8"?>
-<p:sld xmlns:a="http://schemas.openxmlformats.org/drawingml/2006/main" xmlns:r="http://schemas.openxmlformats.org/officeDocument/2006/relationships" xmlns:p="http://schemas.openxmlformats.org/presentationml/2006/main">
-  <p:cSld>
-    <p:spTree>
-      <p:nvGrpSpPr>
-        <p:cNvPr id="1" name=""/>
-        <p:cNvGrpSpPr/>
-        <p:nvPr/>
-      </p:nvGrpSpPr>
-      <p:grpSpPr>
-        <a:xfrm>
-          <a:off x="0" y="0"/>
-          <a:ext cx="0" cy="0"/>
-          <a:chOff x="0" y="0"/>
-          <a:chExt cx="0" cy="0"/>
-        </a:xfrm>
-      </p:grpSpPr>
-      <p:sp>
-        <p:nvSpPr>
-          <p:cNvPr id="2" name="Título 1"/>
-          <p:cNvSpPr txBox="1">
-            <a:spLocks noGrp="1"/>
-          </p:cNvSpPr>
-          <p:nvPr>
-            <p:ph type="title" idx="4294967295"/>
-          </p:nvPr>
-        </p:nvSpPr>
-        <p:spPr/>
-        <p:txBody>
-          <a:bodyPr/>
-          <a:lstStyle>
-            <a:defPPr lvl="0">
-              <a:buSzPct val="45000"/>
-              <a:buFont typeface="StarSymbol"/>
-              <a:buNone/>
-            </a:defPPr>
-            <a:lvl1pPr lvl="0">
-              <a:buSzPct val="45000"/>
-              <a:buFont typeface="StarSymbol"/>
-              <a:buChar char="●"/>
-            </a:lvl1pPr>
-            <a:lvl2pPr lvl="1">
-              <a:buSzPct val="45000"/>
-              <a:buFont typeface="StarSymbol"/>
-              <a:buChar char="●"/>
-            </a:lvl2pPr>
-            <a:lvl3pPr lvl="2">
-              <a:buSzPct val="45000"/>
-              <a:buFont typeface="StarSymbol"/>
-              <a:buChar char="●"/>
-            </a:lvl3pPr>
-            <a:lvl4pPr lvl="3">
-              <a:buSzPct val="45000"/>
-              <a:buFont typeface="StarSymbol"/>
-              <a:buChar char="●"/>
-            </a:lvl4pPr>
-            <a:lvl5pPr lvl="4">
-              <a:buSzPct val="45000"/>
-              <a:buFont typeface="StarSymbol"/>
-              <a:buChar char="●"/>
-            </a:lvl5pPr>
-            <a:lvl6pPr lvl="5">
-              <a:buSzPct val="45000"/>
-              <a:buFont typeface="StarSymbol"/>
-              <a:buChar char="●"/>
-            </a:lvl6pPr>
-            <a:lvl7pPr lvl="6">
-              <a:buSzPct val="45000"/>
-              <a:buFont typeface="StarSymbol"/>
-              <a:buChar char="●"/>
-            </a:lvl7pPr>
-            <a:lvl8pPr lvl="7">
-              <a:buSzPct val="45000"/>
-              <a:buFont typeface="StarSymbol"/>
-              <a:buChar char="●"/>
-            </a:lvl8pPr>
-            <a:lvl9pPr lvl="8">
-              <a:buSzPct val="45000"/>
-              <a:buFont typeface="StarSymbol"/>
-              <a:buChar char="●"/>
-            </a:lvl9pPr>
-          </a:lstStyle>
-          <a:p>
-            <a:pPr lvl="0">
-              <a:buNone/>
-            </a:pPr>
-            <a:r>
-              <a:rPr lang="en-US" dirty="0" smtClean="0"/>
-              <a:t>SUBS </a:t>
-            </a:r>
-            <a:r>
-              <a:rPr lang="en-US" dirty="0"/>
-              <a:t>(Immediate)</a:t>
-            </a:r>
-          </a:p>
-        </p:txBody>
-      </p:sp>
-      <p:sp>
-        <p:nvSpPr>
-          <p:cNvPr id="3" name="Espaço Reservado para Texto 2"/>
-          <p:cNvSpPr txBox="1">
-            <a:spLocks noGrp="1"/>
-          </p:cNvSpPr>
-          <p:nvPr>
-            <p:ph type="body" idx="4294967295"/>
-          </p:nvPr>
-        </p:nvSpPr>
-        <p:spPr/>
-        <p:txBody>
-          <a:bodyPr/>
-          <a:lstStyle>
-            <a:defPPr marL="432000" lvl="0" indent="-324000">
-              <a:spcBef>
-                <a:spcPts val="0"/>
-              </a:spcBef>
-              <a:spcAft>
-                <a:spcPts val="1417"/>
-              </a:spcAft>
-              <a:buSzPct val="45000"/>
-              <a:buFont typeface="StarSymbol"/>
-              <a:buNone/>
-              <a:defRPr lang="en-US" sz="3200" b="0" i="0" u="none" strike="noStrike" kern="1200" cap="none">
-                <a:ln>
-                  <a:noFill/>
-                </a:ln>
-                <a:latin typeface="Liberation Sans" pitchFamily="18"/>
-                <a:ea typeface="Droid Sans Fallback" pitchFamily="2"/>
-                <a:cs typeface="FreeSans" pitchFamily="2"/>
-              </a:defRPr>
-            </a:defPPr>
-            <a:lvl1pPr marL="432000" lvl="0" indent="-324000">
-              <a:spcBef>
-                <a:spcPts val="0"/>
-              </a:spcBef>
-              <a:spcAft>
-                <a:spcPts val="1417"/>
-              </a:spcAft>
-              <a:buSzPct val="45000"/>
-              <a:buFont typeface="StarSymbol"/>
-              <a:buChar char="●"/>
-              <a:defRPr lang="en-US" sz="3200" b="0" i="0" u="none" strike="noStrike" kern="1200" cap="none">
-                <a:ln>
-                  <a:noFill/>
-                </a:ln>
-                <a:latin typeface="Liberation Sans" pitchFamily="18"/>
-                <a:ea typeface="Droid Sans Fallback" pitchFamily="2"/>
-                <a:cs typeface="FreeSans" pitchFamily="2"/>
-              </a:defRPr>
-            </a:lvl1pPr>
-            <a:lvl2pPr marL="864000" lvl="1" indent="-324000">
-              <a:spcBef>
-                <a:spcPts val="0"/>
-              </a:spcBef>
-              <a:spcAft>
-                <a:spcPts val="1134"/>
-              </a:spcAft>
-              <a:buSzPct val="75000"/>
-              <a:buFont typeface="StarSymbol"/>
-              <a:buChar char="–"/>
-              <a:defRPr lang="en-US" sz="2800" b="0" i="0" u="none" strike="noStrike" kern="1200" cap="none">
-                <a:ln>
-                  <a:noFill/>
-                </a:ln>
-                <a:latin typeface="Liberation Sans" pitchFamily="18"/>
-                <a:ea typeface="Droid Sans Fallback" pitchFamily="2"/>
-                <a:cs typeface="FreeSans" pitchFamily="2"/>
-              </a:defRPr>
-            </a:lvl2pPr>
-            <a:lvl3pPr marL="1295999" lvl="2" indent="-288000">
-              <a:spcBef>
-                <a:spcPts val="0"/>
-              </a:spcBef>
-              <a:spcAft>
-                <a:spcPts val="850"/>
-              </a:spcAft>
-              <a:buSzPct val="45000"/>
-              <a:buFont typeface="StarSymbol"/>
-              <a:buChar char="●"/>
-              <a:defRPr lang="en-US" sz="2400" b="0" i="0" u="none" strike="noStrike" kern="1200" cap="none">
-                <a:ln>
-                  <a:noFill/>
-                </a:ln>
-                <a:latin typeface="Liberation Sans" pitchFamily="18"/>
-                <a:ea typeface="Droid Sans Fallback" pitchFamily="2"/>
-                <a:cs typeface="FreeSans" pitchFamily="2"/>
-              </a:defRPr>
-            </a:lvl3pPr>
-            <a:lvl4pPr marL="1728000" lvl="3" indent="-216000">
-              <a:spcBef>
-                <a:spcPts val="0"/>
-              </a:spcBef>
-              <a:spcAft>
-                <a:spcPts val="567"/>
-              </a:spcAft>
-              <a:buSzPct val="75000"/>
-              <a:buFont typeface="StarSymbol"/>
-              <a:buChar char="–"/>
-              <a:defRPr lang="en-US" sz="2000" b="0" i="0" u="none" strike="noStrike" kern="1200" cap="none">
-                <a:ln>
-                  <a:noFill/>
-                </a:ln>
-                <a:latin typeface="Liberation Sans" pitchFamily="18"/>
-                <a:ea typeface="Droid Sans Fallback" pitchFamily="2"/>
-                <a:cs typeface="FreeSans" pitchFamily="2"/>
-              </a:defRPr>
-            </a:lvl4pPr>
-            <a:lvl5pPr marL="2160000" lvl="4" indent="-216000">
-              <a:spcBef>
-                <a:spcPts val="0"/>
-              </a:spcBef>
-              <a:spcAft>
-                <a:spcPts val="283"/>
-              </a:spcAft>
-              <a:buSzPct val="45000"/>
-              <a:buFont typeface="StarSymbol"/>
-              <a:buChar char="●"/>
-              <a:defRPr lang="en-US" sz="2000" b="0" i="0" u="none" strike="noStrike" kern="1200" cap="none">
-                <a:ln>
-                  <a:noFill/>
-                </a:ln>
-                <a:latin typeface="Liberation Sans" pitchFamily="18"/>
-                <a:ea typeface="Droid Sans Fallback" pitchFamily="2"/>
-                <a:cs typeface="FreeSans" pitchFamily="2"/>
-              </a:defRPr>
-            </a:lvl5pPr>
-            <a:lvl6pPr marL="2592000" lvl="5" indent="-216000">
-              <a:spcBef>
-                <a:spcPts val="0"/>
-              </a:spcBef>
-              <a:spcAft>
-                <a:spcPts val="283"/>
-              </a:spcAft>
-              <a:buSzPct val="45000"/>
-              <a:buFont typeface="StarSymbol"/>
-              <a:buChar char="●"/>
-              <a:defRPr lang="en-US" sz="2000" b="0" i="0" u="none" strike="noStrike" kern="1200" cap="none">
-                <a:ln>
-                  <a:noFill/>
-                </a:ln>
-                <a:latin typeface="Liberation Sans" pitchFamily="18"/>
-                <a:ea typeface="Droid Sans Fallback" pitchFamily="2"/>
-                <a:cs typeface="FreeSans" pitchFamily="2"/>
-              </a:defRPr>
-            </a:lvl6pPr>
-            <a:lvl7pPr marL="3024000" lvl="6" indent="-216000">
-              <a:spcBef>
-                <a:spcPts val="0"/>
-              </a:spcBef>
-              <a:spcAft>
-                <a:spcPts val="283"/>
-              </a:spcAft>
-              <a:buSzPct val="45000"/>
-              <a:buFont typeface="StarSymbol"/>
-              <a:buChar char="●"/>
-              <a:defRPr lang="en-US" sz="2000" b="0" i="0" u="none" strike="noStrike" kern="1200" cap="none">
-                <a:ln>
-                  <a:noFill/>
-                </a:ln>
-                <a:latin typeface="Liberation Sans" pitchFamily="18"/>
-                <a:ea typeface="Droid Sans Fallback" pitchFamily="2"/>
-                <a:cs typeface="FreeSans" pitchFamily="2"/>
-              </a:defRPr>
-            </a:lvl7pPr>
-            <a:lvl8pPr marL="3456000" lvl="7" indent="-216000">
-              <a:spcBef>
-                <a:spcPts val="0"/>
-              </a:spcBef>
-              <a:spcAft>
-                <a:spcPts val="283"/>
-              </a:spcAft>
-              <a:buSzPct val="45000"/>
-              <a:buFont typeface="StarSymbol"/>
-              <a:buChar char="●"/>
-              <a:defRPr lang="en-US" sz="2000" b="0" i="0" u="none" strike="noStrike" kern="1200" cap="none">
-                <a:ln>
-                  <a:noFill/>
-                </a:ln>
-                <a:latin typeface="Liberation Sans" pitchFamily="18"/>
-                <a:ea typeface="Droid Sans Fallback" pitchFamily="2"/>
-                <a:cs typeface="FreeSans" pitchFamily="2"/>
-              </a:defRPr>
-            </a:lvl8pPr>
-            <a:lvl9pPr marL="3887999" lvl="8" indent="-216000">
-              <a:spcBef>
-                <a:spcPts val="0"/>
-              </a:spcBef>
-              <a:spcAft>
-                <a:spcPts val="283"/>
-              </a:spcAft>
-              <a:buSzPct val="45000"/>
-              <a:buFont typeface="StarSymbol"/>
-              <a:buChar char="●"/>
-              <a:defRPr lang="en-US" sz="2000" b="0" i="0" u="none" strike="noStrike" kern="1200" cap="none">
-                <a:ln>
-                  <a:noFill/>
-                </a:ln>
-                <a:latin typeface="Liberation Sans" pitchFamily="18"/>
-                <a:ea typeface="Droid Sans Fallback" pitchFamily="2"/>
-                <a:cs typeface="FreeSans" pitchFamily="2"/>
-              </a:defRPr>
-            </a:lvl9pPr>
-          </a:lstStyle>
-          <a:p>
-            <a:endParaRPr lang="en-US"/>
-          </a:p>
-        </p:txBody>
-      </p:sp>
-      <p:pic>
-        <p:nvPicPr>
-          <p:cNvPr id="2050" name="Picture 2"/>
-          <p:cNvPicPr>
-            <a:picLocks noChangeAspect="1" noChangeArrowheads="1"/>
-          </p:cNvPicPr>
-          <p:nvPr/>
-        </p:nvPicPr>
-        <p:blipFill>
-          <a:blip r:embed="rId3">
-            <a:extLst>
-              <a:ext uri="{28A0092B-C50C-407E-A947-70E740481C1C}">
-                <a14:useLocalDpi xmlns:a14="http://schemas.microsoft.com/office/drawing/2010/main" val="0"/>
-              </a:ext>
-            </a:extLst>
-          </a:blip>
-          <a:srcRect/>
-          <a:stretch>
-            <a:fillRect/>
-          </a:stretch>
-        </p:blipFill>
-        <p:spPr bwMode="auto">
-          <a:xfrm>
-            <a:off x="306388" y="1598612"/>
-            <a:ext cx="9467850" cy="2943225"/>
-          </a:xfrm>
-          <a:prstGeom prst="rect">
-            <a:avLst/>
-          </a:prstGeom>
-          <a:noFill/>
-          <a:ln>
-            <a:noFill/>
-          </a:ln>
-          <a:effectLst/>
-          <a:extLst>
-            <a:ext uri="{909E8E84-426E-40DD-AFC4-6F175D3DCCD1}">
-              <a14:hiddenFill xmlns:a14="http://schemas.microsoft.com/office/drawing/2010/main">
-                <a:solidFill>
-                  <a:schemeClr val="accent1"/>
-                </a:solidFill>
-              </a14:hiddenFill>
-            </a:ext>
-            <a:ext uri="{91240B29-F687-4F45-9708-019B960494DF}">
-              <a14:hiddenLine xmlns:a14="http://schemas.microsoft.com/office/drawing/2010/main" w="9525">
-                <a:solidFill>
-                  <a:schemeClr val="tx1"/>
-                </a:solidFill>
-                <a:miter lim="800000"/>
-                <a:headEnd/>
-                <a:tailEnd/>
-              </a14:hiddenLine>
-            </a:ext>
-            <a:ext uri="{AF507438-7753-43E0-B8FC-AC1667EBCBE1}">
-              <a14:hiddenEffects xmlns:a14="http://schemas.microsoft.com/office/drawing/2010/main">
-                <a:effectLst>
-                  <a:outerShdw dist="35921" dir="2700000" algn="ctr" rotWithShape="0">
-                    <a:schemeClr val="bg2"/>
-                  </a:outerShdw>
-                </a:effectLst>
-              </a14:hiddenEffects>
-            </a:ext>
-          </a:extLst>
-        </p:spPr>
-      </p:pic>
-    </p:spTree>
-    <p:extLst>
-      <p:ext uri="{BB962C8B-B14F-4D97-AF65-F5344CB8AC3E}">
-        <p14:creationId xmlns:p14="http://schemas.microsoft.com/office/powerpoint/2010/main" val="147748093"/>
       </p:ext>
     </p:extLst>
   </p:cSld>
